--- a/Kolloquium Präsentation.pptx
+++ b/Kolloquium Präsentation.pptx
@@ -5,12 +5,13 @@
     <p:sldMasterId id="2147483714" r:id="rId1"/>
   </p:sldMasterIdLst>
   <p:notesMasterIdLst>
-    <p:notesMasterId r:id="rId5"/>
+    <p:notesMasterId r:id="rId6"/>
   </p:notesMasterIdLst>
   <p:sldIdLst>
     <p:sldId id="256" r:id="rId2"/>
     <p:sldId id="257" r:id="rId3"/>
     <p:sldId id="258" r:id="rId4"/>
+    <p:sldId id="259" r:id="rId5"/>
   </p:sldIdLst>
   <p:sldSz cx="12192000" cy="6858000"/>
   <p:notesSz cx="6858000" cy="9144000"/>
@@ -109,6 +110,11 @@
       </a:defRPr>
     </a:lvl9pPr>
   </p:defaultTextStyle>
+  <p:extLst>
+    <p:ext uri="{EFAFB233-063F-42B5-8137-9DF3F51BA10A}">
+      <p15:sldGuideLst xmlns:p15="http://schemas.microsoft.com/office/powerpoint/2012/main"/>
+    </p:ext>
+  </p:extLst>
 </p:presentation>
 </file>
 
@@ -6702,7 +6708,7 @@
                   <a:schemeClr val="tx1"/>
                 </a:solidFill>
               </a:rPr>
-              <a:t>Schlusswort </a:t>
+              <a:t>Kritik</a:t>
             </a:r>
           </a:p>
         </p:txBody>
@@ -7605,6 +7611,466 @@
     <p:extLst>
       <p:ext uri="{BB962C8B-B14F-4D97-AF65-F5344CB8AC3E}">
         <p14:creationId xmlns:p14="http://schemas.microsoft.com/office/powerpoint/2010/main" val="417218249"/>
+      </p:ext>
+    </p:extLst>
+  </p:cSld>
+  <p:clrMapOvr>
+    <a:masterClrMapping/>
+  </p:clrMapOvr>
+</p:sld>
+</file>
+
+<file path=ppt/slides/slide4.xml><?xml version="1.0" encoding="utf-8"?>
+<p:sld xmlns:a="http://schemas.openxmlformats.org/drawingml/2006/main" xmlns:r="http://schemas.openxmlformats.org/officeDocument/2006/relationships" xmlns:p="http://schemas.openxmlformats.org/presentationml/2006/main">
+  <p:cSld>
+    <p:spTree>
+      <p:nvGrpSpPr>
+        <p:cNvPr id="1" name=""/>
+        <p:cNvGrpSpPr/>
+        <p:nvPr/>
+      </p:nvGrpSpPr>
+      <p:grpSpPr>
+        <a:xfrm>
+          <a:off x="0" y="0"/>
+          <a:ext cx="0" cy="0"/>
+          <a:chOff x="0" y="0"/>
+          <a:chExt cx="0" cy="0"/>
+        </a:xfrm>
+      </p:grpSpPr>
+      <p:sp useBgFill="1">
+        <p:nvSpPr>
+          <p:cNvPr id="8" name="Rectangle 7">
+            <a:extLst>
+              <a:ext uri="{FF2B5EF4-FFF2-40B4-BE49-F238E27FC236}">
+                <a16:creationId xmlns:a16="http://schemas.microsoft.com/office/drawing/2014/main" id="{CADF2543-1B6F-4FBC-A7AF-53A0430E05AB}"/>
+              </a:ext>
+              <a:ext uri="{C183D7F6-B498-43B3-948B-1728B52AA6E4}">
+                <adec:decorative xmlns:adec="http://schemas.microsoft.com/office/drawing/2017/decorative" val="1"/>
+              </a:ext>
+            </a:extLst>
+          </p:cNvPr>
+          <p:cNvSpPr>
+            <a:spLocks noGrp="1" noRot="1" noChangeAspect="1" noMove="1" noResize="1" noEditPoints="1" noAdjustHandles="1" noChangeArrowheads="1" noChangeShapeType="1" noTextEdit="1"/>
+          </p:cNvSpPr>
+          <p:nvPr>
+            <p:extLst>
+              <p:ext uri="{386F3935-93C4-4BCD-93E2-E3B085C9AB24}">
+                <p16:designElem xmlns:p16="http://schemas.microsoft.com/office/powerpoint/2015/main" val="1"/>
+              </p:ext>
+            </p:extLst>
+          </p:nvPr>
+        </p:nvSpPr>
+        <p:spPr>
+          <a:xfrm>
+            <a:off x="0" y="0"/>
+            <a:ext cx="12192000" cy="6858000"/>
+          </a:xfrm>
+          <a:prstGeom prst="rect">
+            <a:avLst/>
+          </a:prstGeom>
+          <a:ln>
+            <a:noFill/>
+          </a:ln>
+        </p:spPr>
+        <p:style>
+          <a:lnRef idx="2">
+            <a:schemeClr val="accent1">
+              <a:shade val="50000"/>
+            </a:schemeClr>
+          </a:lnRef>
+          <a:fillRef idx="1">
+            <a:schemeClr val="accent1"/>
+          </a:fillRef>
+          <a:effectRef idx="0">
+            <a:schemeClr val="accent1"/>
+          </a:effectRef>
+          <a:fontRef idx="minor">
+            <a:schemeClr val="lt1"/>
+          </a:fontRef>
+        </p:style>
+        <p:txBody>
+          <a:bodyPr rtlCol="0" anchor="ctr"/>
+          <a:lstStyle/>
+          <a:p>
+            <a:pPr algn="ctr"/>
+            <a:endParaRPr lang="en-US"/>
+          </a:p>
+        </p:txBody>
+      </p:sp>
+      <p:sp>
+        <p:nvSpPr>
+          <p:cNvPr id="2" name="Titel 1">
+            <a:extLst>
+              <a:ext uri="{FF2B5EF4-FFF2-40B4-BE49-F238E27FC236}">
+                <a16:creationId xmlns:a16="http://schemas.microsoft.com/office/drawing/2014/main" id="{6330688F-EEAD-4DD0-94C7-BE719016C864}"/>
+              </a:ext>
+            </a:extLst>
+          </p:cNvPr>
+          <p:cNvSpPr>
+            <a:spLocks noGrp="1"/>
+          </p:cNvSpPr>
+          <p:nvPr>
+            <p:ph type="title"/>
+          </p:nvPr>
+        </p:nvSpPr>
+        <p:spPr>
+          <a:xfrm>
+            <a:off x="1828800" y="2666205"/>
+            <a:ext cx="8534400" cy="1507067"/>
+          </a:xfrm>
+        </p:spPr>
+        <p:txBody>
+          <a:bodyPr>
+            <a:normAutofit/>
+          </a:bodyPr>
+          <a:lstStyle/>
+          <a:p>
+            <a:pPr algn="ctr"/>
+            <a:r>
+              <a:rPr lang="de-DE" dirty="0"/>
+              <a:t>Live-Demo</a:t>
+            </a:r>
+          </a:p>
+        </p:txBody>
+      </p:sp>
+      <p:grpSp>
+        <p:nvGrpSpPr>
+          <p:cNvPr id="10" name="Group 9">
+            <a:extLst>
+              <a:ext uri="{FF2B5EF4-FFF2-40B4-BE49-F238E27FC236}">
+                <a16:creationId xmlns:a16="http://schemas.microsoft.com/office/drawing/2014/main" id="{A80A6E81-6B71-43DF-877B-E964A9A4CB68}"/>
+              </a:ext>
+              <a:ext uri="{C183D7F6-B498-43B3-948B-1728B52AA6E4}">
+                <adec:decorative xmlns:adec="http://schemas.microsoft.com/office/drawing/2017/decorative" val="1"/>
+              </a:ext>
+            </a:extLst>
+          </p:cNvPr>
+          <p:cNvGrpSpPr>
+            <a:grpSpLocks noGrp="1" noUngrp="1" noRot="1" noChangeAspect="1" noMove="1" noResize="1"/>
+          </p:cNvGrpSpPr>
+          <p:nvPr>
+            <p:extLst>
+              <p:ext uri="{386F3935-93C4-4BCD-93E2-E3B085C9AB24}">
+                <p16:designElem xmlns:p16="http://schemas.microsoft.com/office/powerpoint/2015/main" val="1"/>
+              </p:ext>
+            </p:extLst>
+          </p:nvPr>
+        </p:nvGrpSpPr>
+        <p:grpSpPr>
+          <a:xfrm>
+            <a:off x="9206969" y="2963333"/>
+            <a:ext cx="2981858" cy="3208867"/>
+            <a:chOff x="9206969" y="2963333"/>
+            <a:chExt cx="2981858" cy="3208867"/>
+          </a:xfrm>
+        </p:grpSpPr>
+        <p:cxnSp>
+          <p:nvCxnSpPr>
+            <p:cNvPr id="11" name="Straight Connector 10">
+              <a:extLst>
+                <a:ext uri="{FF2B5EF4-FFF2-40B4-BE49-F238E27FC236}">
+                  <a16:creationId xmlns:a16="http://schemas.microsoft.com/office/drawing/2014/main" id="{4E35C3AD-357F-4004-A3F3-2D4EAF34A63D}"/>
+                </a:ext>
+                <a:ext uri="{C183D7F6-B498-43B3-948B-1728B52AA6E4}">
+                  <adec:decorative xmlns:adec="http://schemas.microsoft.com/office/drawing/2017/decorative" val="1"/>
+                </a:ext>
+              </a:extLst>
+            </p:cNvPr>
+            <p:cNvCxnSpPr/>
+            <p:nvPr>
+              <p:extLst>
+                <p:ext uri="{386F3935-93C4-4BCD-93E2-E3B085C9AB24}">
+                  <p16:designElem xmlns:p16="http://schemas.microsoft.com/office/powerpoint/2015/main" val="1"/>
+                </p:ext>
+              </p:extLst>
+            </p:nvPr>
+          </p:nvCxnSpPr>
+          <p:spPr>
+            <a:xfrm flipH="1">
+              <a:off x="11276012" y="2963333"/>
+              <a:ext cx="912814" cy="912812"/>
+            </a:xfrm>
+            <a:prstGeom prst="line">
+              <a:avLst/>
+            </a:prstGeom>
+            <a:ln w="9525">
+              <a:solidFill>
+                <a:schemeClr val="tx2">
+                  <a:lumMod val="75000"/>
+                  <a:alpha val="80000"/>
+                </a:schemeClr>
+              </a:solidFill>
+            </a:ln>
+          </p:spPr>
+          <p:style>
+            <a:lnRef idx="2">
+              <a:schemeClr val="accent1"/>
+            </a:lnRef>
+            <a:fillRef idx="0">
+              <a:schemeClr val="accent1"/>
+            </a:fillRef>
+            <a:effectRef idx="1">
+              <a:schemeClr val="accent1"/>
+            </a:effectRef>
+            <a:fontRef idx="minor">
+              <a:schemeClr val="tx1"/>
+            </a:fontRef>
+          </p:style>
+        </p:cxnSp>
+        <p:cxnSp>
+          <p:nvCxnSpPr>
+            <p:cNvPr id="12" name="Straight Connector 11">
+              <a:extLst>
+                <a:ext uri="{FF2B5EF4-FFF2-40B4-BE49-F238E27FC236}">
+                  <a16:creationId xmlns:a16="http://schemas.microsoft.com/office/drawing/2014/main" id="{337B6032-0A70-4F26-A9A3-B4D60DF11818}"/>
+                </a:ext>
+                <a:ext uri="{C183D7F6-B498-43B3-948B-1728B52AA6E4}">
+                  <adec:decorative xmlns:adec="http://schemas.microsoft.com/office/drawing/2017/decorative" val="1"/>
+                </a:ext>
+              </a:extLst>
+            </p:cNvPr>
+            <p:cNvCxnSpPr/>
+            <p:nvPr>
+              <p:extLst>
+                <p:ext uri="{386F3935-93C4-4BCD-93E2-E3B085C9AB24}">
+                  <p16:designElem xmlns:p16="http://schemas.microsoft.com/office/powerpoint/2015/main" val="1"/>
+                </p:ext>
+              </p:extLst>
+            </p:nvPr>
+          </p:nvCxnSpPr>
+          <p:spPr>
+            <a:xfrm flipH="1">
+              <a:off x="9206969" y="3190344"/>
+              <a:ext cx="2981857" cy="2981856"/>
+            </a:xfrm>
+            <a:prstGeom prst="line">
+              <a:avLst/>
+            </a:prstGeom>
+            <a:ln w="9525">
+              <a:solidFill>
+                <a:schemeClr val="tx2">
+                  <a:lumMod val="75000"/>
+                  <a:alpha val="80000"/>
+                </a:schemeClr>
+              </a:solidFill>
+            </a:ln>
+          </p:spPr>
+          <p:style>
+            <a:lnRef idx="2">
+              <a:schemeClr val="accent1"/>
+            </a:lnRef>
+            <a:fillRef idx="0">
+              <a:schemeClr val="accent1"/>
+            </a:fillRef>
+            <a:effectRef idx="1">
+              <a:schemeClr val="accent1"/>
+            </a:effectRef>
+            <a:fontRef idx="minor">
+              <a:schemeClr val="tx1"/>
+            </a:fontRef>
+          </p:style>
+        </p:cxnSp>
+        <p:cxnSp>
+          <p:nvCxnSpPr>
+            <p:cNvPr id="13" name="Straight Connector 12">
+              <a:extLst>
+                <a:ext uri="{FF2B5EF4-FFF2-40B4-BE49-F238E27FC236}">
+                  <a16:creationId xmlns:a16="http://schemas.microsoft.com/office/drawing/2014/main" id="{DE192CE3-3DD1-448F-93BE-42983DA0D5A9}"/>
+                </a:ext>
+                <a:ext uri="{C183D7F6-B498-43B3-948B-1728B52AA6E4}">
+                  <adec:decorative xmlns:adec="http://schemas.microsoft.com/office/drawing/2017/decorative" val="1"/>
+                </a:ext>
+              </a:extLst>
+            </p:cNvPr>
+            <p:cNvCxnSpPr/>
+            <p:nvPr>
+              <p:extLst>
+                <p:ext uri="{386F3935-93C4-4BCD-93E2-E3B085C9AB24}">
+                  <p16:designElem xmlns:p16="http://schemas.microsoft.com/office/powerpoint/2015/main" val="1"/>
+                </p:ext>
+              </p:extLst>
+            </p:nvPr>
+          </p:nvCxnSpPr>
+          <p:spPr>
+            <a:xfrm flipH="1">
+              <a:off x="10292292" y="3285067"/>
+              <a:ext cx="1896534" cy="1896533"/>
+            </a:xfrm>
+            <a:prstGeom prst="line">
+              <a:avLst/>
+            </a:prstGeom>
+            <a:ln w="9525">
+              <a:solidFill>
+                <a:schemeClr val="tx2">
+                  <a:lumMod val="75000"/>
+                  <a:alpha val="80000"/>
+                </a:schemeClr>
+              </a:solidFill>
+            </a:ln>
+          </p:spPr>
+          <p:style>
+            <a:lnRef idx="2">
+              <a:schemeClr val="accent1"/>
+            </a:lnRef>
+            <a:fillRef idx="0">
+              <a:schemeClr val="accent1"/>
+            </a:fillRef>
+            <a:effectRef idx="1">
+              <a:schemeClr val="accent1"/>
+            </a:effectRef>
+            <a:fontRef idx="minor">
+              <a:schemeClr val="tx1"/>
+            </a:fontRef>
+          </p:style>
+        </p:cxnSp>
+        <p:cxnSp>
+          <p:nvCxnSpPr>
+            <p:cNvPr id="14" name="Straight Connector 13">
+              <a:extLst>
+                <a:ext uri="{FF2B5EF4-FFF2-40B4-BE49-F238E27FC236}">
+                  <a16:creationId xmlns:a16="http://schemas.microsoft.com/office/drawing/2014/main" id="{E6D3DA09-5C72-4562-BEDE-1937DF87E81D}"/>
+                </a:ext>
+                <a:ext uri="{C183D7F6-B498-43B3-948B-1728B52AA6E4}">
+                  <adec:decorative xmlns:adec="http://schemas.microsoft.com/office/drawing/2017/decorative" val="1"/>
+                </a:ext>
+              </a:extLst>
+            </p:cNvPr>
+            <p:cNvCxnSpPr/>
+            <p:nvPr>
+              <p:extLst>
+                <p:ext uri="{386F3935-93C4-4BCD-93E2-E3B085C9AB24}">
+                  <p16:designElem xmlns:p16="http://schemas.microsoft.com/office/powerpoint/2015/main" val="1"/>
+                </p:ext>
+              </p:extLst>
+            </p:nvPr>
+          </p:nvCxnSpPr>
+          <p:spPr>
+            <a:xfrm flipH="1">
+              <a:off x="10443103" y="3131080"/>
+              <a:ext cx="1745722" cy="1745720"/>
+            </a:xfrm>
+            <a:prstGeom prst="line">
+              <a:avLst/>
+            </a:prstGeom>
+            <a:ln w="28575">
+              <a:solidFill>
+                <a:schemeClr val="tx2">
+                  <a:lumMod val="75000"/>
+                  <a:alpha val="80000"/>
+                </a:schemeClr>
+              </a:solidFill>
+            </a:ln>
+          </p:spPr>
+          <p:style>
+            <a:lnRef idx="2">
+              <a:schemeClr val="accent1"/>
+            </a:lnRef>
+            <a:fillRef idx="0">
+              <a:schemeClr val="accent1"/>
+            </a:fillRef>
+            <a:effectRef idx="1">
+              <a:schemeClr val="accent1"/>
+            </a:effectRef>
+            <a:fontRef idx="minor">
+              <a:schemeClr val="tx1"/>
+            </a:fontRef>
+          </p:style>
+        </p:cxnSp>
+        <p:cxnSp>
+          <p:nvCxnSpPr>
+            <p:cNvPr id="15" name="Straight Connector 14">
+              <a:extLst>
+                <a:ext uri="{FF2B5EF4-FFF2-40B4-BE49-F238E27FC236}">
+                  <a16:creationId xmlns:a16="http://schemas.microsoft.com/office/drawing/2014/main" id="{D6ACA7CA-2A20-49D7-9053-E076463D79A3}"/>
+                </a:ext>
+                <a:ext uri="{C183D7F6-B498-43B3-948B-1728B52AA6E4}">
+                  <adec:decorative xmlns:adec="http://schemas.microsoft.com/office/drawing/2017/decorative" val="1"/>
+                </a:ext>
+              </a:extLst>
+            </p:cNvPr>
+            <p:cNvCxnSpPr/>
+            <p:nvPr>
+              <p:extLst>
+                <p:ext uri="{386F3935-93C4-4BCD-93E2-E3B085C9AB24}">
+                  <p16:designElem xmlns:p16="http://schemas.microsoft.com/office/powerpoint/2015/main" val="1"/>
+                </p:ext>
+              </p:extLst>
+            </p:nvPr>
+          </p:nvCxnSpPr>
+          <p:spPr>
+            <a:xfrm flipH="1">
+              <a:off x="10918826" y="3683001"/>
+              <a:ext cx="1270001" cy="1269999"/>
+            </a:xfrm>
+            <a:prstGeom prst="line">
+              <a:avLst/>
+            </a:prstGeom>
+            <a:ln w="28575">
+              <a:solidFill>
+                <a:schemeClr val="tx2">
+                  <a:lumMod val="75000"/>
+                  <a:alpha val="80000"/>
+                </a:schemeClr>
+              </a:solidFill>
+            </a:ln>
+          </p:spPr>
+          <p:style>
+            <a:lnRef idx="2">
+              <a:schemeClr val="accent1"/>
+            </a:lnRef>
+            <a:fillRef idx="0">
+              <a:schemeClr val="accent1"/>
+            </a:fillRef>
+            <a:effectRef idx="1">
+              <a:schemeClr val="accent1"/>
+            </a:effectRef>
+            <a:fontRef idx="minor">
+              <a:schemeClr val="tx1"/>
+            </a:fontRef>
+          </p:style>
+        </p:cxnSp>
+      </p:grpSp>
+      <p:sp>
+        <p:nvSpPr>
+          <p:cNvPr id="5" name="Foliennummernplatzhalter 4">
+            <a:extLst>
+              <a:ext uri="{FF2B5EF4-FFF2-40B4-BE49-F238E27FC236}">
+                <a16:creationId xmlns:a16="http://schemas.microsoft.com/office/drawing/2014/main" id="{4DE8214D-1DB2-4D79-B436-DB5A16F8A910}"/>
+              </a:ext>
+            </a:extLst>
+          </p:cNvPr>
+          <p:cNvSpPr>
+            <a:spLocks noGrp="1"/>
+          </p:cNvSpPr>
+          <p:nvPr>
+            <p:ph type="sldNum" sz="quarter" idx="12"/>
+          </p:nvPr>
+        </p:nvSpPr>
+        <p:spPr/>
+        <p:txBody>
+          <a:bodyPr/>
+          <a:lstStyle/>
+          <a:p>
+            <a:fld id="{5C4AFE82-D2AF-4BDB-96A8-AD00DBF8219E}" type="slidenum">
+              <a:rPr lang="de-DE" smtClean="0">
+                <a:solidFill>
+                  <a:schemeClr val="tx1"/>
+                </a:solidFill>
+              </a:rPr>
+              <a:t>4</a:t>
+            </a:fld>
+            <a:endParaRPr lang="de-DE" dirty="0">
+              <a:solidFill>
+                <a:schemeClr val="tx1"/>
+              </a:solidFill>
+            </a:endParaRPr>
+          </a:p>
+        </p:txBody>
+      </p:sp>
+    </p:spTree>
+    <p:extLst>
+      <p:ext uri="{BB962C8B-B14F-4D97-AF65-F5344CB8AC3E}">
+        <p14:creationId xmlns:p14="http://schemas.microsoft.com/office/powerpoint/2010/main" val="921933581"/>
       </p:ext>
     </p:extLst>
   </p:cSld>

--- a/Kolloquium Präsentation.pptx
+++ b/Kolloquium Präsentation.pptx
@@ -5,13 +5,21 @@
     <p:sldMasterId id="2147483714" r:id="rId1"/>
   </p:sldMasterIdLst>
   <p:notesMasterIdLst>
-    <p:notesMasterId r:id="rId6"/>
+    <p:notesMasterId r:id="rId14"/>
   </p:notesMasterIdLst>
   <p:sldIdLst>
     <p:sldId id="256" r:id="rId2"/>
     <p:sldId id="257" r:id="rId3"/>
-    <p:sldId id="258" r:id="rId4"/>
-    <p:sldId id="259" r:id="rId5"/>
+    <p:sldId id="263" r:id="rId4"/>
+    <p:sldId id="264" r:id="rId5"/>
+    <p:sldId id="260" r:id="rId6"/>
+    <p:sldId id="262" r:id="rId7"/>
+    <p:sldId id="267" r:id="rId8"/>
+    <p:sldId id="265" r:id="rId9"/>
+    <p:sldId id="266" r:id="rId10"/>
+    <p:sldId id="258" r:id="rId11"/>
+    <p:sldId id="259" r:id="rId12"/>
+    <p:sldId id="261" r:id="rId13"/>
   </p:sldIdLst>
   <p:sldSz cx="12192000" cy="6858000"/>
   <p:notesSz cx="6858000" cy="9144000"/>
@@ -200,7 +208,7 @@
           <a:p>
             <a:fld id="{66E166C7-A8B2-4105-A8ED-8B694A095E12}" type="datetimeFigureOut">
               <a:rPr lang="de-DE" smtClean="0"/>
-              <a:t>16.09.2022</a:t>
+              <a:t>18.09.2022</a:t>
             </a:fld>
             <a:endParaRPr lang="de-DE"/>
           </a:p>
@@ -658,7 +666,7 @@
           <a:p>
             <a:fld id="{8DCC0DD8-08C1-433F-85EF-77B8F9AC0A2E}" type="datetime1">
               <a:rPr lang="de-DE" smtClean="0"/>
-              <a:t>16.09.2022</a:t>
+              <a:t>18.09.2022</a:t>
             </a:fld>
             <a:endParaRPr lang="de-DE"/>
           </a:p>
@@ -1094,7 +1102,7 @@
           <a:p>
             <a:fld id="{7D95106E-F6A7-4D6A-BBAD-4A4E0412BAE7}" type="datetime1">
               <a:rPr lang="de-DE" smtClean="0"/>
-              <a:t>16.09.2022</a:t>
+              <a:t>18.09.2022</a:t>
             </a:fld>
             <a:endParaRPr lang="de-DE"/>
           </a:p>
@@ -1344,7 +1352,7 @@
           <a:p>
             <a:fld id="{6ED5EC2A-23BA-496F-918F-7D3B4D790373}" type="datetime1">
               <a:rPr lang="de-DE" smtClean="0"/>
-              <a:t>16.09.2022</a:t>
+              <a:t>18.09.2022</a:t>
             </a:fld>
             <a:endParaRPr lang="de-DE"/>
           </a:p>
@@ -1652,7 +1660,7 @@
           <a:p>
             <a:fld id="{71F2BDA4-2844-49B9-8CD5-EE42EAABD71F}" type="datetime1">
               <a:rPr lang="de-DE" smtClean="0"/>
-              <a:t>16.09.2022</a:t>
+              <a:t>18.09.2022</a:t>
             </a:fld>
             <a:endParaRPr lang="de-DE"/>
           </a:p>
@@ -1970,7 +1978,7 @@
           <a:p>
             <a:fld id="{A02773B7-EC32-4D12-94BE-71D13B6E93BF}" type="datetime1">
               <a:rPr lang="de-DE" smtClean="0"/>
-              <a:t>16.09.2022</a:t>
+              <a:t>18.09.2022</a:t>
             </a:fld>
             <a:endParaRPr lang="de-DE"/>
           </a:p>
@@ -2272,7 +2280,7 @@
           <a:p>
             <a:fld id="{1DB00A4C-B726-45DF-B219-18D9E836BF00}" type="datetime1">
               <a:rPr lang="de-DE" smtClean="0"/>
-              <a:t>16.09.2022</a:t>
+              <a:t>18.09.2022</a:t>
             </a:fld>
             <a:endParaRPr lang="de-DE"/>
           </a:p>
@@ -2639,7 +2647,7 @@
           <a:p>
             <a:fld id="{BD42C1D4-682F-45BA-AC94-E211C5D38BFB}" type="datetime1">
               <a:rPr lang="de-DE" smtClean="0"/>
-              <a:t>16.09.2022</a:t>
+              <a:t>18.09.2022</a:t>
             </a:fld>
             <a:endParaRPr lang="de-DE"/>
           </a:p>
@@ -2813,7 +2821,7 @@
           <a:p>
             <a:fld id="{6AEC996F-160F-4F84-9C6E-AB46131A5987}" type="datetime1">
               <a:rPr lang="de-DE" smtClean="0"/>
-              <a:t>16.09.2022</a:t>
+              <a:t>18.09.2022</a:t>
             </a:fld>
             <a:endParaRPr lang="de-DE"/>
           </a:p>
@@ -2993,7 +3001,7 @@
           <a:p>
             <a:fld id="{1DBD7D3A-0EB9-43DF-A7FC-90436740736C}" type="datetime1">
               <a:rPr lang="de-DE" smtClean="0"/>
-              <a:t>16.09.2022</a:t>
+              <a:t>18.09.2022</a:t>
             </a:fld>
             <a:endParaRPr lang="de-DE"/>
           </a:p>
@@ -3163,7 +3171,7 @@
           <a:p>
             <a:fld id="{E921AE76-3A43-4DA9-AC44-5A99A4C2313F}" type="datetime1">
               <a:rPr lang="de-DE" smtClean="0"/>
-              <a:t>16.09.2022</a:t>
+              <a:t>18.09.2022</a:t>
             </a:fld>
             <a:endParaRPr lang="de-DE"/>
           </a:p>
@@ -3413,7 +3421,7 @@
           <a:p>
             <a:fld id="{88F4E5F7-60C9-4370-A6D0-7447DF7FA6C5}" type="datetime1">
               <a:rPr lang="de-DE" smtClean="0"/>
-              <a:t>16.09.2022</a:t>
+              <a:t>18.09.2022</a:t>
             </a:fld>
             <a:endParaRPr lang="de-DE"/>
           </a:p>
@@ -3649,7 +3657,7 @@
           <a:p>
             <a:fld id="{EBDBED80-12E2-4107-932C-35F21CC84EA1}" type="datetime1">
               <a:rPr lang="de-DE" smtClean="0"/>
-              <a:t>16.09.2022</a:t>
+              <a:t>18.09.2022</a:t>
             </a:fld>
             <a:endParaRPr lang="de-DE"/>
           </a:p>
@@ -4031,7 +4039,7 @@
           <a:p>
             <a:fld id="{A3F6B8B4-59C8-49F3-A913-53E0D36D9D0D}" type="datetime1">
               <a:rPr lang="de-DE" smtClean="0"/>
-              <a:t>16.09.2022</a:t>
+              <a:t>18.09.2022</a:t>
             </a:fld>
             <a:endParaRPr lang="de-DE"/>
           </a:p>
@@ -4149,7 +4157,7 @@
           <a:p>
             <a:fld id="{452272FC-BCBD-4457-A055-AA5E812F4335}" type="datetime1">
               <a:rPr lang="de-DE" smtClean="0"/>
-              <a:t>16.09.2022</a:t>
+              <a:t>18.09.2022</a:t>
             </a:fld>
             <a:endParaRPr lang="de-DE"/>
           </a:p>
@@ -4244,7 +4252,7 @@
           <a:p>
             <a:fld id="{DD47C207-EA9C-4168-9ED2-7B629B961A44}" type="datetime1">
               <a:rPr lang="de-DE" smtClean="0"/>
-              <a:t>16.09.2022</a:t>
+              <a:t>18.09.2022</a:t>
             </a:fld>
             <a:endParaRPr lang="de-DE"/>
           </a:p>
@@ -4499,7 +4507,7 @@
           <a:p>
             <a:fld id="{C9868BBD-926B-44AE-9DAA-D746F75B0561}" type="datetime1">
               <a:rPr lang="de-DE" smtClean="0"/>
-              <a:t>16.09.2022</a:t>
+              <a:t>18.09.2022</a:t>
             </a:fld>
             <a:endParaRPr lang="de-DE"/>
           </a:p>
@@ -4782,7 +4790,7 @@
           <a:p>
             <a:fld id="{295F4AE7-7CDF-4F74-A3F7-9FE828670A86}" type="datetime1">
               <a:rPr lang="de-DE" smtClean="0"/>
-              <a:t>16.09.2022</a:t>
+              <a:t>18.09.2022</a:t>
             </a:fld>
             <a:endParaRPr lang="de-DE"/>
           </a:p>
@@ -5200,7 +5208,7 @@
           <a:p>
             <a:fld id="{9F5175C4-2469-4512-AEF2-54FB8AAB4FA5}" type="datetime1">
               <a:rPr lang="de-DE" smtClean="0"/>
-              <a:t>16.09.2022</a:t>
+              <a:t>18.09.2022</a:t>
             </a:fld>
             <a:endParaRPr lang="de-DE"/>
           </a:p>
@@ -6219,551 +6227,7 @@
 </p:sld>
 </file>
 
-<file path=ppt/slides/slide2.xml><?xml version="1.0" encoding="utf-8"?>
-<p:sld xmlns:a="http://schemas.openxmlformats.org/drawingml/2006/main" xmlns:r="http://schemas.openxmlformats.org/officeDocument/2006/relationships" xmlns:p="http://schemas.openxmlformats.org/presentationml/2006/main">
-  <p:cSld>
-    <p:spTree>
-      <p:nvGrpSpPr>
-        <p:cNvPr id="1" name=""/>
-        <p:cNvGrpSpPr/>
-        <p:nvPr/>
-      </p:nvGrpSpPr>
-      <p:grpSpPr>
-        <a:xfrm>
-          <a:off x="0" y="0"/>
-          <a:ext cx="0" cy="0"/>
-          <a:chOff x="0" y="0"/>
-          <a:chExt cx="0" cy="0"/>
-        </a:xfrm>
-      </p:grpSpPr>
-      <p:sp useBgFill="1">
-        <p:nvSpPr>
-          <p:cNvPr id="8" name="Rectangle 7">
-            <a:extLst>
-              <a:ext uri="{FF2B5EF4-FFF2-40B4-BE49-F238E27FC236}">
-                <a16:creationId xmlns:a16="http://schemas.microsoft.com/office/drawing/2014/main" id="{CADF2543-1B6F-4FBC-A7AF-53A0430E05AB}"/>
-              </a:ext>
-              <a:ext uri="{C183D7F6-B498-43B3-948B-1728B52AA6E4}">
-                <adec:decorative xmlns:adec="http://schemas.microsoft.com/office/drawing/2017/decorative" val="1"/>
-              </a:ext>
-            </a:extLst>
-          </p:cNvPr>
-          <p:cNvSpPr>
-            <a:spLocks noGrp="1" noRot="1" noChangeAspect="1" noMove="1" noResize="1" noEditPoints="1" noAdjustHandles="1" noChangeArrowheads="1" noChangeShapeType="1" noTextEdit="1"/>
-          </p:cNvSpPr>
-          <p:nvPr>
-            <p:extLst>
-              <p:ext uri="{386F3935-93C4-4BCD-93E2-E3B085C9AB24}">
-                <p16:designElem xmlns:p16="http://schemas.microsoft.com/office/powerpoint/2015/main" val="1"/>
-              </p:ext>
-            </p:extLst>
-          </p:nvPr>
-        </p:nvSpPr>
-        <p:spPr>
-          <a:xfrm>
-            <a:off x="0" y="0"/>
-            <a:ext cx="12192000" cy="6858000"/>
-          </a:xfrm>
-          <a:prstGeom prst="rect">
-            <a:avLst/>
-          </a:prstGeom>
-          <a:ln>
-            <a:noFill/>
-          </a:ln>
-        </p:spPr>
-        <p:style>
-          <a:lnRef idx="2">
-            <a:schemeClr val="accent1">
-              <a:shade val="50000"/>
-            </a:schemeClr>
-          </a:lnRef>
-          <a:fillRef idx="1">
-            <a:schemeClr val="accent1"/>
-          </a:fillRef>
-          <a:effectRef idx="0">
-            <a:schemeClr val="accent1"/>
-          </a:effectRef>
-          <a:fontRef idx="minor">
-            <a:schemeClr val="lt1"/>
-          </a:fontRef>
-        </p:style>
-        <p:txBody>
-          <a:bodyPr rtlCol="0" anchor="ctr"/>
-          <a:lstStyle/>
-          <a:p>
-            <a:pPr algn="ctr"/>
-            <a:endParaRPr lang="en-US"/>
-          </a:p>
-        </p:txBody>
-      </p:sp>
-      <p:sp>
-        <p:nvSpPr>
-          <p:cNvPr id="2" name="Titel 1">
-            <a:extLst>
-              <a:ext uri="{FF2B5EF4-FFF2-40B4-BE49-F238E27FC236}">
-                <a16:creationId xmlns:a16="http://schemas.microsoft.com/office/drawing/2014/main" id="{6330688F-EEAD-4DD0-94C7-BE719016C864}"/>
-              </a:ext>
-            </a:extLst>
-          </p:cNvPr>
-          <p:cNvSpPr>
-            <a:spLocks noGrp="1"/>
-          </p:cNvSpPr>
-          <p:nvPr>
-            <p:ph type="title"/>
-          </p:nvPr>
-        </p:nvSpPr>
-        <p:spPr>
-          <a:xfrm>
-            <a:off x="684212" y="485244"/>
-            <a:ext cx="8534400" cy="1507067"/>
-          </a:xfrm>
-        </p:spPr>
-        <p:txBody>
-          <a:bodyPr>
-            <a:normAutofit/>
-          </a:bodyPr>
-          <a:lstStyle/>
-          <a:p>
-            <a:r>
-              <a:rPr lang="de-DE" dirty="0"/>
-              <a:t>Inhalt</a:t>
-            </a:r>
-          </a:p>
-        </p:txBody>
-      </p:sp>
-      <p:grpSp>
-        <p:nvGrpSpPr>
-          <p:cNvPr id="10" name="Group 9">
-            <a:extLst>
-              <a:ext uri="{FF2B5EF4-FFF2-40B4-BE49-F238E27FC236}">
-                <a16:creationId xmlns:a16="http://schemas.microsoft.com/office/drawing/2014/main" id="{A80A6E81-6B71-43DF-877B-E964A9A4CB68}"/>
-              </a:ext>
-              <a:ext uri="{C183D7F6-B498-43B3-948B-1728B52AA6E4}">
-                <adec:decorative xmlns:adec="http://schemas.microsoft.com/office/drawing/2017/decorative" val="1"/>
-              </a:ext>
-            </a:extLst>
-          </p:cNvPr>
-          <p:cNvGrpSpPr>
-            <a:grpSpLocks noGrp="1" noUngrp="1" noRot="1" noChangeAspect="1" noMove="1" noResize="1"/>
-          </p:cNvGrpSpPr>
-          <p:nvPr>
-            <p:extLst>
-              <p:ext uri="{386F3935-93C4-4BCD-93E2-E3B085C9AB24}">
-                <p16:designElem xmlns:p16="http://schemas.microsoft.com/office/powerpoint/2015/main" val="1"/>
-              </p:ext>
-            </p:extLst>
-          </p:nvPr>
-        </p:nvGrpSpPr>
-        <p:grpSpPr>
-          <a:xfrm>
-            <a:off x="9206969" y="2963333"/>
-            <a:ext cx="2981858" cy="3208867"/>
-            <a:chOff x="9206969" y="2963333"/>
-            <a:chExt cx="2981858" cy="3208867"/>
-          </a:xfrm>
-        </p:grpSpPr>
-        <p:cxnSp>
-          <p:nvCxnSpPr>
-            <p:cNvPr id="11" name="Straight Connector 10">
-              <a:extLst>
-                <a:ext uri="{FF2B5EF4-FFF2-40B4-BE49-F238E27FC236}">
-                  <a16:creationId xmlns:a16="http://schemas.microsoft.com/office/drawing/2014/main" id="{4E35C3AD-357F-4004-A3F3-2D4EAF34A63D}"/>
-                </a:ext>
-                <a:ext uri="{C183D7F6-B498-43B3-948B-1728B52AA6E4}">
-                  <adec:decorative xmlns:adec="http://schemas.microsoft.com/office/drawing/2017/decorative" val="1"/>
-                </a:ext>
-              </a:extLst>
-            </p:cNvPr>
-            <p:cNvCxnSpPr/>
-            <p:nvPr>
-              <p:extLst>
-                <p:ext uri="{386F3935-93C4-4BCD-93E2-E3B085C9AB24}">
-                  <p16:designElem xmlns:p16="http://schemas.microsoft.com/office/powerpoint/2015/main" val="1"/>
-                </p:ext>
-              </p:extLst>
-            </p:nvPr>
-          </p:nvCxnSpPr>
-          <p:spPr>
-            <a:xfrm flipH="1">
-              <a:off x="11276012" y="2963333"/>
-              <a:ext cx="912814" cy="912812"/>
-            </a:xfrm>
-            <a:prstGeom prst="line">
-              <a:avLst/>
-            </a:prstGeom>
-            <a:ln w="9525">
-              <a:solidFill>
-                <a:schemeClr val="tx2">
-                  <a:lumMod val="75000"/>
-                  <a:alpha val="80000"/>
-                </a:schemeClr>
-              </a:solidFill>
-            </a:ln>
-          </p:spPr>
-          <p:style>
-            <a:lnRef idx="2">
-              <a:schemeClr val="accent1"/>
-            </a:lnRef>
-            <a:fillRef idx="0">
-              <a:schemeClr val="accent1"/>
-            </a:fillRef>
-            <a:effectRef idx="1">
-              <a:schemeClr val="accent1"/>
-            </a:effectRef>
-            <a:fontRef idx="minor">
-              <a:schemeClr val="tx1"/>
-            </a:fontRef>
-          </p:style>
-        </p:cxnSp>
-        <p:cxnSp>
-          <p:nvCxnSpPr>
-            <p:cNvPr id="12" name="Straight Connector 11">
-              <a:extLst>
-                <a:ext uri="{FF2B5EF4-FFF2-40B4-BE49-F238E27FC236}">
-                  <a16:creationId xmlns:a16="http://schemas.microsoft.com/office/drawing/2014/main" id="{337B6032-0A70-4F26-A9A3-B4D60DF11818}"/>
-                </a:ext>
-                <a:ext uri="{C183D7F6-B498-43B3-948B-1728B52AA6E4}">
-                  <adec:decorative xmlns:adec="http://schemas.microsoft.com/office/drawing/2017/decorative" val="1"/>
-                </a:ext>
-              </a:extLst>
-            </p:cNvPr>
-            <p:cNvCxnSpPr/>
-            <p:nvPr>
-              <p:extLst>
-                <p:ext uri="{386F3935-93C4-4BCD-93E2-E3B085C9AB24}">
-                  <p16:designElem xmlns:p16="http://schemas.microsoft.com/office/powerpoint/2015/main" val="1"/>
-                </p:ext>
-              </p:extLst>
-            </p:nvPr>
-          </p:nvCxnSpPr>
-          <p:spPr>
-            <a:xfrm flipH="1">
-              <a:off x="9206969" y="3190344"/>
-              <a:ext cx="2981857" cy="2981856"/>
-            </a:xfrm>
-            <a:prstGeom prst="line">
-              <a:avLst/>
-            </a:prstGeom>
-            <a:ln w="9525">
-              <a:solidFill>
-                <a:schemeClr val="tx2">
-                  <a:lumMod val="75000"/>
-                  <a:alpha val="80000"/>
-                </a:schemeClr>
-              </a:solidFill>
-            </a:ln>
-          </p:spPr>
-          <p:style>
-            <a:lnRef idx="2">
-              <a:schemeClr val="accent1"/>
-            </a:lnRef>
-            <a:fillRef idx="0">
-              <a:schemeClr val="accent1"/>
-            </a:fillRef>
-            <a:effectRef idx="1">
-              <a:schemeClr val="accent1"/>
-            </a:effectRef>
-            <a:fontRef idx="minor">
-              <a:schemeClr val="tx1"/>
-            </a:fontRef>
-          </p:style>
-        </p:cxnSp>
-        <p:cxnSp>
-          <p:nvCxnSpPr>
-            <p:cNvPr id="13" name="Straight Connector 12">
-              <a:extLst>
-                <a:ext uri="{FF2B5EF4-FFF2-40B4-BE49-F238E27FC236}">
-                  <a16:creationId xmlns:a16="http://schemas.microsoft.com/office/drawing/2014/main" id="{DE192CE3-3DD1-448F-93BE-42983DA0D5A9}"/>
-                </a:ext>
-                <a:ext uri="{C183D7F6-B498-43B3-948B-1728B52AA6E4}">
-                  <adec:decorative xmlns:adec="http://schemas.microsoft.com/office/drawing/2017/decorative" val="1"/>
-                </a:ext>
-              </a:extLst>
-            </p:cNvPr>
-            <p:cNvCxnSpPr/>
-            <p:nvPr>
-              <p:extLst>
-                <p:ext uri="{386F3935-93C4-4BCD-93E2-E3B085C9AB24}">
-                  <p16:designElem xmlns:p16="http://schemas.microsoft.com/office/powerpoint/2015/main" val="1"/>
-                </p:ext>
-              </p:extLst>
-            </p:nvPr>
-          </p:nvCxnSpPr>
-          <p:spPr>
-            <a:xfrm flipH="1">
-              <a:off x="10292292" y="3285067"/>
-              <a:ext cx="1896534" cy="1896533"/>
-            </a:xfrm>
-            <a:prstGeom prst="line">
-              <a:avLst/>
-            </a:prstGeom>
-            <a:ln w="9525">
-              <a:solidFill>
-                <a:schemeClr val="tx2">
-                  <a:lumMod val="75000"/>
-                  <a:alpha val="80000"/>
-                </a:schemeClr>
-              </a:solidFill>
-            </a:ln>
-          </p:spPr>
-          <p:style>
-            <a:lnRef idx="2">
-              <a:schemeClr val="accent1"/>
-            </a:lnRef>
-            <a:fillRef idx="0">
-              <a:schemeClr val="accent1"/>
-            </a:fillRef>
-            <a:effectRef idx="1">
-              <a:schemeClr val="accent1"/>
-            </a:effectRef>
-            <a:fontRef idx="minor">
-              <a:schemeClr val="tx1"/>
-            </a:fontRef>
-          </p:style>
-        </p:cxnSp>
-        <p:cxnSp>
-          <p:nvCxnSpPr>
-            <p:cNvPr id="14" name="Straight Connector 13">
-              <a:extLst>
-                <a:ext uri="{FF2B5EF4-FFF2-40B4-BE49-F238E27FC236}">
-                  <a16:creationId xmlns:a16="http://schemas.microsoft.com/office/drawing/2014/main" id="{E6D3DA09-5C72-4562-BEDE-1937DF87E81D}"/>
-                </a:ext>
-                <a:ext uri="{C183D7F6-B498-43B3-948B-1728B52AA6E4}">
-                  <adec:decorative xmlns:adec="http://schemas.microsoft.com/office/drawing/2017/decorative" val="1"/>
-                </a:ext>
-              </a:extLst>
-            </p:cNvPr>
-            <p:cNvCxnSpPr/>
-            <p:nvPr>
-              <p:extLst>
-                <p:ext uri="{386F3935-93C4-4BCD-93E2-E3B085C9AB24}">
-                  <p16:designElem xmlns:p16="http://schemas.microsoft.com/office/powerpoint/2015/main" val="1"/>
-                </p:ext>
-              </p:extLst>
-            </p:nvPr>
-          </p:nvCxnSpPr>
-          <p:spPr>
-            <a:xfrm flipH="1">
-              <a:off x="10443103" y="3131080"/>
-              <a:ext cx="1745722" cy="1745720"/>
-            </a:xfrm>
-            <a:prstGeom prst="line">
-              <a:avLst/>
-            </a:prstGeom>
-            <a:ln w="28575">
-              <a:solidFill>
-                <a:schemeClr val="tx2">
-                  <a:lumMod val="75000"/>
-                  <a:alpha val="80000"/>
-                </a:schemeClr>
-              </a:solidFill>
-            </a:ln>
-          </p:spPr>
-          <p:style>
-            <a:lnRef idx="2">
-              <a:schemeClr val="accent1"/>
-            </a:lnRef>
-            <a:fillRef idx="0">
-              <a:schemeClr val="accent1"/>
-            </a:fillRef>
-            <a:effectRef idx="1">
-              <a:schemeClr val="accent1"/>
-            </a:effectRef>
-            <a:fontRef idx="minor">
-              <a:schemeClr val="tx1"/>
-            </a:fontRef>
-          </p:style>
-        </p:cxnSp>
-        <p:cxnSp>
-          <p:nvCxnSpPr>
-            <p:cNvPr id="15" name="Straight Connector 14">
-              <a:extLst>
-                <a:ext uri="{FF2B5EF4-FFF2-40B4-BE49-F238E27FC236}">
-                  <a16:creationId xmlns:a16="http://schemas.microsoft.com/office/drawing/2014/main" id="{D6ACA7CA-2A20-49D7-9053-E076463D79A3}"/>
-                </a:ext>
-                <a:ext uri="{C183D7F6-B498-43B3-948B-1728B52AA6E4}">
-                  <adec:decorative xmlns:adec="http://schemas.microsoft.com/office/drawing/2017/decorative" val="1"/>
-                </a:ext>
-              </a:extLst>
-            </p:cNvPr>
-            <p:cNvCxnSpPr/>
-            <p:nvPr>
-              <p:extLst>
-                <p:ext uri="{386F3935-93C4-4BCD-93E2-E3B085C9AB24}">
-                  <p16:designElem xmlns:p16="http://schemas.microsoft.com/office/powerpoint/2015/main" val="1"/>
-                </p:ext>
-              </p:extLst>
-            </p:nvPr>
-          </p:nvCxnSpPr>
-          <p:spPr>
-            <a:xfrm flipH="1">
-              <a:off x="10918826" y="3683001"/>
-              <a:ext cx="1270001" cy="1269999"/>
-            </a:xfrm>
-            <a:prstGeom prst="line">
-              <a:avLst/>
-            </a:prstGeom>
-            <a:ln w="28575">
-              <a:solidFill>
-                <a:schemeClr val="tx2">
-                  <a:lumMod val="75000"/>
-                  <a:alpha val="80000"/>
-                </a:schemeClr>
-              </a:solidFill>
-            </a:ln>
-          </p:spPr>
-          <p:style>
-            <a:lnRef idx="2">
-              <a:schemeClr val="accent1"/>
-            </a:lnRef>
-            <a:fillRef idx="0">
-              <a:schemeClr val="accent1"/>
-            </a:fillRef>
-            <a:effectRef idx="1">
-              <a:schemeClr val="accent1"/>
-            </a:effectRef>
-            <a:fontRef idx="minor">
-              <a:schemeClr val="tx1"/>
-            </a:fontRef>
-          </p:style>
-        </p:cxnSp>
-      </p:grpSp>
-      <p:sp>
-        <p:nvSpPr>
-          <p:cNvPr id="3" name="Inhaltsplatzhalter 2">
-            <a:extLst>
-              <a:ext uri="{FF2B5EF4-FFF2-40B4-BE49-F238E27FC236}">
-                <a16:creationId xmlns:a16="http://schemas.microsoft.com/office/drawing/2014/main" id="{27E6EE71-C1BA-4DA4-A68D-D6DAF4CC9C25}"/>
-              </a:ext>
-            </a:extLst>
-          </p:cNvPr>
-          <p:cNvSpPr>
-            <a:spLocks noGrp="1"/>
-          </p:cNvSpPr>
-          <p:nvPr>
-            <p:ph idx="1"/>
-          </p:nvPr>
-        </p:nvSpPr>
-        <p:spPr>
-          <a:xfrm>
-            <a:off x="684212" y="2068511"/>
-            <a:ext cx="8534400" cy="3615267"/>
-          </a:xfrm>
-        </p:spPr>
-        <p:txBody>
-          <a:bodyPr>
-            <a:normAutofit/>
-          </a:bodyPr>
-          <a:lstStyle/>
-          <a:p>
-            <a:pPr marL="457200" indent="-457200">
-              <a:buFont typeface="+mj-lt"/>
-              <a:buAutoNum type="arabicPeriod"/>
-            </a:pPr>
-            <a:r>
-              <a:rPr lang="de-DE" sz="2800" dirty="0">
-                <a:solidFill>
-                  <a:schemeClr val="tx1"/>
-                </a:solidFill>
-              </a:rPr>
-              <a:t>Evaluationsmethode</a:t>
-            </a:r>
-          </a:p>
-          <a:p>
-            <a:pPr marL="457200" indent="-457200">
-              <a:buFont typeface="+mj-lt"/>
-              <a:buAutoNum type="arabicPeriod"/>
-            </a:pPr>
-            <a:r>
-              <a:rPr lang="de-DE" sz="2800" dirty="0">
-                <a:solidFill>
-                  <a:schemeClr val="tx1"/>
-                </a:solidFill>
-              </a:rPr>
-              <a:t>Anforderungen</a:t>
-            </a:r>
-          </a:p>
-          <a:p>
-            <a:pPr marL="457200" indent="-457200">
-              <a:buFont typeface="+mj-lt"/>
-              <a:buAutoNum type="arabicPeriod"/>
-            </a:pPr>
-            <a:r>
-              <a:rPr lang="de-DE" sz="2800" dirty="0">
-                <a:solidFill>
-                  <a:schemeClr val="tx1"/>
-                </a:solidFill>
-              </a:rPr>
-              <a:t>Live-Demo</a:t>
-            </a:r>
-          </a:p>
-          <a:p>
-            <a:pPr marL="457200" indent="-457200">
-              <a:buFont typeface="+mj-lt"/>
-              <a:buAutoNum type="arabicPeriod"/>
-            </a:pPr>
-            <a:r>
-              <a:rPr lang="de-DE" sz="2800" dirty="0">
-                <a:solidFill>
-                  <a:schemeClr val="tx1"/>
-                </a:solidFill>
-              </a:rPr>
-              <a:t>Kritik</a:t>
-            </a:r>
-          </a:p>
-        </p:txBody>
-      </p:sp>
-      <p:sp>
-        <p:nvSpPr>
-          <p:cNvPr id="5" name="Foliennummernplatzhalter 4">
-            <a:extLst>
-              <a:ext uri="{FF2B5EF4-FFF2-40B4-BE49-F238E27FC236}">
-                <a16:creationId xmlns:a16="http://schemas.microsoft.com/office/drawing/2014/main" id="{4DE8214D-1DB2-4D79-B436-DB5A16F8A910}"/>
-              </a:ext>
-            </a:extLst>
-          </p:cNvPr>
-          <p:cNvSpPr>
-            <a:spLocks noGrp="1"/>
-          </p:cNvSpPr>
-          <p:nvPr>
-            <p:ph type="sldNum" sz="quarter" idx="12"/>
-          </p:nvPr>
-        </p:nvSpPr>
-        <p:spPr/>
-        <p:txBody>
-          <a:bodyPr/>
-          <a:lstStyle/>
-          <a:p>
-            <a:fld id="{5C4AFE82-D2AF-4BDB-96A8-AD00DBF8219E}" type="slidenum">
-              <a:rPr lang="de-DE" smtClean="0">
-                <a:solidFill>
-                  <a:schemeClr val="tx1"/>
-                </a:solidFill>
-              </a:rPr>
-              <a:t>2</a:t>
-            </a:fld>
-            <a:endParaRPr lang="de-DE" dirty="0">
-              <a:solidFill>
-                <a:schemeClr val="tx1"/>
-              </a:solidFill>
-            </a:endParaRPr>
-          </a:p>
-        </p:txBody>
-      </p:sp>
-    </p:spTree>
-    <p:extLst>
-      <p:ext uri="{BB962C8B-B14F-4D97-AF65-F5344CB8AC3E}">
-        <p14:creationId xmlns:p14="http://schemas.microsoft.com/office/powerpoint/2010/main" val="1528985010"/>
-      </p:ext>
-    </p:extLst>
-  </p:cSld>
-  <p:clrMapOvr>
-    <a:masterClrMapping/>
-  </p:clrMapOvr>
-</p:sld>
-</file>
-
-<file path=ppt/slides/slide3.xml><?xml version="1.0" encoding="utf-8"?>
+<file path=ppt/slides/slide10.xml><?xml version="1.0" encoding="utf-8"?>
 <p:sld xmlns:a="http://schemas.openxmlformats.org/drawingml/2006/main" xmlns:r="http://schemas.openxmlformats.org/officeDocument/2006/relationships" xmlns:p="http://schemas.openxmlformats.org/presentationml/2006/main">
   <p:cSld>
     <p:spTree>
@@ -7118,8 +6582,8 @@
         </p:nvSpPr>
         <p:spPr>
           <a:xfrm>
-            <a:off x="7532710" y="628617"/>
-            <a:ext cx="3971902" cy="3028983"/>
+            <a:off x="7532709" y="628618"/>
+            <a:ext cx="4656115" cy="2206130"/>
           </a:xfrm>
         </p:spPr>
         <p:txBody>
@@ -7129,8 +6593,8 @@
           <a:lstStyle/>
           <a:p>
             <a:r>
-              <a:rPr lang="en-US" sz="2600"/>
-              <a:t>Evaluationsmethode</a:t>
+              <a:rPr lang="en-US" sz="2600" dirty="0"/>
+              <a:t>Produktqualitätsmodell (ISO 25010)</a:t>
             </a:r>
           </a:p>
         </p:txBody>
@@ -7315,7 +6779,7 @@
                   <a:spcPts val="600"/>
                 </a:spcAft>
               </a:pPr>
-              <a:t>3</a:t>
+              <a:t>10</a:t>
             </a:fld>
             <a:endParaRPr lang="en-US" dirty="0">
               <a:solidFill>
@@ -7620,7 +7084,7 @@
 </p:sld>
 </file>
 
-<file path=ppt/slides/slide4.xml><?xml version="1.0" encoding="utf-8"?>
+<file path=ppt/slides/slide11.xml><?xml version="1.0" encoding="utf-8"?>
 <p:sld xmlns:a="http://schemas.openxmlformats.org/drawingml/2006/main" xmlns:r="http://schemas.openxmlformats.org/officeDocument/2006/relationships" xmlns:p="http://schemas.openxmlformats.org/presentationml/2006/main">
   <p:cSld>
     <p:spTree>
@@ -8057,6 +7521,2597 @@
                   <a:schemeClr val="tx1"/>
                 </a:solidFill>
               </a:rPr>
+              <a:t>11</a:t>
+            </a:fld>
+            <a:endParaRPr lang="de-DE" dirty="0">
+              <a:solidFill>
+                <a:schemeClr val="tx1"/>
+              </a:solidFill>
+            </a:endParaRPr>
+          </a:p>
+        </p:txBody>
+      </p:sp>
+    </p:spTree>
+    <p:extLst>
+      <p:ext uri="{BB962C8B-B14F-4D97-AF65-F5344CB8AC3E}">
+        <p14:creationId xmlns:p14="http://schemas.microsoft.com/office/powerpoint/2010/main" val="921933581"/>
+      </p:ext>
+    </p:extLst>
+  </p:cSld>
+  <p:clrMapOvr>
+    <a:masterClrMapping/>
+  </p:clrMapOvr>
+</p:sld>
+</file>
+
+<file path=ppt/slides/slide12.xml><?xml version="1.0" encoding="utf-8"?>
+<p:sld xmlns:a="http://schemas.openxmlformats.org/drawingml/2006/main" xmlns:r="http://schemas.openxmlformats.org/officeDocument/2006/relationships" xmlns:p="http://schemas.openxmlformats.org/presentationml/2006/main">
+  <p:cSld>
+    <p:spTree>
+      <p:nvGrpSpPr>
+        <p:cNvPr id="1" name=""/>
+        <p:cNvGrpSpPr/>
+        <p:nvPr/>
+      </p:nvGrpSpPr>
+      <p:grpSpPr>
+        <a:xfrm>
+          <a:off x="0" y="0"/>
+          <a:ext cx="0" cy="0"/>
+          <a:chOff x="0" y="0"/>
+          <a:chExt cx="0" cy="0"/>
+        </a:xfrm>
+      </p:grpSpPr>
+      <p:sp useBgFill="1">
+        <p:nvSpPr>
+          <p:cNvPr id="8" name="Rectangle 7">
+            <a:extLst>
+              <a:ext uri="{FF2B5EF4-FFF2-40B4-BE49-F238E27FC236}">
+                <a16:creationId xmlns:a16="http://schemas.microsoft.com/office/drawing/2014/main" id="{CADF2543-1B6F-4FBC-A7AF-53A0430E05AB}"/>
+              </a:ext>
+              <a:ext uri="{C183D7F6-B498-43B3-948B-1728B52AA6E4}">
+                <adec:decorative xmlns:adec="http://schemas.microsoft.com/office/drawing/2017/decorative" val="1"/>
+              </a:ext>
+            </a:extLst>
+          </p:cNvPr>
+          <p:cNvSpPr>
+            <a:spLocks noGrp="1" noRot="1" noChangeAspect="1" noMove="1" noResize="1" noEditPoints="1" noAdjustHandles="1" noChangeArrowheads="1" noChangeShapeType="1" noTextEdit="1"/>
+          </p:cNvSpPr>
+          <p:nvPr>
+            <p:extLst>
+              <p:ext uri="{386F3935-93C4-4BCD-93E2-E3B085C9AB24}">
+                <p16:designElem xmlns:p16="http://schemas.microsoft.com/office/powerpoint/2015/main" val="1"/>
+              </p:ext>
+            </p:extLst>
+          </p:nvPr>
+        </p:nvSpPr>
+        <p:spPr>
+          <a:xfrm>
+            <a:off x="0" y="0"/>
+            <a:ext cx="12192000" cy="6858000"/>
+          </a:xfrm>
+          <a:prstGeom prst="rect">
+            <a:avLst/>
+          </a:prstGeom>
+          <a:ln>
+            <a:noFill/>
+          </a:ln>
+        </p:spPr>
+        <p:style>
+          <a:lnRef idx="2">
+            <a:schemeClr val="accent1">
+              <a:shade val="50000"/>
+            </a:schemeClr>
+          </a:lnRef>
+          <a:fillRef idx="1">
+            <a:schemeClr val="accent1"/>
+          </a:fillRef>
+          <a:effectRef idx="0">
+            <a:schemeClr val="accent1"/>
+          </a:effectRef>
+          <a:fontRef idx="minor">
+            <a:schemeClr val="lt1"/>
+          </a:fontRef>
+        </p:style>
+        <p:txBody>
+          <a:bodyPr rtlCol="0" anchor="ctr"/>
+          <a:lstStyle/>
+          <a:p>
+            <a:pPr algn="ctr"/>
+            <a:endParaRPr lang="en-US"/>
+          </a:p>
+        </p:txBody>
+      </p:sp>
+      <p:sp>
+        <p:nvSpPr>
+          <p:cNvPr id="2" name="Titel 1">
+            <a:extLst>
+              <a:ext uri="{FF2B5EF4-FFF2-40B4-BE49-F238E27FC236}">
+                <a16:creationId xmlns:a16="http://schemas.microsoft.com/office/drawing/2014/main" id="{6330688F-EEAD-4DD0-94C7-BE719016C864}"/>
+              </a:ext>
+            </a:extLst>
+          </p:cNvPr>
+          <p:cNvSpPr>
+            <a:spLocks noGrp="1"/>
+          </p:cNvSpPr>
+          <p:nvPr>
+            <p:ph type="title"/>
+          </p:nvPr>
+        </p:nvSpPr>
+        <p:spPr>
+          <a:xfrm>
+            <a:off x="684212" y="485244"/>
+            <a:ext cx="8534400" cy="1507067"/>
+          </a:xfrm>
+        </p:spPr>
+        <p:txBody>
+          <a:bodyPr>
+            <a:normAutofit/>
+          </a:bodyPr>
+          <a:lstStyle/>
+          <a:p>
+            <a:r>
+              <a:rPr lang="de-DE" dirty="0"/>
+              <a:t>Kritik</a:t>
+            </a:r>
+          </a:p>
+        </p:txBody>
+      </p:sp>
+      <p:grpSp>
+        <p:nvGrpSpPr>
+          <p:cNvPr id="10" name="Group 9">
+            <a:extLst>
+              <a:ext uri="{FF2B5EF4-FFF2-40B4-BE49-F238E27FC236}">
+                <a16:creationId xmlns:a16="http://schemas.microsoft.com/office/drawing/2014/main" id="{A80A6E81-6B71-43DF-877B-E964A9A4CB68}"/>
+              </a:ext>
+              <a:ext uri="{C183D7F6-B498-43B3-948B-1728B52AA6E4}">
+                <adec:decorative xmlns:adec="http://schemas.microsoft.com/office/drawing/2017/decorative" val="1"/>
+              </a:ext>
+            </a:extLst>
+          </p:cNvPr>
+          <p:cNvGrpSpPr>
+            <a:grpSpLocks noGrp="1" noUngrp="1" noRot="1" noChangeAspect="1" noMove="1" noResize="1"/>
+          </p:cNvGrpSpPr>
+          <p:nvPr>
+            <p:extLst>
+              <p:ext uri="{386F3935-93C4-4BCD-93E2-E3B085C9AB24}">
+                <p16:designElem xmlns:p16="http://schemas.microsoft.com/office/powerpoint/2015/main" val="1"/>
+              </p:ext>
+            </p:extLst>
+          </p:nvPr>
+        </p:nvGrpSpPr>
+        <p:grpSpPr>
+          <a:xfrm>
+            <a:off x="9206969" y="2963333"/>
+            <a:ext cx="2981858" cy="3208867"/>
+            <a:chOff x="9206969" y="2963333"/>
+            <a:chExt cx="2981858" cy="3208867"/>
+          </a:xfrm>
+        </p:grpSpPr>
+        <p:cxnSp>
+          <p:nvCxnSpPr>
+            <p:cNvPr id="11" name="Straight Connector 10">
+              <a:extLst>
+                <a:ext uri="{FF2B5EF4-FFF2-40B4-BE49-F238E27FC236}">
+                  <a16:creationId xmlns:a16="http://schemas.microsoft.com/office/drawing/2014/main" id="{4E35C3AD-357F-4004-A3F3-2D4EAF34A63D}"/>
+                </a:ext>
+                <a:ext uri="{C183D7F6-B498-43B3-948B-1728B52AA6E4}">
+                  <adec:decorative xmlns:adec="http://schemas.microsoft.com/office/drawing/2017/decorative" val="1"/>
+                </a:ext>
+              </a:extLst>
+            </p:cNvPr>
+            <p:cNvCxnSpPr/>
+            <p:nvPr>
+              <p:extLst>
+                <p:ext uri="{386F3935-93C4-4BCD-93E2-E3B085C9AB24}">
+                  <p16:designElem xmlns:p16="http://schemas.microsoft.com/office/powerpoint/2015/main" val="1"/>
+                </p:ext>
+              </p:extLst>
+            </p:nvPr>
+          </p:nvCxnSpPr>
+          <p:spPr>
+            <a:xfrm flipH="1">
+              <a:off x="11276012" y="2963333"/>
+              <a:ext cx="912814" cy="912812"/>
+            </a:xfrm>
+            <a:prstGeom prst="line">
+              <a:avLst/>
+            </a:prstGeom>
+            <a:ln w="9525">
+              <a:solidFill>
+                <a:schemeClr val="tx2">
+                  <a:lumMod val="75000"/>
+                  <a:alpha val="80000"/>
+                </a:schemeClr>
+              </a:solidFill>
+            </a:ln>
+          </p:spPr>
+          <p:style>
+            <a:lnRef idx="2">
+              <a:schemeClr val="accent1"/>
+            </a:lnRef>
+            <a:fillRef idx="0">
+              <a:schemeClr val="accent1"/>
+            </a:fillRef>
+            <a:effectRef idx="1">
+              <a:schemeClr val="accent1"/>
+            </a:effectRef>
+            <a:fontRef idx="minor">
+              <a:schemeClr val="tx1"/>
+            </a:fontRef>
+          </p:style>
+        </p:cxnSp>
+        <p:cxnSp>
+          <p:nvCxnSpPr>
+            <p:cNvPr id="12" name="Straight Connector 11">
+              <a:extLst>
+                <a:ext uri="{FF2B5EF4-FFF2-40B4-BE49-F238E27FC236}">
+                  <a16:creationId xmlns:a16="http://schemas.microsoft.com/office/drawing/2014/main" id="{337B6032-0A70-4F26-A9A3-B4D60DF11818}"/>
+                </a:ext>
+                <a:ext uri="{C183D7F6-B498-43B3-948B-1728B52AA6E4}">
+                  <adec:decorative xmlns:adec="http://schemas.microsoft.com/office/drawing/2017/decorative" val="1"/>
+                </a:ext>
+              </a:extLst>
+            </p:cNvPr>
+            <p:cNvCxnSpPr/>
+            <p:nvPr>
+              <p:extLst>
+                <p:ext uri="{386F3935-93C4-4BCD-93E2-E3B085C9AB24}">
+                  <p16:designElem xmlns:p16="http://schemas.microsoft.com/office/powerpoint/2015/main" val="1"/>
+                </p:ext>
+              </p:extLst>
+            </p:nvPr>
+          </p:nvCxnSpPr>
+          <p:spPr>
+            <a:xfrm flipH="1">
+              <a:off x="9206969" y="3190344"/>
+              <a:ext cx="2981857" cy="2981856"/>
+            </a:xfrm>
+            <a:prstGeom prst="line">
+              <a:avLst/>
+            </a:prstGeom>
+            <a:ln w="9525">
+              <a:solidFill>
+                <a:schemeClr val="tx2">
+                  <a:lumMod val="75000"/>
+                  <a:alpha val="80000"/>
+                </a:schemeClr>
+              </a:solidFill>
+            </a:ln>
+          </p:spPr>
+          <p:style>
+            <a:lnRef idx="2">
+              <a:schemeClr val="accent1"/>
+            </a:lnRef>
+            <a:fillRef idx="0">
+              <a:schemeClr val="accent1"/>
+            </a:fillRef>
+            <a:effectRef idx="1">
+              <a:schemeClr val="accent1"/>
+            </a:effectRef>
+            <a:fontRef idx="minor">
+              <a:schemeClr val="tx1"/>
+            </a:fontRef>
+          </p:style>
+        </p:cxnSp>
+        <p:cxnSp>
+          <p:nvCxnSpPr>
+            <p:cNvPr id="13" name="Straight Connector 12">
+              <a:extLst>
+                <a:ext uri="{FF2B5EF4-FFF2-40B4-BE49-F238E27FC236}">
+                  <a16:creationId xmlns:a16="http://schemas.microsoft.com/office/drawing/2014/main" id="{DE192CE3-3DD1-448F-93BE-42983DA0D5A9}"/>
+                </a:ext>
+                <a:ext uri="{C183D7F6-B498-43B3-948B-1728B52AA6E4}">
+                  <adec:decorative xmlns:adec="http://schemas.microsoft.com/office/drawing/2017/decorative" val="1"/>
+                </a:ext>
+              </a:extLst>
+            </p:cNvPr>
+            <p:cNvCxnSpPr/>
+            <p:nvPr>
+              <p:extLst>
+                <p:ext uri="{386F3935-93C4-4BCD-93E2-E3B085C9AB24}">
+                  <p16:designElem xmlns:p16="http://schemas.microsoft.com/office/powerpoint/2015/main" val="1"/>
+                </p:ext>
+              </p:extLst>
+            </p:nvPr>
+          </p:nvCxnSpPr>
+          <p:spPr>
+            <a:xfrm flipH="1">
+              <a:off x="10292292" y="3285067"/>
+              <a:ext cx="1896534" cy="1896533"/>
+            </a:xfrm>
+            <a:prstGeom prst="line">
+              <a:avLst/>
+            </a:prstGeom>
+            <a:ln w="9525">
+              <a:solidFill>
+                <a:schemeClr val="tx2">
+                  <a:lumMod val="75000"/>
+                  <a:alpha val="80000"/>
+                </a:schemeClr>
+              </a:solidFill>
+            </a:ln>
+          </p:spPr>
+          <p:style>
+            <a:lnRef idx="2">
+              <a:schemeClr val="accent1"/>
+            </a:lnRef>
+            <a:fillRef idx="0">
+              <a:schemeClr val="accent1"/>
+            </a:fillRef>
+            <a:effectRef idx="1">
+              <a:schemeClr val="accent1"/>
+            </a:effectRef>
+            <a:fontRef idx="minor">
+              <a:schemeClr val="tx1"/>
+            </a:fontRef>
+          </p:style>
+        </p:cxnSp>
+        <p:cxnSp>
+          <p:nvCxnSpPr>
+            <p:cNvPr id="14" name="Straight Connector 13">
+              <a:extLst>
+                <a:ext uri="{FF2B5EF4-FFF2-40B4-BE49-F238E27FC236}">
+                  <a16:creationId xmlns:a16="http://schemas.microsoft.com/office/drawing/2014/main" id="{E6D3DA09-5C72-4562-BEDE-1937DF87E81D}"/>
+                </a:ext>
+                <a:ext uri="{C183D7F6-B498-43B3-948B-1728B52AA6E4}">
+                  <adec:decorative xmlns:adec="http://schemas.microsoft.com/office/drawing/2017/decorative" val="1"/>
+                </a:ext>
+              </a:extLst>
+            </p:cNvPr>
+            <p:cNvCxnSpPr/>
+            <p:nvPr>
+              <p:extLst>
+                <p:ext uri="{386F3935-93C4-4BCD-93E2-E3B085C9AB24}">
+                  <p16:designElem xmlns:p16="http://schemas.microsoft.com/office/powerpoint/2015/main" val="1"/>
+                </p:ext>
+              </p:extLst>
+            </p:nvPr>
+          </p:nvCxnSpPr>
+          <p:spPr>
+            <a:xfrm flipH="1">
+              <a:off x="10443103" y="3131080"/>
+              <a:ext cx="1745722" cy="1745720"/>
+            </a:xfrm>
+            <a:prstGeom prst="line">
+              <a:avLst/>
+            </a:prstGeom>
+            <a:ln w="28575">
+              <a:solidFill>
+                <a:schemeClr val="tx2">
+                  <a:lumMod val="75000"/>
+                  <a:alpha val="80000"/>
+                </a:schemeClr>
+              </a:solidFill>
+            </a:ln>
+          </p:spPr>
+          <p:style>
+            <a:lnRef idx="2">
+              <a:schemeClr val="accent1"/>
+            </a:lnRef>
+            <a:fillRef idx="0">
+              <a:schemeClr val="accent1"/>
+            </a:fillRef>
+            <a:effectRef idx="1">
+              <a:schemeClr val="accent1"/>
+            </a:effectRef>
+            <a:fontRef idx="minor">
+              <a:schemeClr val="tx1"/>
+            </a:fontRef>
+          </p:style>
+        </p:cxnSp>
+        <p:cxnSp>
+          <p:nvCxnSpPr>
+            <p:cNvPr id="15" name="Straight Connector 14">
+              <a:extLst>
+                <a:ext uri="{FF2B5EF4-FFF2-40B4-BE49-F238E27FC236}">
+                  <a16:creationId xmlns:a16="http://schemas.microsoft.com/office/drawing/2014/main" id="{D6ACA7CA-2A20-49D7-9053-E076463D79A3}"/>
+                </a:ext>
+                <a:ext uri="{C183D7F6-B498-43B3-948B-1728B52AA6E4}">
+                  <adec:decorative xmlns:adec="http://schemas.microsoft.com/office/drawing/2017/decorative" val="1"/>
+                </a:ext>
+              </a:extLst>
+            </p:cNvPr>
+            <p:cNvCxnSpPr/>
+            <p:nvPr>
+              <p:extLst>
+                <p:ext uri="{386F3935-93C4-4BCD-93E2-E3B085C9AB24}">
+                  <p16:designElem xmlns:p16="http://schemas.microsoft.com/office/powerpoint/2015/main" val="1"/>
+                </p:ext>
+              </p:extLst>
+            </p:nvPr>
+          </p:nvCxnSpPr>
+          <p:spPr>
+            <a:xfrm flipH="1">
+              <a:off x="10918826" y="3683001"/>
+              <a:ext cx="1270001" cy="1269999"/>
+            </a:xfrm>
+            <a:prstGeom prst="line">
+              <a:avLst/>
+            </a:prstGeom>
+            <a:ln w="28575">
+              <a:solidFill>
+                <a:schemeClr val="tx2">
+                  <a:lumMod val="75000"/>
+                  <a:alpha val="80000"/>
+                </a:schemeClr>
+              </a:solidFill>
+            </a:ln>
+          </p:spPr>
+          <p:style>
+            <a:lnRef idx="2">
+              <a:schemeClr val="accent1"/>
+            </a:lnRef>
+            <a:fillRef idx="0">
+              <a:schemeClr val="accent1"/>
+            </a:fillRef>
+            <a:effectRef idx="1">
+              <a:schemeClr val="accent1"/>
+            </a:effectRef>
+            <a:fontRef idx="minor">
+              <a:schemeClr val="tx1"/>
+            </a:fontRef>
+          </p:style>
+        </p:cxnSp>
+      </p:grpSp>
+      <p:sp>
+        <p:nvSpPr>
+          <p:cNvPr id="3" name="Inhaltsplatzhalter 2">
+            <a:extLst>
+              <a:ext uri="{FF2B5EF4-FFF2-40B4-BE49-F238E27FC236}">
+                <a16:creationId xmlns:a16="http://schemas.microsoft.com/office/drawing/2014/main" id="{27E6EE71-C1BA-4DA4-A68D-D6DAF4CC9C25}"/>
+              </a:ext>
+            </a:extLst>
+          </p:cNvPr>
+          <p:cNvSpPr>
+            <a:spLocks noGrp="1"/>
+          </p:cNvSpPr>
+          <p:nvPr>
+            <p:ph idx="1"/>
+          </p:nvPr>
+        </p:nvSpPr>
+        <p:spPr>
+          <a:xfrm>
+            <a:off x="684212" y="2068511"/>
+            <a:ext cx="8534400" cy="3615267"/>
+          </a:xfrm>
+        </p:spPr>
+        <p:txBody>
+          <a:bodyPr>
+            <a:normAutofit/>
+          </a:bodyPr>
+          <a:lstStyle/>
+          <a:p>
+            <a:pPr>
+              <a:buFont typeface="Wingdings" panose="05000000000000000000" pitchFamily="2" charset="2"/>
+              <a:buChar char="v"/>
+            </a:pPr>
+            <a:r>
+              <a:rPr lang="en-US" sz="2800" dirty="0" err="1">
+                <a:solidFill>
+                  <a:schemeClr val="tx1"/>
+                </a:solidFill>
+              </a:rPr>
+              <a:t>Ausarbeitung</a:t>
+            </a:r>
+            <a:r>
+              <a:rPr lang="en-US" sz="2800" dirty="0">
+                <a:solidFill>
+                  <a:schemeClr val="tx1"/>
+                </a:solidFill>
+              </a:rPr>
+              <a:t> der Wahl der Frameworks (React, Spring Boot)</a:t>
+            </a:r>
+          </a:p>
+          <a:p>
+            <a:pPr>
+              <a:buFont typeface="Wingdings" panose="05000000000000000000" pitchFamily="2" charset="2"/>
+              <a:buChar char="v"/>
+            </a:pPr>
+            <a:r>
+              <a:rPr lang="en-US" sz="2800" dirty="0">
+                <a:solidFill>
+                  <a:schemeClr val="tx1"/>
+                </a:solidFill>
+              </a:rPr>
+              <a:t>Wahl der </a:t>
+            </a:r>
+            <a:r>
+              <a:rPr lang="en-US" sz="2800" dirty="0" err="1">
+                <a:solidFill>
+                  <a:schemeClr val="tx1"/>
+                </a:solidFill>
+              </a:rPr>
+              <a:t>Methode</a:t>
+            </a:r>
+            <a:r>
+              <a:rPr lang="en-US" sz="2800" dirty="0">
+                <a:solidFill>
+                  <a:schemeClr val="tx1"/>
+                </a:solidFill>
+              </a:rPr>
+              <a:t> </a:t>
+            </a:r>
+            <a:r>
+              <a:rPr lang="en-US" sz="2800" dirty="0" err="1">
+                <a:solidFill>
+                  <a:schemeClr val="tx1"/>
+                </a:solidFill>
+              </a:rPr>
+              <a:t>zur</a:t>
+            </a:r>
+            <a:r>
+              <a:rPr lang="en-US" sz="2800" dirty="0">
+                <a:solidFill>
+                  <a:schemeClr val="tx1"/>
+                </a:solidFill>
+              </a:rPr>
+              <a:t> </a:t>
+            </a:r>
+            <a:r>
+              <a:rPr lang="en-US" sz="2800" dirty="0" err="1">
+                <a:solidFill>
+                  <a:schemeClr val="tx1"/>
+                </a:solidFill>
+              </a:rPr>
+              <a:t>Testabdeckung</a:t>
+            </a:r>
+            <a:endParaRPr lang="en-US" sz="2800" dirty="0">
+              <a:solidFill>
+                <a:schemeClr val="tx1"/>
+              </a:solidFill>
+            </a:endParaRPr>
+          </a:p>
+        </p:txBody>
+      </p:sp>
+      <p:sp>
+        <p:nvSpPr>
+          <p:cNvPr id="5" name="Foliennummernplatzhalter 4">
+            <a:extLst>
+              <a:ext uri="{FF2B5EF4-FFF2-40B4-BE49-F238E27FC236}">
+                <a16:creationId xmlns:a16="http://schemas.microsoft.com/office/drawing/2014/main" id="{4DE8214D-1DB2-4D79-B436-DB5A16F8A910}"/>
+              </a:ext>
+            </a:extLst>
+          </p:cNvPr>
+          <p:cNvSpPr>
+            <a:spLocks noGrp="1"/>
+          </p:cNvSpPr>
+          <p:nvPr>
+            <p:ph type="sldNum" sz="quarter" idx="12"/>
+          </p:nvPr>
+        </p:nvSpPr>
+        <p:spPr/>
+        <p:txBody>
+          <a:bodyPr/>
+          <a:lstStyle/>
+          <a:p>
+            <a:fld id="{5C4AFE82-D2AF-4BDB-96A8-AD00DBF8219E}" type="slidenum">
+              <a:rPr lang="de-DE" smtClean="0">
+                <a:solidFill>
+                  <a:schemeClr val="tx1"/>
+                </a:solidFill>
+              </a:rPr>
+              <a:t>12</a:t>
+            </a:fld>
+            <a:endParaRPr lang="de-DE" dirty="0">
+              <a:solidFill>
+                <a:schemeClr val="tx1"/>
+              </a:solidFill>
+            </a:endParaRPr>
+          </a:p>
+        </p:txBody>
+      </p:sp>
+    </p:spTree>
+    <p:extLst>
+      <p:ext uri="{BB962C8B-B14F-4D97-AF65-F5344CB8AC3E}">
+        <p14:creationId xmlns:p14="http://schemas.microsoft.com/office/powerpoint/2010/main" val="1045019599"/>
+      </p:ext>
+    </p:extLst>
+  </p:cSld>
+  <p:clrMapOvr>
+    <a:masterClrMapping/>
+  </p:clrMapOvr>
+</p:sld>
+</file>
+
+<file path=ppt/slides/slide2.xml><?xml version="1.0" encoding="utf-8"?>
+<p:sld xmlns:a="http://schemas.openxmlformats.org/drawingml/2006/main" xmlns:r="http://schemas.openxmlformats.org/officeDocument/2006/relationships" xmlns:p="http://schemas.openxmlformats.org/presentationml/2006/main">
+  <p:cSld>
+    <p:spTree>
+      <p:nvGrpSpPr>
+        <p:cNvPr id="1" name=""/>
+        <p:cNvGrpSpPr/>
+        <p:nvPr/>
+      </p:nvGrpSpPr>
+      <p:grpSpPr>
+        <a:xfrm>
+          <a:off x="0" y="0"/>
+          <a:ext cx="0" cy="0"/>
+          <a:chOff x="0" y="0"/>
+          <a:chExt cx="0" cy="0"/>
+        </a:xfrm>
+      </p:grpSpPr>
+      <p:sp useBgFill="1">
+        <p:nvSpPr>
+          <p:cNvPr id="8" name="Rectangle 7">
+            <a:extLst>
+              <a:ext uri="{FF2B5EF4-FFF2-40B4-BE49-F238E27FC236}">
+                <a16:creationId xmlns:a16="http://schemas.microsoft.com/office/drawing/2014/main" id="{CADF2543-1B6F-4FBC-A7AF-53A0430E05AB}"/>
+              </a:ext>
+              <a:ext uri="{C183D7F6-B498-43B3-948B-1728B52AA6E4}">
+                <adec:decorative xmlns:adec="http://schemas.microsoft.com/office/drawing/2017/decorative" val="1"/>
+              </a:ext>
+            </a:extLst>
+          </p:cNvPr>
+          <p:cNvSpPr>
+            <a:spLocks noGrp="1" noRot="1" noChangeAspect="1" noMove="1" noResize="1" noEditPoints="1" noAdjustHandles="1" noChangeArrowheads="1" noChangeShapeType="1" noTextEdit="1"/>
+          </p:cNvSpPr>
+          <p:nvPr>
+            <p:extLst>
+              <p:ext uri="{386F3935-93C4-4BCD-93E2-E3B085C9AB24}">
+                <p16:designElem xmlns:p16="http://schemas.microsoft.com/office/powerpoint/2015/main" val="1"/>
+              </p:ext>
+            </p:extLst>
+          </p:nvPr>
+        </p:nvSpPr>
+        <p:spPr>
+          <a:xfrm>
+            <a:off x="0" y="0"/>
+            <a:ext cx="12192000" cy="6858000"/>
+          </a:xfrm>
+          <a:prstGeom prst="rect">
+            <a:avLst/>
+          </a:prstGeom>
+          <a:ln>
+            <a:noFill/>
+          </a:ln>
+        </p:spPr>
+        <p:style>
+          <a:lnRef idx="2">
+            <a:schemeClr val="accent1">
+              <a:shade val="50000"/>
+            </a:schemeClr>
+          </a:lnRef>
+          <a:fillRef idx="1">
+            <a:schemeClr val="accent1"/>
+          </a:fillRef>
+          <a:effectRef idx="0">
+            <a:schemeClr val="accent1"/>
+          </a:effectRef>
+          <a:fontRef idx="minor">
+            <a:schemeClr val="lt1"/>
+          </a:fontRef>
+        </p:style>
+        <p:txBody>
+          <a:bodyPr rtlCol="0" anchor="ctr"/>
+          <a:lstStyle/>
+          <a:p>
+            <a:pPr algn="ctr"/>
+            <a:endParaRPr lang="en-US"/>
+          </a:p>
+        </p:txBody>
+      </p:sp>
+      <p:sp>
+        <p:nvSpPr>
+          <p:cNvPr id="2" name="Titel 1">
+            <a:extLst>
+              <a:ext uri="{FF2B5EF4-FFF2-40B4-BE49-F238E27FC236}">
+                <a16:creationId xmlns:a16="http://schemas.microsoft.com/office/drawing/2014/main" id="{6330688F-EEAD-4DD0-94C7-BE719016C864}"/>
+              </a:ext>
+            </a:extLst>
+          </p:cNvPr>
+          <p:cNvSpPr>
+            <a:spLocks noGrp="1"/>
+          </p:cNvSpPr>
+          <p:nvPr>
+            <p:ph type="title"/>
+          </p:nvPr>
+        </p:nvSpPr>
+        <p:spPr>
+          <a:xfrm>
+            <a:off x="684212" y="485244"/>
+            <a:ext cx="8534400" cy="1507067"/>
+          </a:xfrm>
+        </p:spPr>
+        <p:txBody>
+          <a:bodyPr>
+            <a:normAutofit/>
+          </a:bodyPr>
+          <a:lstStyle/>
+          <a:p>
+            <a:r>
+              <a:rPr lang="de-DE" dirty="0"/>
+              <a:t>Übersicht</a:t>
+            </a:r>
+          </a:p>
+        </p:txBody>
+      </p:sp>
+      <p:grpSp>
+        <p:nvGrpSpPr>
+          <p:cNvPr id="10" name="Group 9">
+            <a:extLst>
+              <a:ext uri="{FF2B5EF4-FFF2-40B4-BE49-F238E27FC236}">
+                <a16:creationId xmlns:a16="http://schemas.microsoft.com/office/drawing/2014/main" id="{A80A6E81-6B71-43DF-877B-E964A9A4CB68}"/>
+              </a:ext>
+              <a:ext uri="{C183D7F6-B498-43B3-948B-1728B52AA6E4}">
+                <adec:decorative xmlns:adec="http://schemas.microsoft.com/office/drawing/2017/decorative" val="1"/>
+              </a:ext>
+            </a:extLst>
+          </p:cNvPr>
+          <p:cNvGrpSpPr>
+            <a:grpSpLocks noGrp="1" noUngrp="1" noRot="1" noChangeAspect="1" noMove="1" noResize="1"/>
+          </p:cNvGrpSpPr>
+          <p:nvPr>
+            <p:extLst>
+              <p:ext uri="{386F3935-93C4-4BCD-93E2-E3B085C9AB24}">
+                <p16:designElem xmlns:p16="http://schemas.microsoft.com/office/powerpoint/2015/main" val="1"/>
+              </p:ext>
+            </p:extLst>
+          </p:nvPr>
+        </p:nvGrpSpPr>
+        <p:grpSpPr>
+          <a:xfrm>
+            <a:off x="9206969" y="2963333"/>
+            <a:ext cx="2981858" cy="3208867"/>
+            <a:chOff x="9206969" y="2963333"/>
+            <a:chExt cx="2981858" cy="3208867"/>
+          </a:xfrm>
+        </p:grpSpPr>
+        <p:cxnSp>
+          <p:nvCxnSpPr>
+            <p:cNvPr id="11" name="Straight Connector 10">
+              <a:extLst>
+                <a:ext uri="{FF2B5EF4-FFF2-40B4-BE49-F238E27FC236}">
+                  <a16:creationId xmlns:a16="http://schemas.microsoft.com/office/drawing/2014/main" id="{4E35C3AD-357F-4004-A3F3-2D4EAF34A63D}"/>
+                </a:ext>
+                <a:ext uri="{C183D7F6-B498-43B3-948B-1728B52AA6E4}">
+                  <adec:decorative xmlns:adec="http://schemas.microsoft.com/office/drawing/2017/decorative" val="1"/>
+                </a:ext>
+              </a:extLst>
+            </p:cNvPr>
+            <p:cNvCxnSpPr/>
+            <p:nvPr>
+              <p:extLst>
+                <p:ext uri="{386F3935-93C4-4BCD-93E2-E3B085C9AB24}">
+                  <p16:designElem xmlns:p16="http://schemas.microsoft.com/office/powerpoint/2015/main" val="1"/>
+                </p:ext>
+              </p:extLst>
+            </p:nvPr>
+          </p:nvCxnSpPr>
+          <p:spPr>
+            <a:xfrm flipH="1">
+              <a:off x="11276012" y="2963333"/>
+              <a:ext cx="912814" cy="912812"/>
+            </a:xfrm>
+            <a:prstGeom prst="line">
+              <a:avLst/>
+            </a:prstGeom>
+            <a:ln w="9525">
+              <a:solidFill>
+                <a:schemeClr val="tx2">
+                  <a:lumMod val="75000"/>
+                  <a:alpha val="80000"/>
+                </a:schemeClr>
+              </a:solidFill>
+            </a:ln>
+          </p:spPr>
+          <p:style>
+            <a:lnRef idx="2">
+              <a:schemeClr val="accent1"/>
+            </a:lnRef>
+            <a:fillRef idx="0">
+              <a:schemeClr val="accent1"/>
+            </a:fillRef>
+            <a:effectRef idx="1">
+              <a:schemeClr val="accent1"/>
+            </a:effectRef>
+            <a:fontRef idx="minor">
+              <a:schemeClr val="tx1"/>
+            </a:fontRef>
+          </p:style>
+        </p:cxnSp>
+        <p:cxnSp>
+          <p:nvCxnSpPr>
+            <p:cNvPr id="12" name="Straight Connector 11">
+              <a:extLst>
+                <a:ext uri="{FF2B5EF4-FFF2-40B4-BE49-F238E27FC236}">
+                  <a16:creationId xmlns:a16="http://schemas.microsoft.com/office/drawing/2014/main" id="{337B6032-0A70-4F26-A9A3-B4D60DF11818}"/>
+                </a:ext>
+                <a:ext uri="{C183D7F6-B498-43B3-948B-1728B52AA6E4}">
+                  <adec:decorative xmlns:adec="http://schemas.microsoft.com/office/drawing/2017/decorative" val="1"/>
+                </a:ext>
+              </a:extLst>
+            </p:cNvPr>
+            <p:cNvCxnSpPr/>
+            <p:nvPr>
+              <p:extLst>
+                <p:ext uri="{386F3935-93C4-4BCD-93E2-E3B085C9AB24}">
+                  <p16:designElem xmlns:p16="http://schemas.microsoft.com/office/powerpoint/2015/main" val="1"/>
+                </p:ext>
+              </p:extLst>
+            </p:nvPr>
+          </p:nvCxnSpPr>
+          <p:spPr>
+            <a:xfrm flipH="1">
+              <a:off x="9206969" y="3190344"/>
+              <a:ext cx="2981857" cy="2981856"/>
+            </a:xfrm>
+            <a:prstGeom prst="line">
+              <a:avLst/>
+            </a:prstGeom>
+            <a:ln w="9525">
+              <a:solidFill>
+                <a:schemeClr val="tx2">
+                  <a:lumMod val="75000"/>
+                  <a:alpha val="80000"/>
+                </a:schemeClr>
+              </a:solidFill>
+            </a:ln>
+          </p:spPr>
+          <p:style>
+            <a:lnRef idx="2">
+              <a:schemeClr val="accent1"/>
+            </a:lnRef>
+            <a:fillRef idx="0">
+              <a:schemeClr val="accent1"/>
+            </a:fillRef>
+            <a:effectRef idx="1">
+              <a:schemeClr val="accent1"/>
+            </a:effectRef>
+            <a:fontRef idx="minor">
+              <a:schemeClr val="tx1"/>
+            </a:fontRef>
+          </p:style>
+        </p:cxnSp>
+        <p:cxnSp>
+          <p:nvCxnSpPr>
+            <p:cNvPr id="13" name="Straight Connector 12">
+              <a:extLst>
+                <a:ext uri="{FF2B5EF4-FFF2-40B4-BE49-F238E27FC236}">
+                  <a16:creationId xmlns:a16="http://schemas.microsoft.com/office/drawing/2014/main" id="{DE192CE3-3DD1-448F-93BE-42983DA0D5A9}"/>
+                </a:ext>
+                <a:ext uri="{C183D7F6-B498-43B3-948B-1728B52AA6E4}">
+                  <adec:decorative xmlns:adec="http://schemas.microsoft.com/office/drawing/2017/decorative" val="1"/>
+                </a:ext>
+              </a:extLst>
+            </p:cNvPr>
+            <p:cNvCxnSpPr/>
+            <p:nvPr>
+              <p:extLst>
+                <p:ext uri="{386F3935-93C4-4BCD-93E2-E3B085C9AB24}">
+                  <p16:designElem xmlns:p16="http://schemas.microsoft.com/office/powerpoint/2015/main" val="1"/>
+                </p:ext>
+              </p:extLst>
+            </p:nvPr>
+          </p:nvCxnSpPr>
+          <p:spPr>
+            <a:xfrm flipH="1">
+              <a:off x="10292292" y="3285067"/>
+              <a:ext cx="1896534" cy="1896533"/>
+            </a:xfrm>
+            <a:prstGeom prst="line">
+              <a:avLst/>
+            </a:prstGeom>
+            <a:ln w="9525">
+              <a:solidFill>
+                <a:schemeClr val="tx2">
+                  <a:lumMod val="75000"/>
+                  <a:alpha val="80000"/>
+                </a:schemeClr>
+              </a:solidFill>
+            </a:ln>
+          </p:spPr>
+          <p:style>
+            <a:lnRef idx="2">
+              <a:schemeClr val="accent1"/>
+            </a:lnRef>
+            <a:fillRef idx="0">
+              <a:schemeClr val="accent1"/>
+            </a:fillRef>
+            <a:effectRef idx="1">
+              <a:schemeClr val="accent1"/>
+            </a:effectRef>
+            <a:fontRef idx="minor">
+              <a:schemeClr val="tx1"/>
+            </a:fontRef>
+          </p:style>
+        </p:cxnSp>
+        <p:cxnSp>
+          <p:nvCxnSpPr>
+            <p:cNvPr id="14" name="Straight Connector 13">
+              <a:extLst>
+                <a:ext uri="{FF2B5EF4-FFF2-40B4-BE49-F238E27FC236}">
+                  <a16:creationId xmlns:a16="http://schemas.microsoft.com/office/drawing/2014/main" id="{E6D3DA09-5C72-4562-BEDE-1937DF87E81D}"/>
+                </a:ext>
+                <a:ext uri="{C183D7F6-B498-43B3-948B-1728B52AA6E4}">
+                  <adec:decorative xmlns:adec="http://schemas.microsoft.com/office/drawing/2017/decorative" val="1"/>
+                </a:ext>
+              </a:extLst>
+            </p:cNvPr>
+            <p:cNvCxnSpPr/>
+            <p:nvPr>
+              <p:extLst>
+                <p:ext uri="{386F3935-93C4-4BCD-93E2-E3B085C9AB24}">
+                  <p16:designElem xmlns:p16="http://schemas.microsoft.com/office/powerpoint/2015/main" val="1"/>
+                </p:ext>
+              </p:extLst>
+            </p:nvPr>
+          </p:nvCxnSpPr>
+          <p:spPr>
+            <a:xfrm flipH="1">
+              <a:off x="10443103" y="3131080"/>
+              <a:ext cx="1745722" cy="1745720"/>
+            </a:xfrm>
+            <a:prstGeom prst="line">
+              <a:avLst/>
+            </a:prstGeom>
+            <a:ln w="28575">
+              <a:solidFill>
+                <a:schemeClr val="tx2">
+                  <a:lumMod val="75000"/>
+                  <a:alpha val="80000"/>
+                </a:schemeClr>
+              </a:solidFill>
+            </a:ln>
+          </p:spPr>
+          <p:style>
+            <a:lnRef idx="2">
+              <a:schemeClr val="accent1"/>
+            </a:lnRef>
+            <a:fillRef idx="0">
+              <a:schemeClr val="accent1"/>
+            </a:fillRef>
+            <a:effectRef idx="1">
+              <a:schemeClr val="accent1"/>
+            </a:effectRef>
+            <a:fontRef idx="minor">
+              <a:schemeClr val="tx1"/>
+            </a:fontRef>
+          </p:style>
+        </p:cxnSp>
+        <p:cxnSp>
+          <p:nvCxnSpPr>
+            <p:cNvPr id="15" name="Straight Connector 14">
+              <a:extLst>
+                <a:ext uri="{FF2B5EF4-FFF2-40B4-BE49-F238E27FC236}">
+                  <a16:creationId xmlns:a16="http://schemas.microsoft.com/office/drawing/2014/main" id="{D6ACA7CA-2A20-49D7-9053-E076463D79A3}"/>
+                </a:ext>
+                <a:ext uri="{C183D7F6-B498-43B3-948B-1728B52AA6E4}">
+                  <adec:decorative xmlns:adec="http://schemas.microsoft.com/office/drawing/2017/decorative" val="1"/>
+                </a:ext>
+              </a:extLst>
+            </p:cNvPr>
+            <p:cNvCxnSpPr/>
+            <p:nvPr>
+              <p:extLst>
+                <p:ext uri="{386F3935-93C4-4BCD-93E2-E3B085C9AB24}">
+                  <p16:designElem xmlns:p16="http://schemas.microsoft.com/office/powerpoint/2015/main" val="1"/>
+                </p:ext>
+              </p:extLst>
+            </p:nvPr>
+          </p:nvCxnSpPr>
+          <p:spPr>
+            <a:xfrm flipH="1">
+              <a:off x="10918826" y="3683001"/>
+              <a:ext cx="1270001" cy="1269999"/>
+            </a:xfrm>
+            <a:prstGeom prst="line">
+              <a:avLst/>
+            </a:prstGeom>
+            <a:ln w="28575">
+              <a:solidFill>
+                <a:schemeClr val="tx2">
+                  <a:lumMod val="75000"/>
+                  <a:alpha val="80000"/>
+                </a:schemeClr>
+              </a:solidFill>
+            </a:ln>
+          </p:spPr>
+          <p:style>
+            <a:lnRef idx="2">
+              <a:schemeClr val="accent1"/>
+            </a:lnRef>
+            <a:fillRef idx="0">
+              <a:schemeClr val="accent1"/>
+            </a:fillRef>
+            <a:effectRef idx="1">
+              <a:schemeClr val="accent1"/>
+            </a:effectRef>
+            <a:fontRef idx="minor">
+              <a:schemeClr val="tx1"/>
+            </a:fontRef>
+          </p:style>
+        </p:cxnSp>
+      </p:grpSp>
+      <p:sp>
+        <p:nvSpPr>
+          <p:cNvPr id="3" name="Inhaltsplatzhalter 2">
+            <a:extLst>
+              <a:ext uri="{FF2B5EF4-FFF2-40B4-BE49-F238E27FC236}">
+                <a16:creationId xmlns:a16="http://schemas.microsoft.com/office/drawing/2014/main" id="{27E6EE71-C1BA-4DA4-A68D-D6DAF4CC9C25}"/>
+              </a:ext>
+            </a:extLst>
+          </p:cNvPr>
+          <p:cNvSpPr>
+            <a:spLocks noGrp="1"/>
+          </p:cNvSpPr>
+          <p:nvPr>
+            <p:ph idx="1"/>
+          </p:nvPr>
+        </p:nvSpPr>
+        <p:spPr>
+          <a:xfrm>
+            <a:off x="684212" y="2068511"/>
+            <a:ext cx="8534400" cy="3615267"/>
+          </a:xfrm>
+        </p:spPr>
+        <p:txBody>
+          <a:bodyPr>
+            <a:normAutofit/>
+          </a:bodyPr>
+          <a:lstStyle/>
+          <a:p>
+            <a:pPr marL="0" indent="0">
+              <a:buNone/>
+            </a:pPr>
+            <a:r>
+              <a:rPr lang="de-DE" sz="2800" dirty="0">
+                <a:solidFill>
+                  <a:schemeClr val="tx1"/>
+                </a:solidFill>
+              </a:rPr>
+              <a:t>Motivation</a:t>
+            </a:r>
+          </a:p>
+          <a:p>
+            <a:pPr marL="0" indent="0">
+              <a:buNone/>
+            </a:pPr>
+            <a:r>
+              <a:rPr lang="de-DE" sz="2800" dirty="0">
+                <a:solidFill>
+                  <a:schemeClr val="tx1"/>
+                </a:solidFill>
+              </a:rPr>
+              <a:t>Evaluationsmethode</a:t>
+            </a:r>
+          </a:p>
+          <a:p>
+            <a:pPr marL="0" indent="0">
+              <a:buNone/>
+            </a:pPr>
+            <a:r>
+              <a:rPr lang="de-DE" sz="2800" dirty="0">
+                <a:solidFill>
+                  <a:schemeClr val="tx1"/>
+                </a:solidFill>
+              </a:rPr>
+              <a:t>Anforderungen</a:t>
+            </a:r>
+          </a:p>
+          <a:p>
+            <a:pPr marL="0" indent="0">
+              <a:buNone/>
+            </a:pPr>
+            <a:r>
+              <a:rPr lang="de-DE" sz="2800" dirty="0">
+                <a:solidFill>
+                  <a:schemeClr val="tx1"/>
+                </a:solidFill>
+              </a:rPr>
+              <a:t>Live-Demo</a:t>
+            </a:r>
+          </a:p>
+          <a:p>
+            <a:pPr marL="0" indent="0">
+              <a:buNone/>
+            </a:pPr>
+            <a:r>
+              <a:rPr lang="de-DE" sz="2800" dirty="0">
+                <a:solidFill>
+                  <a:schemeClr val="tx1"/>
+                </a:solidFill>
+              </a:rPr>
+              <a:t>Kritik</a:t>
+            </a:r>
+          </a:p>
+        </p:txBody>
+      </p:sp>
+      <p:sp>
+        <p:nvSpPr>
+          <p:cNvPr id="5" name="Foliennummernplatzhalter 4">
+            <a:extLst>
+              <a:ext uri="{FF2B5EF4-FFF2-40B4-BE49-F238E27FC236}">
+                <a16:creationId xmlns:a16="http://schemas.microsoft.com/office/drawing/2014/main" id="{4DE8214D-1DB2-4D79-B436-DB5A16F8A910}"/>
+              </a:ext>
+            </a:extLst>
+          </p:cNvPr>
+          <p:cNvSpPr>
+            <a:spLocks noGrp="1"/>
+          </p:cNvSpPr>
+          <p:nvPr>
+            <p:ph type="sldNum" sz="quarter" idx="12"/>
+          </p:nvPr>
+        </p:nvSpPr>
+        <p:spPr/>
+        <p:txBody>
+          <a:bodyPr/>
+          <a:lstStyle/>
+          <a:p>
+            <a:fld id="{5C4AFE82-D2AF-4BDB-96A8-AD00DBF8219E}" type="slidenum">
+              <a:rPr lang="de-DE" smtClean="0">
+                <a:solidFill>
+                  <a:schemeClr val="tx1"/>
+                </a:solidFill>
+              </a:rPr>
+              <a:t>2</a:t>
+            </a:fld>
+            <a:endParaRPr lang="de-DE" dirty="0">
+              <a:solidFill>
+                <a:schemeClr val="tx1"/>
+              </a:solidFill>
+            </a:endParaRPr>
+          </a:p>
+        </p:txBody>
+      </p:sp>
+    </p:spTree>
+    <p:extLst>
+      <p:ext uri="{BB962C8B-B14F-4D97-AF65-F5344CB8AC3E}">
+        <p14:creationId xmlns:p14="http://schemas.microsoft.com/office/powerpoint/2010/main" val="1528985010"/>
+      </p:ext>
+    </p:extLst>
+  </p:cSld>
+  <p:clrMapOvr>
+    <a:masterClrMapping/>
+  </p:clrMapOvr>
+</p:sld>
+</file>
+
+<file path=ppt/slides/slide3.xml><?xml version="1.0" encoding="utf-8"?>
+<p:sld xmlns:a="http://schemas.openxmlformats.org/drawingml/2006/main" xmlns:r="http://schemas.openxmlformats.org/officeDocument/2006/relationships" xmlns:p="http://schemas.openxmlformats.org/presentationml/2006/main">
+  <p:cSld>
+    <p:spTree>
+      <p:nvGrpSpPr>
+        <p:cNvPr id="1" name=""/>
+        <p:cNvGrpSpPr/>
+        <p:nvPr/>
+      </p:nvGrpSpPr>
+      <p:grpSpPr>
+        <a:xfrm>
+          <a:off x="0" y="0"/>
+          <a:ext cx="0" cy="0"/>
+          <a:chOff x="0" y="0"/>
+          <a:chExt cx="0" cy="0"/>
+        </a:xfrm>
+      </p:grpSpPr>
+      <p:sp useBgFill="1">
+        <p:nvSpPr>
+          <p:cNvPr id="8" name="Rectangle 7">
+            <a:extLst>
+              <a:ext uri="{FF2B5EF4-FFF2-40B4-BE49-F238E27FC236}">
+                <a16:creationId xmlns:a16="http://schemas.microsoft.com/office/drawing/2014/main" id="{CADF2543-1B6F-4FBC-A7AF-53A0430E05AB}"/>
+              </a:ext>
+              <a:ext uri="{C183D7F6-B498-43B3-948B-1728B52AA6E4}">
+                <adec:decorative xmlns:adec="http://schemas.microsoft.com/office/drawing/2017/decorative" val="1"/>
+              </a:ext>
+            </a:extLst>
+          </p:cNvPr>
+          <p:cNvSpPr>
+            <a:spLocks noGrp="1" noRot="1" noChangeAspect="1" noMove="1" noResize="1" noEditPoints="1" noAdjustHandles="1" noChangeArrowheads="1" noChangeShapeType="1" noTextEdit="1"/>
+          </p:cNvSpPr>
+          <p:nvPr>
+            <p:extLst>
+              <p:ext uri="{386F3935-93C4-4BCD-93E2-E3B085C9AB24}">
+                <p16:designElem xmlns:p16="http://schemas.microsoft.com/office/powerpoint/2015/main" val="1"/>
+              </p:ext>
+            </p:extLst>
+          </p:nvPr>
+        </p:nvSpPr>
+        <p:spPr>
+          <a:xfrm>
+            <a:off x="0" y="0"/>
+            <a:ext cx="12192000" cy="6858000"/>
+          </a:xfrm>
+          <a:prstGeom prst="rect">
+            <a:avLst/>
+          </a:prstGeom>
+          <a:ln>
+            <a:noFill/>
+          </a:ln>
+        </p:spPr>
+        <p:style>
+          <a:lnRef idx="2">
+            <a:schemeClr val="accent1">
+              <a:shade val="50000"/>
+            </a:schemeClr>
+          </a:lnRef>
+          <a:fillRef idx="1">
+            <a:schemeClr val="accent1"/>
+          </a:fillRef>
+          <a:effectRef idx="0">
+            <a:schemeClr val="accent1"/>
+          </a:effectRef>
+          <a:fontRef idx="minor">
+            <a:schemeClr val="lt1"/>
+          </a:fontRef>
+        </p:style>
+        <p:txBody>
+          <a:bodyPr rtlCol="0" anchor="ctr"/>
+          <a:lstStyle/>
+          <a:p>
+            <a:pPr algn="ctr"/>
+            <a:endParaRPr lang="en-US"/>
+          </a:p>
+        </p:txBody>
+      </p:sp>
+      <p:sp>
+        <p:nvSpPr>
+          <p:cNvPr id="2" name="Titel 1">
+            <a:extLst>
+              <a:ext uri="{FF2B5EF4-FFF2-40B4-BE49-F238E27FC236}">
+                <a16:creationId xmlns:a16="http://schemas.microsoft.com/office/drawing/2014/main" id="{6330688F-EEAD-4DD0-94C7-BE719016C864}"/>
+              </a:ext>
+            </a:extLst>
+          </p:cNvPr>
+          <p:cNvSpPr>
+            <a:spLocks noGrp="1"/>
+          </p:cNvSpPr>
+          <p:nvPr>
+            <p:ph type="title"/>
+          </p:nvPr>
+        </p:nvSpPr>
+        <p:spPr>
+          <a:xfrm>
+            <a:off x="684212" y="485244"/>
+            <a:ext cx="8534400" cy="1507067"/>
+          </a:xfrm>
+        </p:spPr>
+        <p:txBody>
+          <a:bodyPr>
+            <a:normAutofit/>
+          </a:bodyPr>
+          <a:lstStyle/>
+          <a:p>
+            <a:r>
+              <a:rPr lang="de-DE" dirty="0"/>
+              <a:t>Motivation</a:t>
+            </a:r>
+          </a:p>
+        </p:txBody>
+      </p:sp>
+      <p:grpSp>
+        <p:nvGrpSpPr>
+          <p:cNvPr id="10" name="Group 9">
+            <a:extLst>
+              <a:ext uri="{FF2B5EF4-FFF2-40B4-BE49-F238E27FC236}">
+                <a16:creationId xmlns:a16="http://schemas.microsoft.com/office/drawing/2014/main" id="{A80A6E81-6B71-43DF-877B-E964A9A4CB68}"/>
+              </a:ext>
+              <a:ext uri="{C183D7F6-B498-43B3-948B-1728B52AA6E4}">
+                <adec:decorative xmlns:adec="http://schemas.microsoft.com/office/drawing/2017/decorative" val="1"/>
+              </a:ext>
+            </a:extLst>
+          </p:cNvPr>
+          <p:cNvGrpSpPr>
+            <a:grpSpLocks noGrp="1" noUngrp="1" noRot="1" noChangeAspect="1" noMove="1" noResize="1"/>
+          </p:cNvGrpSpPr>
+          <p:nvPr>
+            <p:extLst>
+              <p:ext uri="{386F3935-93C4-4BCD-93E2-E3B085C9AB24}">
+                <p16:designElem xmlns:p16="http://schemas.microsoft.com/office/powerpoint/2015/main" val="1"/>
+              </p:ext>
+            </p:extLst>
+          </p:nvPr>
+        </p:nvGrpSpPr>
+        <p:grpSpPr>
+          <a:xfrm>
+            <a:off x="9206969" y="2963333"/>
+            <a:ext cx="2981858" cy="3208867"/>
+            <a:chOff x="9206969" y="2963333"/>
+            <a:chExt cx="2981858" cy="3208867"/>
+          </a:xfrm>
+        </p:grpSpPr>
+        <p:cxnSp>
+          <p:nvCxnSpPr>
+            <p:cNvPr id="11" name="Straight Connector 10">
+              <a:extLst>
+                <a:ext uri="{FF2B5EF4-FFF2-40B4-BE49-F238E27FC236}">
+                  <a16:creationId xmlns:a16="http://schemas.microsoft.com/office/drawing/2014/main" id="{4E35C3AD-357F-4004-A3F3-2D4EAF34A63D}"/>
+                </a:ext>
+                <a:ext uri="{C183D7F6-B498-43B3-948B-1728B52AA6E4}">
+                  <adec:decorative xmlns:adec="http://schemas.microsoft.com/office/drawing/2017/decorative" val="1"/>
+                </a:ext>
+              </a:extLst>
+            </p:cNvPr>
+            <p:cNvCxnSpPr/>
+            <p:nvPr>
+              <p:extLst>
+                <p:ext uri="{386F3935-93C4-4BCD-93E2-E3B085C9AB24}">
+                  <p16:designElem xmlns:p16="http://schemas.microsoft.com/office/powerpoint/2015/main" val="1"/>
+                </p:ext>
+              </p:extLst>
+            </p:nvPr>
+          </p:nvCxnSpPr>
+          <p:spPr>
+            <a:xfrm flipH="1">
+              <a:off x="11276012" y="2963333"/>
+              <a:ext cx="912814" cy="912812"/>
+            </a:xfrm>
+            <a:prstGeom prst="line">
+              <a:avLst/>
+            </a:prstGeom>
+            <a:ln w="9525">
+              <a:solidFill>
+                <a:schemeClr val="tx2">
+                  <a:lumMod val="75000"/>
+                  <a:alpha val="80000"/>
+                </a:schemeClr>
+              </a:solidFill>
+            </a:ln>
+          </p:spPr>
+          <p:style>
+            <a:lnRef idx="2">
+              <a:schemeClr val="accent1"/>
+            </a:lnRef>
+            <a:fillRef idx="0">
+              <a:schemeClr val="accent1"/>
+            </a:fillRef>
+            <a:effectRef idx="1">
+              <a:schemeClr val="accent1"/>
+            </a:effectRef>
+            <a:fontRef idx="minor">
+              <a:schemeClr val="tx1"/>
+            </a:fontRef>
+          </p:style>
+        </p:cxnSp>
+        <p:cxnSp>
+          <p:nvCxnSpPr>
+            <p:cNvPr id="12" name="Straight Connector 11">
+              <a:extLst>
+                <a:ext uri="{FF2B5EF4-FFF2-40B4-BE49-F238E27FC236}">
+                  <a16:creationId xmlns:a16="http://schemas.microsoft.com/office/drawing/2014/main" id="{337B6032-0A70-4F26-A9A3-B4D60DF11818}"/>
+                </a:ext>
+                <a:ext uri="{C183D7F6-B498-43B3-948B-1728B52AA6E4}">
+                  <adec:decorative xmlns:adec="http://schemas.microsoft.com/office/drawing/2017/decorative" val="1"/>
+                </a:ext>
+              </a:extLst>
+            </p:cNvPr>
+            <p:cNvCxnSpPr/>
+            <p:nvPr>
+              <p:extLst>
+                <p:ext uri="{386F3935-93C4-4BCD-93E2-E3B085C9AB24}">
+                  <p16:designElem xmlns:p16="http://schemas.microsoft.com/office/powerpoint/2015/main" val="1"/>
+                </p:ext>
+              </p:extLst>
+            </p:nvPr>
+          </p:nvCxnSpPr>
+          <p:spPr>
+            <a:xfrm flipH="1">
+              <a:off x="9206969" y="3190344"/>
+              <a:ext cx="2981857" cy="2981856"/>
+            </a:xfrm>
+            <a:prstGeom prst="line">
+              <a:avLst/>
+            </a:prstGeom>
+            <a:ln w="9525">
+              <a:solidFill>
+                <a:schemeClr val="tx2">
+                  <a:lumMod val="75000"/>
+                  <a:alpha val="80000"/>
+                </a:schemeClr>
+              </a:solidFill>
+            </a:ln>
+          </p:spPr>
+          <p:style>
+            <a:lnRef idx="2">
+              <a:schemeClr val="accent1"/>
+            </a:lnRef>
+            <a:fillRef idx="0">
+              <a:schemeClr val="accent1"/>
+            </a:fillRef>
+            <a:effectRef idx="1">
+              <a:schemeClr val="accent1"/>
+            </a:effectRef>
+            <a:fontRef idx="minor">
+              <a:schemeClr val="tx1"/>
+            </a:fontRef>
+          </p:style>
+        </p:cxnSp>
+        <p:cxnSp>
+          <p:nvCxnSpPr>
+            <p:cNvPr id="13" name="Straight Connector 12">
+              <a:extLst>
+                <a:ext uri="{FF2B5EF4-FFF2-40B4-BE49-F238E27FC236}">
+                  <a16:creationId xmlns:a16="http://schemas.microsoft.com/office/drawing/2014/main" id="{DE192CE3-3DD1-448F-93BE-42983DA0D5A9}"/>
+                </a:ext>
+                <a:ext uri="{C183D7F6-B498-43B3-948B-1728B52AA6E4}">
+                  <adec:decorative xmlns:adec="http://schemas.microsoft.com/office/drawing/2017/decorative" val="1"/>
+                </a:ext>
+              </a:extLst>
+            </p:cNvPr>
+            <p:cNvCxnSpPr/>
+            <p:nvPr>
+              <p:extLst>
+                <p:ext uri="{386F3935-93C4-4BCD-93E2-E3B085C9AB24}">
+                  <p16:designElem xmlns:p16="http://schemas.microsoft.com/office/powerpoint/2015/main" val="1"/>
+                </p:ext>
+              </p:extLst>
+            </p:nvPr>
+          </p:nvCxnSpPr>
+          <p:spPr>
+            <a:xfrm flipH="1">
+              <a:off x="10292292" y="3285067"/>
+              <a:ext cx="1896534" cy="1896533"/>
+            </a:xfrm>
+            <a:prstGeom prst="line">
+              <a:avLst/>
+            </a:prstGeom>
+            <a:ln w="9525">
+              <a:solidFill>
+                <a:schemeClr val="tx2">
+                  <a:lumMod val="75000"/>
+                  <a:alpha val="80000"/>
+                </a:schemeClr>
+              </a:solidFill>
+            </a:ln>
+          </p:spPr>
+          <p:style>
+            <a:lnRef idx="2">
+              <a:schemeClr val="accent1"/>
+            </a:lnRef>
+            <a:fillRef idx="0">
+              <a:schemeClr val="accent1"/>
+            </a:fillRef>
+            <a:effectRef idx="1">
+              <a:schemeClr val="accent1"/>
+            </a:effectRef>
+            <a:fontRef idx="minor">
+              <a:schemeClr val="tx1"/>
+            </a:fontRef>
+          </p:style>
+        </p:cxnSp>
+        <p:cxnSp>
+          <p:nvCxnSpPr>
+            <p:cNvPr id="14" name="Straight Connector 13">
+              <a:extLst>
+                <a:ext uri="{FF2B5EF4-FFF2-40B4-BE49-F238E27FC236}">
+                  <a16:creationId xmlns:a16="http://schemas.microsoft.com/office/drawing/2014/main" id="{E6D3DA09-5C72-4562-BEDE-1937DF87E81D}"/>
+                </a:ext>
+                <a:ext uri="{C183D7F6-B498-43B3-948B-1728B52AA6E4}">
+                  <adec:decorative xmlns:adec="http://schemas.microsoft.com/office/drawing/2017/decorative" val="1"/>
+                </a:ext>
+              </a:extLst>
+            </p:cNvPr>
+            <p:cNvCxnSpPr/>
+            <p:nvPr>
+              <p:extLst>
+                <p:ext uri="{386F3935-93C4-4BCD-93E2-E3B085C9AB24}">
+                  <p16:designElem xmlns:p16="http://schemas.microsoft.com/office/powerpoint/2015/main" val="1"/>
+                </p:ext>
+              </p:extLst>
+            </p:nvPr>
+          </p:nvCxnSpPr>
+          <p:spPr>
+            <a:xfrm flipH="1">
+              <a:off x="10443103" y="3131080"/>
+              <a:ext cx="1745722" cy="1745720"/>
+            </a:xfrm>
+            <a:prstGeom prst="line">
+              <a:avLst/>
+            </a:prstGeom>
+            <a:ln w="28575">
+              <a:solidFill>
+                <a:schemeClr val="tx2">
+                  <a:lumMod val="75000"/>
+                  <a:alpha val="80000"/>
+                </a:schemeClr>
+              </a:solidFill>
+            </a:ln>
+          </p:spPr>
+          <p:style>
+            <a:lnRef idx="2">
+              <a:schemeClr val="accent1"/>
+            </a:lnRef>
+            <a:fillRef idx="0">
+              <a:schemeClr val="accent1"/>
+            </a:fillRef>
+            <a:effectRef idx="1">
+              <a:schemeClr val="accent1"/>
+            </a:effectRef>
+            <a:fontRef idx="minor">
+              <a:schemeClr val="tx1"/>
+            </a:fontRef>
+          </p:style>
+        </p:cxnSp>
+        <p:cxnSp>
+          <p:nvCxnSpPr>
+            <p:cNvPr id="15" name="Straight Connector 14">
+              <a:extLst>
+                <a:ext uri="{FF2B5EF4-FFF2-40B4-BE49-F238E27FC236}">
+                  <a16:creationId xmlns:a16="http://schemas.microsoft.com/office/drawing/2014/main" id="{D6ACA7CA-2A20-49D7-9053-E076463D79A3}"/>
+                </a:ext>
+                <a:ext uri="{C183D7F6-B498-43B3-948B-1728B52AA6E4}">
+                  <adec:decorative xmlns:adec="http://schemas.microsoft.com/office/drawing/2017/decorative" val="1"/>
+                </a:ext>
+              </a:extLst>
+            </p:cNvPr>
+            <p:cNvCxnSpPr/>
+            <p:nvPr>
+              <p:extLst>
+                <p:ext uri="{386F3935-93C4-4BCD-93E2-E3B085C9AB24}">
+                  <p16:designElem xmlns:p16="http://schemas.microsoft.com/office/powerpoint/2015/main" val="1"/>
+                </p:ext>
+              </p:extLst>
+            </p:nvPr>
+          </p:nvCxnSpPr>
+          <p:spPr>
+            <a:xfrm flipH="1">
+              <a:off x="10918826" y="3683001"/>
+              <a:ext cx="1270001" cy="1269999"/>
+            </a:xfrm>
+            <a:prstGeom prst="line">
+              <a:avLst/>
+            </a:prstGeom>
+            <a:ln w="28575">
+              <a:solidFill>
+                <a:schemeClr val="tx2">
+                  <a:lumMod val="75000"/>
+                  <a:alpha val="80000"/>
+                </a:schemeClr>
+              </a:solidFill>
+            </a:ln>
+          </p:spPr>
+          <p:style>
+            <a:lnRef idx="2">
+              <a:schemeClr val="accent1"/>
+            </a:lnRef>
+            <a:fillRef idx="0">
+              <a:schemeClr val="accent1"/>
+            </a:fillRef>
+            <a:effectRef idx="1">
+              <a:schemeClr val="accent1"/>
+            </a:effectRef>
+            <a:fontRef idx="minor">
+              <a:schemeClr val="tx1"/>
+            </a:fontRef>
+          </p:style>
+        </p:cxnSp>
+      </p:grpSp>
+      <p:sp>
+        <p:nvSpPr>
+          <p:cNvPr id="3" name="Inhaltsplatzhalter 2">
+            <a:extLst>
+              <a:ext uri="{FF2B5EF4-FFF2-40B4-BE49-F238E27FC236}">
+                <a16:creationId xmlns:a16="http://schemas.microsoft.com/office/drawing/2014/main" id="{27E6EE71-C1BA-4DA4-A68D-D6DAF4CC9C25}"/>
+              </a:ext>
+            </a:extLst>
+          </p:cNvPr>
+          <p:cNvSpPr>
+            <a:spLocks noGrp="1"/>
+          </p:cNvSpPr>
+          <p:nvPr>
+            <p:ph idx="1"/>
+          </p:nvPr>
+        </p:nvSpPr>
+        <p:spPr>
+          <a:xfrm>
+            <a:off x="684212" y="2068511"/>
+            <a:ext cx="8534400" cy="3615267"/>
+          </a:xfrm>
+        </p:spPr>
+        <p:txBody>
+          <a:bodyPr>
+            <a:normAutofit/>
+          </a:bodyPr>
+          <a:lstStyle/>
+          <a:p>
+            <a:pPr>
+              <a:buFont typeface="Wingdings" panose="05000000000000000000" pitchFamily="2" charset="2"/>
+              <a:buChar char="v"/>
+            </a:pPr>
+            <a:r>
+              <a:rPr lang="en-US" sz="2800" dirty="0">
+                <a:solidFill>
+                  <a:schemeClr val="tx1"/>
+                </a:solidFill>
+              </a:rPr>
+              <a:t>VISUS </a:t>
+            </a:r>
+            <a:r>
+              <a:rPr lang="en-US" sz="2800" dirty="0" err="1">
+                <a:solidFill>
+                  <a:schemeClr val="tx1"/>
+                </a:solidFill>
+              </a:rPr>
+              <a:t>entwickelt</a:t>
+            </a:r>
+            <a:r>
+              <a:rPr lang="en-US" sz="2800" dirty="0">
+                <a:solidFill>
+                  <a:schemeClr val="tx1"/>
+                </a:solidFill>
+              </a:rPr>
+              <a:t> </a:t>
+            </a:r>
+            <a:r>
+              <a:rPr lang="en-US" sz="2800" dirty="0" err="1">
+                <a:solidFill>
+                  <a:schemeClr val="tx1"/>
+                </a:solidFill>
+              </a:rPr>
+              <a:t>jivex</a:t>
+            </a:r>
+            <a:r>
+              <a:rPr lang="en-US" sz="2800" dirty="0">
+                <a:solidFill>
+                  <a:schemeClr val="tx1"/>
+                </a:solidFill>
+              </a:rPr>
+              <a:t>-connect-bridge</a:t>
+            </a:r>
+          </a:p>
+          <a:p>
+            <a:pPr>
+              <a:buFont typeface="Wingdings" panose="05000000000000000000" pitchFamily="2" charset="2"/>
+              <a:buChar char="v"/>
+            </a:pPr>
+            <a:r>
+              <a:rPr lang="en-US" sz="2800" dirty="0">
+                <a:solidFill>
+                  <a:schemeClr val="tx1"/>
+                </a:solidFill>
+              </a:rPr>
+              <a:t>Tool </a:t>
+            </a:r>
+            <a:r>
+              <a:rPr lang="en-US" sz="2800" dirty="0" err="1">
+                <a:solidFill>
+                  <a:schemeClr val="tx1"/>
+                </a:solidFill>
+              </a:rPr>
+              <a:t>zum</a:t>
+            </a:r>
+            <a:r>
+              <a:rPr lang="en-US" sz="2800" dirty="0">
+                <a:solidFill>
+                  <a:schemeClr val="tx1"/>
+                </a:solidFill>
+              </a:rPr>
+              <a:t> </a:t>
+            </a:r>
+            <a:r>
+              <a:rPr lang="en-US" sz="2800" dirty="0" err="1">
+                <a:solidFill>
+                  <a:schemeClr val="tx1"/>
+                </a:solidFill>
+              </a:rPr>
+              <a:t>Testen</a:t>
+            </a:r>
+            <a:r>
+              <a:rPr lang="en-US" sz="2800" dirty="0">
+                <a:solidFill>
+                  <a:schemeClr val="tx1"/>
+                </a:solidFill>
+              </a:rPr>
+              <a:t> der </a:t>
+            </a:r>
+            <a:r>
+              <a:rPr lang="en-US" sz="2800" dirty="0" err="1">
+                <a:solidFill>
+                  <a:schemeClr val="tx1"/>
+                </a:solidFill>
+              </a:rPr>
+              <a:t>Betriesbereitschaft</a:t>
+            </a:r>
+            <a:r>
+              <a:rPr lang="en-US" sz="2800" dirty="0">
+                <a:solidFill>
+                  <a:schemeClr val="tx1"/>
+                </a:solidFill>
+              </a:rPr>
+              <a:t> </a:t>
+            </a:r>
+            <a:r>
+              <a:rPr lang="en-US" sz="2800" dirty="0" err="1">
+                <a:solidFill>
+                  <a:schemeClr val="tx1"/>
+                </a:solidFill>
+              </a:rPr>
+              <a:t>gewünscht</a:t>
+            </a:r>
+            <a:endParaRPr lang="en-US" sz="2800" dirty="0">
+              <a:solidFill>
+                <a:schemeClr val="tx1"/>
+              </a:solidFill>
+            </a:endParaRPr>
+          </a:p>
+          <a:p>
+            <a:pPr>
+              <a:buFont typeface="Wingdings" panose="05000000000000000000" pitchFamily="2" charset="2"/>
+              <a:buChar char="v"/>
+            </a:pPr>
+            <a:r>
+              <a:rPr lang="en-US" sz="2800" dirty="0">
+                <a:solidFill>
+                  <a:schemeClr val="tx1"/>
+                </a:solidFill>
+              </a:rPr>
+              <a:t>Tool </a:t>
+            </a:r>
+            <a:r>
+              <a:rPr lang="en-US" sz="2800" dirty="0" err="1">
+                <a:solidFill>
+                  <a:schemeClr val="tx1"/>
+                </a:solidFill>
+              </a:rPr>
+              <a:t>soll</a:t>
+            </a:r>
+            <a:r>
+              <a:rPr lang="en-US" sz="2800" dirty="0">
+                <a:solidFill>
+                  <a:schemeClr val="tx1"/>
+                </a:solidFill>
+              </a:rPr>
+              <a:t> </a:t>
+            </a:r>
+            <a:r>
+              <a:rPr lang="en-US" sz="2800" dirty="0" err="1">
+                <a:solidFill>
+                  <a:schemeClr val="tx1"/>
+                </a:solidFill>
+              </a:rPr>
+              <a:t>im</a:t>
+            </a:r>
+            <a:r>
+              <a:rPr lang="en-US" sz="2800" dirty="0">
+                <a:solidFill>
+                  <a:schemeClr val="tx1"/>
+                </a:solidFill>
+              </a:rPr>
+              <a:t> </a:t>
+            </a:r>
+            <a:r>
+              <a:rPr lang="en-US" sz="2800" dirty="0" err="1">
+                <a:solidFill>
+                  <a:schemeClr val="tx1"/>
+                </a:solidFill>
+              </a:rPr>
+              <a:t>Produktionsbetrieb</a:t>
+            </a:r>
+            <a:r>
+              <a:rPr lang="en-US" sz="2800" dirty="0">
+                <a:solidFill>
+                  <a:schemeClr val="tx1"/>
+                </a:solidFill>
+              </a:rPr>
+              <a:t> </a:t>
+            </a:r>
+            <a:r>
+              <a:rPr lang="en-US" sz="2800" dirty="0" err="1">
+                <a:solidFill>
+                  <a:schemeClr val="tx1"/>
+                </a:solidFill>
+              </a:rPr>
+              <a:t>genutzt</a:t>
+            </a:r>
+            <a:r>
+              <a:rPr lang="en-US" sz="2800" dirty="0">
+                <a:solidFill>
+                  <a:schemeClr val="tx1"/>
+                </a:solidFill>
+              </a:rPr>
+              <a:t> </a:t>
+            </a:r>
+            <a:r>
+              <a:rPr lang="en-US" sz="2800" dirty="0" err="1">
+                <a:solidFill>
+                  <a:schemeClr val="tx1"/>
+                </a:solidFill>
+              </a:rPr>
+              <a:t>werden</a:t>
+            </a:r>
+            <a:endParaRPr lang="en-US" sz="2800" dirty="0">
+              <a:solidFill>
+                <a:schemeClr val="tx1"/>
+              </a:solidFill>
+            </a:endParaRPr>
+          </a:p>
+          <a:p>
+            <a:pPr>
+              <a:buFont typeface="Wingdings" panose="05000000000000000000" pitchFamily="2" charset="2"/>
+              <a:buChar char="v"/>
+            </a:pPr>
+            <a:r>
+              <a:rPr lang="en-US" sz="2800" dirty="0" err="1">
+                <a:solidFill>
+                  <a:schemeClr val="tx1"/>
+                </a:solidFill>
+              </a:rPr>
+              <a:t>Ermittlung</a:t>
+            </a:r>
+            <a:r>
+              <a:rPr lang="en-US" sz="2800" dirty="0">
+                <a:solidFill>
+                  <a:schemeClr val="tx1"/>
+                </a:solidFill>
+              </a:rPr>
+              <a:t> und </a:t>
+            </a:r>
+            <a:r>
+              <a:rPr lang="en-US" sz="2800" dirty="0" err="1">
+                <a:solidFill>
+                  <a:schemeClr val="tx1"/>
+                </a:solidFill>
+              </a:rPr>
+              <a:t>Sicherstellung</a:t>
+            </a:r>
+            <a:r>
+              <a:rPr lang="en-US" sz="2800" dirty="0">
+                <a:solidFill>
+                  <a:schemeClr val="tx1"/>
+                </a:solidFill>
+              </a:rPr>
+              <a:t> der </a:t>
+            </a:r>
+            <a:r>
+              <a:rPr lang="en-US" sz="2800" dirty="0" err="1">
+                <a:solidFill>
+                  <a:schemeClr val="tx1"/>
+                </a:solidFill>
+              </a:rPr>
+              <a:t>Anforderungen</a:t>
+            </a:r>
+            <a:r>
+              <a:rPr lang="en-US" sz="2800" dirty="0">
+                <a:solidFill>
+                  <a:schemeClr val="tx1"/>
+                </a:solidFill>
+              </a:rPr>
+              <a:t> an </a:t>
+            </a:r>
+            <a:r>
+              <a:rPr lang="en-US" sz="2800" dirty="0" err="1">
+                <a:solidFill>
+                  <a:schemeClr val="tx1"/>
+                </a:solidFill>
+              </a:rPr>
+              <a:t>Funktionalität</a:t>
+            </a:r>
+            <a:r>
+              <a:rPr lang="en-US" sz="2800" dirty="0">
+                <a:solidFill>
+                  <a:schemeClr val="tx1"/>
+                </a:solidFill>
+              </a:rPr>
+              <a:t> und </a:t>
+            </a:r>
+            <a:r>
+              <a:rPr lang="en-US" sz="2800" dirty="0" err="1">
+                <a:solidFill>
+                  <a:schemeClr val="tx1"/>
+                </a:solidFill>
+              </a:rPr>
+              <a:t>Qualität</a:t>
+            </a:r>
+            <a:endParaRPr lang="en-US" sz="2800" dirty="0">
+              <a:solidFill>
+                <a:schemeClr val="tx1"/>
+              </a:solidFill>
+            </a:endParaRPr>
+          </a:p>
+        </p:txBody>
+      </p:sp>
+      <p:sp>
+        <p:nvSpPr>
+          <p:cNvPr id="5" name="Foliennummernplatzhalter 4">
+            <a:extLst>
+              <a:ext uri="{FF2B5EF4-FFF2-40B4-BE49-F238E27FC236}">
+                <a16:creationId xmlns:a16="http://schemas.microsoft.com/office/drawing/2014/main" id="{4DE8214D-1DB2-4D79-B436-DB5A16F8A910}"/>
+              </a:ext>
+            </a:extLst>
+          </p:cNvPr>
+          <p:cNvSpPr>
+            <a:spLocks noGrp="1"/>
+          </p:cNvSpPr>
+          <p:nvPr>
+            <p:ph type="sldNum" sz="quarter" idx="12"/>
+          </p:nvPr>
+        </p:nvSpPr>
+        <p:spPr/>
+        <p:txBody>
+          <a:bodyPr/>
+          <a:lstStyle/>
+          <a:p>
+            <a:fld id="{5C4AFE82-D2AF-4BDB-96A8-AD00DBF8219E}" type="slidenum">
+              <a:rPr lang="de-DE" smtClean="0">
+                <a:solidFill>
+                  <a:schemeClr val="tx1"/>
+                </a:solidFill>
+              </a:rPr>
+              <a:t>3</a:t>
+            </a:fld>
+            <a:endParaRPr lang="de-DE" dirty="0">
+              <a:solidFill>
+                <a:schemeClr val="tx1"/>
+              </a:solidFill>
+            </a:endParaRPr>
+          </a:p>
+        </p:txBody>
+      </p:sp>
+    </p:spTree>
+    <p:extLst>
+      <p:ext uri="{BB962C8B-B14F-4D97-AF65-F5344CB8AC3E}">
+        <p14:creationId xmlns:p14="http://schemas.microsoft.com/office/powerpoint/2010/main" val="1152635548"/>
+      </p:ext>
+    </p:extLst>
+  </p:cSld>
+  <p:clrMapOvr>
+    <a:masterClrMapping/>
+  </p:clrMapOvr>
+</p:sld>
+</file>
+
+<file path=ppt/slides/slide4.xml><?xml version="1.0" encoding="utf-8"?>
+<p:sld xmlns:a="http://schemas.openxmlformats.org/drawingml/2006/main" xmlns:r="http://schemas.openxmlformats.org/officeDocument/2006/relationships" xmlns:p="http://schemas.openxmlformats.org/presentationml/2006/main">
+  <p:cSld>
+    <p:spTree>
+      <p:nvGrpSpPr>
+        <p:cNvPr id="1" name=""/>
+        <p:cNvGrpSpPr/>
+        <p:nvPr/>
+      </p:nvGrpSpPr>
+      <p:grpSpPr>
+        <a:xfrm>
+          <a:off x="0" y="0"/>
+          <a:ext cx="0" cy="0"/>
+          <a:chOff x="0" y="0"/>
+          <a:chExt cx="0" cy="0"/>
+        </a:xfrm>
+      </p:grpSpPr>
+      <p:sp useBgFill="1">
+        <p:nvSpPr>
+          <p:cNvPr id="8" name="Rectangle 7">
+            <a:extLst>
+              <a:ext uri="{FF2B5EF4-FFF2-40B4-BE49-F238E27FC236}">
+                <a16:creationId xmlns:a16="http://schemas.microsoft.com/office/drawing/2014/main" id="{CADF2543-1B6F-4FBC-A7AF-53A0430E05AB}"/>
+              </a:ext>
+              <a:ext uri="{C183D7F6-B498-43B3-948B-1728B52AA6E4}">
+                <adec:decorative xmlns:adec="http://schemas.microsoft.com/office/drawing/2017/decorative" val="1"/>
+              </a:ext>
+            </a:extLst>
+          </p:cNvPr>
+          <p:cNvSpPr>
+            <a:spLocks noGrp="1" noRot="1" noChangeAspect="1" noMove="1" noResize="1" noEditPoints="1" noAdjustHandles="1" noChangeArrowheads="1" noChangeShapeType="1" noTextEdit="1"/>
+          </p:cNvSpPr>
+          <p:nvPr>
+            <p:extLst>
+              <p:ext uri="{386F3935-93C4-4BCD-93E2-E3B085C9AB24}">
+                <p16:designElem xmlns:p16="http://schemas.microsoft.com/office/powerpoint/2015/main" val="1"/>
+              </p:ext>
+            </p:extLst>
+          </p:nvPr>
+        </p:nvSpPr>
+        <p:spPr>
+          <a:xfrm>
+            <a:off x="0" y="0"/>
+            <a:ext cx="12192000" cy="6858000"/>
+          </a:xfrm>
+          <a:prstGeom prst="rect">
+            <a:avLst/>
+          </a:prstGeom>
+          <a:ln>
+            <a:noFill/>
+          </a:ln>
+        </p:spPr>
+        <p:style>
+          <a:lnRef idx="2">
+            <a:schemeClr val="accent1">
+              <a:shade val="50000"/>
+            </a:schemeClr>
+          </a:lnRef>
+          <a:fillRef idx="1">
+            <a:schemeClr val="accent1"/>
+          </a:fillRef>
+          <a:effectRef idx="0">
+            <a:schemeClr val="accent1"/>
+          </a:effectRef>
+          <a:fontRef idx="minor">
+            <a:schemeClr val="lt1"/>
+          </a:fontRef>
+        </p:style>
+        <p:txBody>
+          <a:bodyPr rtlCol="0" anchor="ctr"/>
+          <a:lstStyle/>
+          <a:p>
+            <a:pPr algn="ctr"/>
+            <a:endParaRPr lang="en-US"/>
+          </a:p>
+        </p:txBody>
+      </p:sp>
+      <p:sp>
+        <p:nvSpPr>
+          <p:cNvPr id="2" name="Titel 1">
+            <a:extLst>
+              <a:ext uri="{FF2B5EF4-FFF2-40B4-BE49-F238E27FC236}">
+                <a16:creationId xmlns:a16="http://schemas.microsoft.com/office/drawing/2014/main" id="{6330688F-EEAD-4DD0-94C7-BE719016C864}"/>
+              </a:ext>
+            </a:extLst>
+          </p:cNvPr>
+          <p:cNvSpPr>
+            <a:spLocks noGrp="1"/>
+          </p:cNvSpPr>
+          <p:nvPr>
+            <p:ph type="title"/>
+          </p:nvPr>
+        </p:nvSpPr>
+        <p:spPr>
+          <a:xfrm>
+            <a:off x="684212" y="485244"/>
+            <a:ext cx="8534400" cy="1507067"/>
+          </a:xfrm>
+        </p:spPr>
+        <p:txBody>
+          <a:bodyPr>
+            <a:normAutofit/>
+          </a:bodyPr>
+          <a:lstStyle/>
+          <a:p>
+            <a:r>
+              <a:rPr lang="de-DE" dirty="0" err="1"/>
+              <a:t>Jivex</a:t>
+            </a:r>
+            <a:r>
+              <a:rPr lang="de-DE" dirty="0"/>
+              <a:t>-connect-bridge</a:t>
+            </a:r>
+          </a:p>
+        </p:txBody>
+      </p:sp>
+      <p:grpSp>
+        <p:nvGrpSpPr>
+          <p:cNvPr id="10" name="Group 9">
+            <a:extLst>
+              <a:ext uri="{FF2B5EF4-FFF2-40B4-BE49-F238E27FC236}">
+                <a16:creationId xmlns:a16="http://schemas.microsoft.com/office/drawing/2014/main" id="{A80A6E81-6B71-43DF-877B-E964A9A4CB68}"/>
+              </a:ext>
+              <a:ext uri="{C183D7F6-B498-43B3-948B-1728B52AA6E4}">
+                <adec:decorative xmlns:adec="http://schemas.microsoft.com/office/drawing/2017/decorative" val="1"/>
+              </a:ext>
+            </a:extLst>
+          </p:cNvPr>
+          <p:cNvGrpSpPr>
+            <a:grpSpLocks noGrp="1" noUngrp="1" noRot="1" noChangeAspect="1" noMove="1" noResize="1"/>
+          </p:cNvGrpSpPr>
+          <p:nvPr>
+            <p:extLst>
+              <p:ext uri="{386F3935-93C4-4BCD-93E2-E3B085C9AB24}">
+                <p16:designElem xmlns:p16="http://schemas.microsoft.com/office/powerpoint/2015/main" val="1"/>
+              </p:ext>
+            </p:extLst>
+          </p:nvPr>
+        </p:nvGrpSpPr>
+        <p:grpSpPr>
+          <a:xfrm>
+            <a:off x="9206969" y="2963333"/>
+            <a:ext cx="2981858" cy="3208867"/>
+            <a:chOff x="9206969" y="2963333"/>
+            <a:chExt cx="2981858" cy="3208867"/>
+          </a:xfrm>
+        </p:grpSpPr>
+        <p:cxnSp>
+          <p:nvCxnSpPr>
+            <p:cNvPr id="11" name="Straight Connector 10">
+              <a:extLst>
+                <a:ext uri="{FF2B5EF4-FFF2-40B4-BE49-F238E27FC236}">
+                  <a16:creationId xmlns:a16="http://schemas.microsoft.com/office/drawing/2014/main" id="{4E35C3AD-357F-4004-A3F3-2D4EAF34A63D}"/>
+                </a:ext>
+                <a:ext uri="{C183D7F6-B498-43B3-948B-1728B52AA6E4}">
+                  <adec:decorative xmlns:adec="http://schemas.microsoft.com/office/drawing/2017/decorative" val="1"/>
+                </a:ext>
+              </a:extLst>
+            </p:cNvPr>
+            <p:cNvCxnSpPr/>
+            <p:nvPr>
+              <p:extLst>
+                <p:ext uri="{386F3935-93C4-4BCD-93E2-E3B085C9AB24}">
+                  <p16:designElem xmlns:p16="http://schemas.microsoft.com/office/powerpoint/2015/main" val="1"/>
+                </p:ext>
+              </p:extLst>
+            </p:nvPr>
+          </p:nvCxnSpPr>
+          <p:spPr>
+            <a:xfrm flipH="1">
+              <a:off x="11276012" y="2963333"/>
+              <a:ext cx="912814" cy="912812"/>
+            </a:xfrm>
+            <a:prstGeom prst="line">
+              <a:avLst/>
+            </a:prstGeom>
+            <a:ln w="9525">
+              <a:solidFill>
+                <a:schemeClr val="tx2">
+                  <a:lumMod val="75000"/>
+                  <a:alpha val="80000"/>
+                </a:schemeClr>
+              </a:solidFill>
+            </a:ln>
+          </p:spPr>
+          <p:style>
+            <a:lnRef idx="2">
+              <a:schemeClr val="accent1"/>
+            </a:lnRef>
+            <a:fillRef idx="0">
+              <a:schemeClr val="accent1"/>
+            </a:fillRef>
+            <a:effectRef idx="1">
+              <a:schemeClr val="accent1"/>
+            </a:effectRef>
+            <a:fontRef idx="minor">
+              <a:schemeClr val="tx1"/>
+            </a:fontRef>
+          </p:style>
+        </p:cxnSp>
+        <p:cxnSp>
+          <p:nvCxnSpPr>
+            <p:cNvPr id="12" name="Straight Connector 11">
+              <a:extLst>
+                <a:ext uri="{FF2B5EF4-FFF2-40B4-BE49-F238E27FC236}">
+                  <a16:creationId xmlns:a16="http://schemas.microsoft.com/office/drawing/2014/main" id="{337B6032-0A70-4F26-A9A3-B4D60DF11818}"/>
+                </a:ext>
+                <a:ext uri="{C183D7F6-B498-43B3-948B-1728B52AA6E4}">
+                  <adec:decorative xmlns:adec="http://schemas.microsoft.com/office/drawing/2017/decorative" val="1"/>
+                </a:ext>
+              </a:extLst>
+            </p:cNvPr>
+            <p:cNvCxnSpPr/>
+            <p:nvPr>
+              <p:extLst>
+                <p:ext uri="{386F3935-93C4-4BCD-93E2-E3B085C9AB24}">
+                  <p16:designElem xmlns:p16="http://schemas.microsoft.com/office/powerpoint/2015/main" val="1"/>
+                </p:ext>
+              </p:extLst>
+            </p:nvPr>
+          </p:nvCxnSpPr>
+          <p:spPr>
+            <a:xfrm flipH="1">
+              <a:off x="9206969" y="3190344"/>
+              <a:ext cx="2981857" cy="2981856"/>
+            </a:xfrm>
+            <a:prstGeom prst="line">
+              <a:avLst/>
+            </a:prstGeom>
+            <a:ln w="9525">
+              <a:solidFill>
+                <a:schemeClr val="tx2">
+                  <a:lumMod val="75000"/>
+                  <a:alpha val="80000"/>
+                </a:schemeClr>
+              </a:solidFill>
+            </a:ln>
+          </p:spPr>
+          <p:style>
+            <a:lnRef idx="2">
+              <a:schemeClr val="accent1"/>
+            </a:lnRef>
+            <a:fillRef idx="0">
+              <a:schemeClr val="accent1"/>
+            </a:fillRef>
+            <a:effectRef idx="1">
+              <a:schemeClr val="accent1"/>
+            </a:effectRef>
+            <a:fontRef idx="minor">
+              <a:schemeClr val="tx1"/>
+            </a:fontRef>
+          </p:style>
+        </p:cxnSp>
+        <p:cxnSp>
+          <p:nvCxnSpPr>
+            <p:cNvPr id="13" name="Straight Connector 12">
+              <a:extLst>
+                <a:ext uri="{FF2B5EF4-FFF2-40B4-BE49-F238E27FC236}">
+                  <a16:creationId xmlns:a16="http://schemas.microsoft.com/office/drawing/2014/main" id="{DE192CE3-3DD1-448F-93BE-42983DA0D5A9}"/>
+                </a:ext>
+                <a:ext uri="{C183D7F6-B498-43B3-948B-1728B52AA6E4}">
+                  <adec:decorative xmlns:adec="http://schemas.microsoft.com/office/drawing/2017/decorative" val="1"/>
+                </a:ext>
+              </a:extLst>
+            </p:cNvPr>
+            <p:cNvCxnSpPr/>
+            <p:nvPr>
+              <p:extLst>
+                <p:ext uri="{386F3935-93C4-4BCD-93E2-E3B085C9AB24}">
+                  <p16:designElem xmlns:p16="http://schemas.microsoft.com/office/powerpoint/2015/main" val="1"/>
+                </p:ext>
+              </p:extLst>
+            </p:nvPr>
+          </p:nvCxnSpPr>
+          <p:spPr>
+            <a:xfrm flipH="1">
+              <a:off x="10292292" y="3285067"/>
+              <a:ext cx="1896534" cy="1896533"/>
+            </a:xfrm>
+            <a:prstGeom prst="line">
+              <a:avLst/>
+            </a:prstGeom>
+            <a:ln w="9525">
+              <a:solidFill>
+                <a:schemeClr val="tx2">
+                  <a:lumMod val="75000"/>
+                  <a:alpha val="80000"/>
+                </a:schemeClr>
+              </a:solidFill>
+            </a:ln>
+          </p:spPr>
+          <p:style>
+            <a:lnRef idx="2">
+              <a:schemeClr val="accent1"/>
+            </a:lnRef>
+            <a:fillRef idx="0">
+              <a:schemeClr val="accent1"/>
+            </a:fillRef>
+            <a:effectRef idx="1">
+              <a:schemeClr val="accent1"/>
+            </a:effectRef>
+            <a:fontRef idx="minor">
+              <a:schemeClr val="tx1"/>
+            </a:fontRef>
+          </p:style>
+        </p:cxnSp>
+        <p:cxnSp>
+          <p:nvCxnSpPr>
+            <p:cNvPr id="14" name="Straight Connector 13">
+              <a:extLst>
+                <a:ext uri="{FF2B5EF4-FFF2-40B4-BE49-F238E27FC236}">
+                  <a16:creationId xmlns:a16="http://schemas.microsoft.com/office/drawing/2014/main" id="{E6D3DA09-5C72-4562-BEDE-1937DF87E81D}"/>
+                </a:ext>
+                <a:ext uri="{C183D7F6-B498-43B3-948B-1728B52AA6E4}">
+                  <adec:decorative xmlns:adec="http://schemas.microsoft.com/office/drawing/2017/decorative" val="1"/>
+                </a:ext>
+              </a:extLst>
+            </p:cNvPr>
+            <p:cNvCxnSpPr/>
+            <p:nvPr>
+              <p:extLst>
+                <p:ext uri="{386F3935-93C4-4BCD-93E2-E3B085C9AB24}">
+                  <p16:designElem xmlns:p16="http://schemas.microsoft.com/office/powerpoint/2015/main" val="1"/>
+                </p:ext>
+              </p:extLst>
+            </p:nvPr>
+          </p:nvCxnSpPr>
+          <p:spPr>
+            <a:xfrm flipH="1">
+              <a:off x="10443103" y="3131080"/>
+              <a:ext cx="1745722" cy="1745720"/>
+            </a:xfrm>
+            <a:prstGeom prst="line">
+              <a:avLst/>
+            </a:prstGeom>
+            <a:ln w="28575">
+              <a:solidFill>
+                <a:schemeClr val="tx2">
+                  <a:lumMod val="75000"/>
+                  <a:alpha val="80000"/>
+                </a:schemeClr>
+              </a:solidFill>
+            </a:ln>
+          </p:spPr>
+          <p:style>
+            <a:lnRef idx="2">
+              <a:schemeClr val="accent1"/>
+            </a:lnRef>
+            <a:fillRef idx="0">
+              <a:schemeClr val="accent1"/>
+            </a:fillRef>
+            <a:effectRef idx="1">
+              <a:schemeClr val="accent1"/>
+            </a:effectRef>
+            <a:fontRef idx="minor">
+              <a:schemeClr val="tx1"/>
+            </a:fontRef>
+          </p:style>
+        </p:cxnSp>
+        <p:cxnSp>
+          <p:nvCxnSpPr>
+            <p:cNvPr id="15" name="Straight Connector 14">
+              <a:extLst>
+                <a:ext uri="{FF2B5EF4-FFF2-40B4-BE49-F238E27FC236}">
+                  <a16:creationId xmlns:a16="http://schemas.microsoft.com/office/drawing/2014/main" id="{D6ACA7CA-2A20-49D7-9053-E076463D79A3}"/>
+                </a:ext>
+                <a:ext uri="{C183D7F6-B498-43B3-948B-1728B52AA6E4}">
+                  <adec:decorative xmlns:adec="http://schemas.microsoft.com/office/drawing/2017/decorative" val="1"/>
+                </a:ext>
+              </a:extLst>
+            </p:cNvPr>
+            <p:cNvCxnSpPr/>
+            <p:nvPr>
+              <p:extLst>
+                <p:ext uri="{386F3935-93C4-4BCD-93E2-E3B085C9AB24}">
+                  <p16:designElem xmlns:p16="http://schemas.microsoft.com/office/powerpoint/2015/main" val="1"/>
+                </p:ext>
+              </p:extLst>
+            </p:nvPr>
+          </p:nvCxnSpPr>
+          <p:spPr>
+            <a:xfrm flipH="1">
+              <a:off x="10918826" y="3683001"/>
+              <a:ext cx="1270001" cy="1269999"/>
+            </a:xfrm>
+            <a:prstGeom prst="line">
+              <a:avLst/>
+            </a:prstGeom>
+            <a:ln w="28575">
+              <a:solidFill>
+                <a:schemeClr val="tx2">
+                  <a:lumMod val="75000"/>
+                  <a:alpha val="80000"/>
+                </a:schemeClr>
+              </a:solidFill>
+            </a:ln>
+          </p:spPr>
+          <p:style>
+            <a:lnRef idx="2">
+              <a:schemeClr val="accent1"/>
+            </a:lnRef>
+            <a:fillRef idx="0">
+              <a:schemeClr val="accent1"/>
+            </a:fillRef>
+            <a:effectRef idx="1">
+              <a:schemeClr val="accent1"/>
+            </a:effectRef>
+            <a:fontRef idx="minor">
+              <a:schemeClr val="tx1"/>
+            </a:fontRef>
+          </p:style>
+        </p:cxnSp>
+      </p:grpSp>
+      <p:sp>
+        <p:nvSpPr>
+          <p:cNvPr id="3" name="Inhaltsplatzhalter 2">
+            <a:extLst>
+              <a:ext uri="{FF2B5EF4-FFF2-40B4-BE49-F238E27FC236}">
+                <a16:creationId xmlns:a16="http://schemas.microsoft.com/office/drawing/2014/main" id="{27E6EE71-C1BA-4DA4-A68D-D6DAF4CC9C25}"/>
+              </a:ext>
+            </a:extLst>
+          </p:cNvPr>
+          <p:cNvSpPr>
+            <a:spLocks noGrp="1"/>
+          </p:cNvSpPr>
+          <p:nvPr>
+            <p:ph idx="1"/>
+          </p:nvPr>
+        </p:nvSpPr>
+        <p:spPr>
+          <a:xfrm>
+            <a:off x="684212" y="2068511"/>
+            <a:ext cx="8534400" cy="3615267"/>
+          </a:xfrm>
+        </p:spPr>
+        <p:txBody>
+          <a:bodyPr>
+            <a:normAutofit/>
+          </a:bodyPr>
+          <a:lstStyle/>
+          <a:p>
+            <a:pPr>
+              <a:buFont typeface="Wingdings" panose="05000000000000000000" pitchFamily="2" charset="2"/>
+              <a:buChar char="v"/>
+            </a:pPr>
+            <a:r>
+              <a:rPr lang="en-US" sz="2800" dirty="0">
+                <a:solidFill>
+                  <a:schemeClr val="tx1"/>
+                </a:solidFill>
+              </a:rPr>
+              <a:t>Das </a:t>
+            </a:r>
+            <a:r>
+              <a:rPr lang="en-US" sz="2800" dirty="0" err="1">
+                <a:solidFill>
+                  <a:schemeClr val="tx1"/>
+                </a:solidFill>
+              </a:rPr>
+              <a:t>Transfermodul</a:t>
+            </a:r>
+            <a:endParaRPr lang="en-US" sz="2800" dirty="0">
+              <a:solidFill>
+                <a:schemeClr val="tx1"/>
+              </a:solidFill>
+            </a:endParaRPr>
+          </a:p>
+          <a:p>
+            <a:pPr lvl="1">
+              <a:buFont typeface="Wingdings" panose="05000000000000000000" pitchFamily="2" charset="2"/>
+              <a:buChar char="v"/>
+            </a:pPr>
+            <a:r>
+              <a:rPr lang="en-US" sz="2600" dirty="0" err="1">
+                <a:solidFill>
+                  <a:schemeClr val="tx1"/>
+                </a:solidFill>
+              </a:rPr>
+              <a:t>empfängt</a:t>
+            </a:r>
+            <a:r>
+              <a:rPr lang="en-US" sz="2600" dirty="0">
+                <a:solidFill>
+                  <a:schemeClr val="tx1"/>
+                </a:solidFill>
+              </a:rPr>
+              <a:t> DICOM </a:t>
+            </a:r>
+            <a:r>
+              <a:rPr lang="en-US" sz="2600" dirty="0" err="1">
+                <a:solidFill>
+                  <a:schemeClr val="tx1"/>
+                </a:solidFill>
+              </a:rPr>
+              <a:t>Dateien</a:t>
+            </a:r>
+            <a:endParaRPr lang="en-US" sz="2600" dirty="0">
+              <a:solidFill>
+                <a:schemeClr val="tx1"/>
+              </a:solidFill>
+            </a:endParaRPr>
+          </a:p>
+          <a:p>
+            <a:pPr lvl="1">
+              <a:buFont typeface="Wingdings" panose="05000000000000000000" pitchFamily="2" charset="2"/>
+              <a:buChar char="v"/>
+            </a:pPr>
+            <a:r>
+              <a:rPr lang="en-US" sz="2600" dirty="0" err="1">
+                <a:solidFill>
+                  <a:schemeClr val="tx1"/>
+                </a:solidFill>
+              </a:rPr>
+              <a:t>verarbeitet</a:t>
+            </a:r>
+            <a:r>
+              <a:rPr lang="en-US" sz="2600" dirty="0">
+                <a:solidFill>
+                  <a:schemeClr val="tx1"/>
+                </a:solidFill>
+              </a:rPr>
+              <a:t> </a:t>
+            </a:r>
+            <a:r>
+              <a:rPr lang="en-US" sz="2600" dirty="0" err="1">
+                <a:solidFill>
+                  <a:schemeClr val="tx1"/>
+                </a:solidFill>
+              </a:rPr>
+              <a:t>sie</a:t>
+            </a:r>
+            <a:endParaRPr lang="en-US" sz="2600" dirty="0">
+              <a:solidFill>
+                <a:schemeClr val="tx1"/>
+              </a:solidFill>
+            </a:endParaRPr>
+          </a:p>
+          <a:p>
+            <a:pPr lvl="1">
+              <a:buFont typeface="Wingdings" panose="05000000000000000000" pitchFamily="2" charset="2"/>
+              <a:buChar char="v"/>
+            </a:pPr>
+            <a:r>
+              <a:rPr lang="en-US" sz="2600" dirty="0">
+                <a:solidFill>
+                  <a:schemeClr val="tx1"/>
+                </a:solidFill>
+              </a:rPr>
+              <a:t>und </a:t>
+            </a:r>
+            <a:r>
+              <a:rPr lang="en-US" sz="2600" dirty="0" err="1">
+                <a:solidFill>
+                  <a:schemeClr val="tx1"/>
+                </a:solidFill>
+              </a:rPr>
+              <a:t>leitet</a:t>
+            </a:r>
+            <a:r>
+              <a:rPr lang="en-US" sz="2600" dirty="0">
+                <a:solidFill>
+                  <a:schemeClr val="tx1"/>
+                </a:solidFill>
+              </a:rPr>
+              <a:t> </a:t>
+            </a:r>
+            <a:r>
+              <a:rPr lang="en-US" sz="2600" dirty="0" err="1">
+                <a:solidFill>
+                  <a:schemeClr val="tx1"/>
+                </a:solidFill>
+              </a:rPr>
+              <a:t>sie</a:t>
+            </a:r>
+            <a:r>
+              <a:rPr lang="en-US" sz="2600" dirty="0">
+                <a:solidFill>
+                  <a:schemeClr val="tx1"/>
+                </a:solidFill>
+              </a:rPr>
+              <a:t> </a:t>
+            </a:r>
+            <a:r>
+              <a:rPr lang="en-US" sz="2600" dirty="0" err="1">
+                <a:solidFill>
+                  <a:schemeClr val="tx1"/>
+                </a:solidFill>
+              </a:rPr>
+              <a:t>weiter</a:t>
+            </a:r>
+            <a:endParaRPr lang="en-US" sz="2600" dirty="0">
+              <a:solidFill>
+                <a:schemeClr val="tx1"/>
+              </a:solidFill>
+            </a:endParaRPr>
+          </a:p>
+          <a:p>
+            <a:pPr>
+              <a:buFont typeface="Wingdings" panose="05000000000000000000" pitchFamily="2" charset="2"/>
+              <a:buChar char="v"/>
+            </a:pPr>
+            <a:r>
+              <a:rPr lang="en-US" sz="2800" dirty="0" err="1">
+                <a:solidFill>
+                  <a:schemeClr val="tx1"/>
+                </a:solidFill>
+              </a:rPr>
+              <a:t>Kommunikation</a:t>
+            </a:r>
+            <a:r>
+              <a:rPr lang="en-US" sz="2800" dirty="0">
+                <a:solidFill>
+                  <a:schemeClr val="tx1"/>
+                </a:solidFill>
+              </a:rPr>
+              <a:t> </a:t>
+            </a:r>
+            <a:r>
+              <a:rPr lang="en-US" sz="2800" dirty="0" err="1">
+                <a:solidFill>
+                  <a:schemeClr val="tx1"/>
+                </a:solidFill>
+              </a:rPr>
+              <a:t>über</a:t>
+            </a:r>
+            <a:r>
+              <a:rPr lang="en-US" sz="2800" dirty="0">
+                <a:solidFill>
+                  <a:schemeClr val="tx1"/>
+                </a:solidFill>
+              </a:rPr>
+              <a:t> REST</a:t>
+            </a:r>
+          </a:p>
+        </p:txBody>
+      </p:sp>
+      <p:sp>
+        <p:nvSpPr>
+          <p:cNvPr id="5" name="Foliennummernplatzhalter 4">
+            <a:extLst>
+              <a:ext uri="{FF2B5EF4-FFF2-40B4-BE49-F238E27FC236}">
+                <a16:creationId xmlns:a16="http://schemas.microsoft.com/office/drawing/2014/main" id="{4DE8214D-1DB2-4D79-B436-DB5A16F8A910}"/>
+              </a:ext>
+            </a:extLst>
+          </p:cNvPr>
+          <p:cNvSpPr>
+            <a:spLocks noGrp="1"/>
+          </p:cNvSpPr>
+          <p:nvPr>
+            <p:ph type="sldNum" sz="quarter" idx="12"/>
+          </p:nvPr>
+        </p:nvSpPr>
+        <p:spPr/>
+        <p:txBody>
+          <a:bodyPr/>
+          <a:lstStyle/>
+          <a:p>
+            <a:fld id="{5C4AFE82-D2AF-4BDB-96A8-AD00DBF8219E}" type="slidenum">
+              <a:rPr lang="de-DE" smtClean="0">
+                <a:solidFill>
+                  <a:schemeClr val="tx1"/>
+                </a:solidFill>
+              </a:rPr>
               <a:t>4</a:t>
             </a:fld>
             <a:endParaRPr lang="de-DE" dirty="0">
@@ -8070,7 +10125,2925 @@
     </p:spTree>
     <p:extLst>
       <p:ext uri="{BB962C8B-B14F-4D97-AF65-F5344CB8AC3E}">
-        <p14:creationId xmlns:p14="http://schemas.microsoft.com/office/powerpoint/2010/main" val="921933581"/>
+        <p14:creationId xmlns:p14="http://schemas.microsoft.com/office/powerpoint/2010/main" val="2412045914"/>
+      </p:ext>
+    </p:extLst>
+  </p:cSld>
+  <p:clrMapOvr>
+    <a:masterClrMapping/>
+  </p:clrMapOvr>
+</p:sld>
+</file>
+
+<file path=ppt/slides/slide5.xml><?xml version="1.0" encoding="utf-8"?>
+<p:sld xmlns:a="http://schemas.openxmlformats.org/drawingml/2006/main" xmlns:r="http://schemas.openxmlformats.org/officeDocument/2006/relationships" xmlns:p="http://schemas.openxmlformats.org/presentationml/2006/main">
+  <p:cSld>
+    <p:spTree>
+      <p:nvGrpSpPr>
+        <p:cNvPr id="1" name=""/>
+        <p:cNvGrpSpPr/>
+        <p:nvPr/>
+      </p:nvGrpSpPr>
+      <p:grpSpPr>
+        <a:xfrm>
+          <a:off x="0" y="0"/>
+          <a:ext cx="0" cy="0"/>
+          <a:chOff x="0" y="0"/>
+          <a:chExt cx="0" cy="0"/>
+        </a:xfrm>
+      </p:grpSpPr>
+      <p:sp useBgFill="1">
+        <p:nvSpPr>
+          <p:cNvPr id="8" name="Rectangle 7">
+            <a:extLst>
+              <a:ext uri="{FF2B5EF4-FFF2-40B4-BE49-F238E27FC236}">
+                <a16:creationId xmlns:a16="http://schemas.microsoft.com/office/drawing/2014/main" id="{CADF2543-1B6F-4FBC-A7AF-53A0430E05AB}"/>
+              </a:ext>
+              <a:ext uri="{C183D7F6-B498-43B3-948B-1728B52AA6E4}">
+                <adec:decorative xmlns:adec="http://schemas.microsoft.com/office/drawing/2017/decorative" val="1"/>
+              </a:ext>
+            </a:extLst>
+          </p:cNvPr>
+          <p:cNvSpPr>
+            <a:spLocks noGrp="1" noRot="1" noChangeAspect="1" noMove="1" noResize="1" noEditPoints="1" noAdjustHandles="1" noChangeArrowheads="1" noChangeShapeType="1" noTextEdit="1"/>
+          </p:cNvSpPr>
+          <p:nvPr>
+            <p:extLst>
+              <p:ext uri="{386F3935-93C4-4BCD-93E2-E3B085C9AB24}">
+                <p16:designElem xmlns:p16="http://schemas.microsoft.com/office/powerpoint/2015/main" val="1"/>
+              </p:ext>
+            </p:extLst>
+          </p:nvPr>
+        </p:nvSpPr>
+        <p:spPr>
+          <a:xfrm>
+            <a:off x="0" y="0"/>
+            <a:ext cx="12192000" cy="6858000"/>
+          </a:xfrm>
+          <a:prstGeom prst="rect">
+            <a:avLst/>
+          </a:prstGeom>
+          <a:ln>
+            <a:noFill/>
+          </a:ln>
+        </p:spPr>
+        <p:style>
+          <a:lnRef idx="2">
+            <a:schemeClr val="accent1">
+              <a:shade val="50000"/>
+            </a:schemeClr>
+          </a:lnRef>
+          <a:fillRef idx="1">
+            <a:schemeClr val="accent1"/>
+          </a:fillRef>
+          <a:effectRef idx="0">
+            <a:schemeClr val="accent1"/>
+          </a:effectRef>
+          <a:fontRef idx="minor">
+            <a:schemeClr val="lt1"/>
+          </a:fontRef>
+        </p:style>
+        <p:txBody>
+          <a:bodyPr rtlCol="0" anchor="ctr"/>
+          <a:lstStyle/>
+          <a:p>
+            <a:pPr algn="ctr"/>
+            <a:endParaRPr lang="en-US"/>
+          </a:p>
+        </p:txBody>
+      </p:sp>
+      <p:sp>
+        <p:nvSpPr>
+          <p:cNvPr id="2" name="Titel 1">
+            <a:extLst>
+              <a:ext uri="{FF2B5EF4-FFF2-40B4-BE49-F238E27FC236}">
+                <a16:creationId xmlns:a16="http://schemas.microsoft.com/office/drawing/2014/main" id="{6330688F-EEAD-4DD0-94C7-BE719016C864}"/>
+              </a:ext>
+            </a:extLst>
+          </p:cNvPr>
+          <p:cNvSpPr>
+            <a:spLocks noGrp="1"/>
+          </p:cNvSpPr>
+          <p:nvPr>
+            <p:ph type="title"/>
+          </p:nvPr>
+        </p:nvSpPr>
+        <p:spPr>
+          <a:xfrm>
+            <a:off x="684212" y="485244"/>
+            <a:ext cx="8534400" cy="1507067"/>
+          </a:xfrm>
+        </p:spPr>
+        <p:txBody>
+          <a:bodyPr>
+            <a:normAutofit/>
+          </a:bodyPr>
+          <a:lstStyle/>
+          <a:p>
+            <a:r>
+              <a:rPr lang="de-DE" dirty="0"/>
+              <a:t>Evaluationsgrundlage</a:t>
+            </a:r>
+          </a:p>
+        </p:txBody>
+      </p:sp>
+      <p:grpSp>
+        <p:nvGrpSpPr>
+          <p:cNvPr id="10" name="Group 9">
+            <a:extLst>
+              <a:ext uri="{FF2B5EF4-FFF2-40B4-BE49-F238E27FC236}">
+                <a16:creationId xmlns:a16="http://schemas.microsoft.com/office/drawing/2014/main" id="{A80A6E81-6B71-43DF-877B-E964A9A4CB68}"/>
+              </a:ext>
+              <a:ext uri="{C183D7F6-B498-43B3-948B-1728B52AA6E4}">
+                <adec:decorative xmlns:adec="http://schemas.microsoft.com/office/drawing/2017/decorative" val="1"/>
+              </a:ext>
+            </a:extLst>
+          </p:cNvPr>
+          <p:cNvGrpSpPr>
+            <a:grpSpLocks noGrp="1" noUngrp="1" noRot="1" noChangeAspect="1" noMove="1" noResize="1"/>
+          </p:cNvGrpSpPr>
+          <p:nvPr>
+            <p:extLst>
+              <p:ext uri="{386F3935-93C4-4BCD-93E2-E3B085C9AB24}">
+                <p16:designElem xmlns:p16="http://schemas.microsoft.com/office/powerpoint/2015/main" val="1"/>
+              </p:ext>
+            </p:extLst>
+          </p:nvPr>
+        </p:nvGrpSpPr>
+        <p:grpSpPr>
+          <a:xfrm>
+            <a:off x="9206969" y="2963333"/>
+            <a:ext cx="2981858" cy="3208867"/>
+            <a:chOff x="9206969" y="2963333"/>
+            <a:chExt cx="2981858" cy="3208867"/>
+          </a:xfrm>
+        </p:grpSpPr>
+        <p:cxnSp>
+          <p:nvCxnSpPr>
+            <p:cNvPr id="11" name="Straight Connector 10">
+              <a:extLst>
+                <a:ext uri="{FF2B5EF4-FFF2-40B4-BE49-F238E27FC236}">
+                  <a16:creationId xmlns:a16="http://schemas.microsoft.com/office/drawing/2014/main" id="{4E35C3AD-357F-4004-A3F3-2D4EAF34A63D}"/>
+                </a:ext>
+                <a:ext uri="{C183D7F6-B498-43B3-948B-1728B52AA6E4}">
+                  <adec:decorative xmlns:adec="http://schemas.microsoft.com/office/drawing/2017/decorative" val="1"/>
+                </a:ext>
+              </a:extLst>
+            </p:cNvPr>
+            <p:cNvCxnSpPr/>
+            <p:nvPr>
+              <p:extLst>
+                <p:ext uri="{386F3935-93C4-4BCD-93E2-E3B085C9AB24}">
+                  <p16:designElem xmlns:p16="http://schemas.microsoft.com/office/powerpoint/2015/main" val="1"/>
+                </p:ext>
+              </p:extLst>
+            </p:nvPr>
+          </p:nvCxnSpPr>
+          <p:spPr>
+            <a:xfrm flipH="1">
+              <a:off x="11276012" y="2963333"/>
+              <a:ext cx="912814" cy="912812"/>
+            </a:xfrm>
+            <a:prstGeom prst="line">
+              <a:avLst/>
+            </a:prstGeom>
+            <a:ln w="9525">
+              <a:solidFill>
+                <a:schemeClr val="tx2">
+                  <a:lumMod val="75000"/>
+                  <a:alpha val="80000"/>
+                </a:schemeClr>
+              </a:solidFill>
+            </a:ln>
+          </p:spPr>
+          <p:style>
+            <a:lnRef idx="2">
+              <a:schemeClr val="accent1"/>
+            </a:lnRef>
+            <a:fillRef idx="0">
+              <a:schemeClr val="accent1"/>
+            </a:fillRef>
+            <a:effectRef idx="1">
+              <a:schemeClr val="accent1"/>
+            </a:effectRef>
+            <a:fontRef idx="minor">
+              <a:schemeClr val="tx1"/>
+            </a:fontRef>
+          </p:style>
+        </p:cxnSp>
+        <p:cxnSp>
+          <p:nvCxnSpPr>
+            <p:cNvPr id="12" name="Straight Connector 11">
+              <a:extLst>
+                <a:ext uri="{FF2B5EF4-FFF2-40B4-BE49-F238E27FC236}">
+                  <a16:creationId xmlns:a16="http://schemas.microsoft.com/office/drawing/2014/main" id="{337B6032-0A70-4F26-A9A3-B4D60DF11818}"/>
+                </a:ext>
+                <a:ext uri="{C183D7F6-B498-43B3-948B-1728B52AA6E4}">
+                  <adec:decorative xmlns:adec="http://schemas.microsoft.com/office/drawing/2017/decorative" val="1"/>
+                </a:ext>
+              </a:extLst>
+            </p:cNvPr>
+            <p:cNvCxnSpPr/>
+            <p:nvPr>
+              <p:extLst>
+                <p:ext uri="{386F3935-93C4-4BCD-93E2-E3B085C9AB24}">
+                  <p16:designElem xmlns:p16="http://schemas.microsoft.com/office/powerpoint/2015/main" val="1"/>
+                </p:ext>
+              </p:extLst>
+            </p:nvPr>
+          </p:nvCxnSpPr>
+          <p:spPr>
+            <a:xfrm flipH="1">
+              <a:off x="9206969" y="3190344"/>
+              <a:ext cx="2981857" cy="2981856"/>
+            </a:xfrm>
+            <a:prstGeom prst="line">
+              <a:avLst/>
+            </a:prstGeom>
+            <a:ln w="9525">
+              <a:solidFill>
+                <a:schemeClr val="tx2">
+                  <a:lumMod val="75000"/>
+                  <a:alpha val="80000"/>
+                </a:schemeClr>
+              </a:solidFill>
+            </a:ln>
+          </p:spPr>
+          <p:style>
+            <a:lnRef idx="2">
+              <a:schemeClr val="accent1"/>
+            </a:lnRef>
+            <a:fillRef idx="0">
+              <a:schemeClr val="accent1"/>
+            </a:fillRef>
+            <a:effectRef idx="1">
+              <a:schemeClr val="accent1"/>
+            </a:effectRef>
+            <a:fontRef idx="minor">
+              <a:schemeClr val="tx1"/>
+            </a:fontRef>
+          </p:style>
+        </p:cxnSp>
+        <p:cxnSp>
+          <p:nvCxnSpPr>
+            <p:cNvPr id="13" name="Straight Connector 12">
+              <a:extLst>
+                <a:ext uri="{FF2B5EF4-FFF2-40B4-BE49-F238E27FC236}">
+                  <a16:creationId xmlns:a16="http://schemas.microsoft.com/office/drawing/2014/main" id="{DE192CE3-3DD1-448F-93BE-42983DA0D5A9}"/>
+                </a:ext>
+                <a:ext uri="{C183D7F6-B498-43B3-948B-1728B52AA6E4}">
+                  <adec:decorative xmlns:adec="http://schemas.microsoft.com/office/drawing/2017/decorative" val="1"/>
+                </a:ext>
+              </a:extLst>
+            </p:cNvPr>
+            <p:cNvCxnSpPr/>
+            <p:nvPr>
+              <p:extLst>
+                <p:ext uri="{386F3935-93C4-4BCD-93E2-E3B085C9AB24}">
+                  <p16:designElem xmlns:p16="http://schemas.microsoft.com/office/powerpoint/2015/main" val="1"/>
+                </p:ext>
+              </p:extLst>
+            </p:nvPr>
+          </p:nvCxnSpPr>
+          <p:spPr>
+            <a:xfrm flipH="1">
+              <a:off x="10292292" y="3285067"/>
+              <a:ext cx="1896534" cy="1896533"/>
+            </a:xfrm>
+            <a:prstGeom prst="line">
+              <a:avLst/>
+            </a:prstGeom>
+            <a:ln w="9525">
+              <a:solidFill>
+                <a:schemeClr val="tx2">
+                  <a:lumMod val="75000"/>
+                  <a:alpha val="80000"/>
+                </a:schemeClr>
+              </a:solidFill>
+            </a:ln>
+          </p:spPr>
+          <p:style>
+            <a:lnRef idx="2">
+              <a:schemeClr val="accent1"/>
+            </a:lnRef>
+            <a:fillRef idx="0">
+              <a:schemeClr val="accent1"/>
+            </a:fillRef>
+            <a:effectRef idx="1">
+              <a:schemeClr val="accent1"/>
+            </a:effectRef>
+            <a:fontRef idx="minor">
+              <a:schemeClr val="tx1"/>
+            </a:fontRef>
+          </p:style>
+        </p:cxnSp>
+        <p:cxnSp>
+          <p:nvCxnSpPr>
+            <p:cNvPr id="14" name="Straight Connector 13">
+              <a:extLst>
+                <a:ext uri="{FF2B5EF4-FFF2-40B4-BE49-F238E27FC236}">
+                  <a16:creationId xmlns:a16="http://schemas.microsoft.com/office/drawing/2014/main" id="{E6D3DA09-5C72-4562-BEDE-1937DF87E81D}"/>
+                </a:ext>
+                <a:ext uri="{C183D7F6-B498-43B3-948B-1728B52AA6E4}">
+                  <adec:decorative xmlns:adec="http://schemas.microsoft.com/office/drawing/2017/decorative" val="1"/>
+                </a:ext>
+              </a:extLst>
+            </p:cNvPr>
+            <p:cNvCxnSpPr/>
+            <p:nvPr>
+              <p:extLst>
+                <p:ext uri="{386F3935-93C4-4BCD-93E2-E3B085C9AB24}">
+                  <p16:designElem xmlns:p16="http://schemas.microsoft.com/office/powerpoint/2015/main" val="1"/>
+                </p:ext>
+              </p:extLst>
+            </p:nvPr>
+          </p:nvCxnSpPr>
+          <p:spPr>
+            <a:xfrm flipH="1">
+              <a:off x="10443103" y="3131080"/>
+              <a:ext cx="1745722" cy="1745720"/>
+            </a:xfrm>
+            <a:prstGeom prst="line">
+              <a:avLst/>
+            </a:prstGeom>
+            <a:ln w="28575">
+              <a:solidFill>
+                <a:schemeClr val="tx2">
+                  <a:lumMod val="75000"/>
+                  <a:alpha val="80000"/>
+                </a:schemeClr>
+              </a:solidFill>
+            </a:ln>
+          </p:spPr>
+          <p:style>
+            <a:lnRef idx="2">
+              <a:schemeClr val="accent1"/>
+            </a:lnRef>
+            <a:fillRef idx="0">
+              <a:schemeClr val="accent1"/>
+            </a:fillRef>
+            <a:effectRef idx="1">
+              <a:schemeClr val="accent1"/>
+            </a:effectRef>
+            <a:fontRef idx="minor">
+              <a:schemeClr val="tx1"/>
+            </a:fontRef>
+          </p:style>
+        </p:cxnSp>
+        <p:cxnSp>
+          <p:nvCxnSpPr>
+            <p:cNvPr id="15" name="Straight Connector 14">
+              <a:extLst>
+                <a:ext uri="{FF2B5EF4-FFF2-40B4-BE49-F238E27FC236}">
+                  <a16:creationId xmlns:a16="http://schemas.microsoft.com/office/drawing/2014/main" id="{D6ACA7CA-2A20-49D7-9053-E076463D79A3}"/>
+                </a:ext>
+                <a:ext uri="{C183D7F6-B498-43B3-948B-1728B52AA6E4}">
+                  <adec:decorative xmlns:adec="http://schemas.microsoft.com/office/drawing/2017/decorative" val="1"/>
+                </a:ext>
+              </a:extLst>
+            </p:cNvPr>
+            <p:cNvCxnSpPr/>
+            <p:nvPr>
+              <p:extLst>
+                <p:ext uri="{386F3935-93C4-4BCD-93E2-E3B085C9AB24}">
+                  <p16:designElem xmlns:p16="http://schemas.microsoft.com/office/powerpoint/2015/main" val="1"/>
+                </p:ext>
+              </p:extLst>
+            </p:nvPr>
+          </p:nvCxnSpPr>
+          <p:spPr>
+            <a:xfrm flipH="1">
+              <a:off x="10918826" y="3683001"/>
+              <a:ext cx="1270001" cy="1269999"/>
+            </a:xfrm>
+            <a:prstGeom prst="line">
+              <a:avLst/>
+            </a:prstGeom>
+            <a:ln w="28575">
+              <a:solidFill>
+                <a:schemeClr val="tx2">
+                  <a:lumMod val="75000"/>
+                  <a:alpha val="80000"/>
+                </a:schemeClr>
+              </a:solidFill>
+            </a:ln>
+          </p:spPr>
+          <p:style>
+            <a:lnRef idx="2">
+              <a:schemeClr val="accent1"/>
+            </a:lnRef>
+            <a:fillRef idx="0">
+              <a:schemeClr val="accent1"/>
+            </a:fillRef>
+            <a:effectRef idx="1">
+              <a:schemeClr val="accent1"/>
+            </a:effectRef>
+            <a:fontRef idx="minor">
+              <a:schemeClr val="tx1"/>
+            </a:fontRef>
+          </p:style>
+        </p:cxnSp>
+      </p:grpSp>
+      <p:sp>
+        <p:nvSpPr>
+          <p:cNvPr id="3" name="Inhaltsplatzhalter 2">
+            <a:extLst>
+              <a:ext uri="{FF2B5EF4-FFF2-40B4-BE49-F238E27FC236}">
+                <a16:creationId xmlns:a16="http://schemas.microsoft.com/office/drawing/2014/main" id="{27E6EE71-C1BA-4DA4-A68D-D6DAF4CC9C25}"/>
+              </a:ext>
+            </a:extLst>
+          </p:cNvPr>
+          <p:cNvSpPr>
+            <a:spLocks noGrp="1"/>
+          </p:cNvSpPr>
+          <p:nvPr>
+            <p:ph idx="1"/>
+          </p:nvPr>
+        </p:nvSpPr>
+        <p:spPr>
+          <a:xfrm>
+            <a:off x="684212" y="2068511"/>
+            <a:ext cx="8534400" cy="3615267"/>
+          </a:xfrm>
+        </p:spPr>
+        <p:txBody>
+          <a:bodyPr>
+            <a:normAutofit/>
+          </a:bodyPr>
+          <a:lstStyle/>
+          <a:p>
+            <a:pPr>
+              <a:buFont typeface="Wingdings" panose="05000000000000000000" pitchFamily="2" charset="2"/>
+              <a:buChar char="v"/>
+            </a:pPr>
+            <a:r>
+              <a:rPr lang="de-DE" sz="2800" dirty="0">
+                <a:solidFill>
+                  <a:schemeClr val="tx1"/>
+                </a:solidFill>
+              </a:rPr>
+              <a:t>ISO Standards 25000 – 25100 (</a:t>
+            </a:r>
+            <a:r>
+              <a:rPr lang="de-DE" sz="2800" dirty="0" err="1">
+                <a:solidFill>
+                  <a:schemeClr val="tx1"/>
+                </a:solidFill>
+              </a:rPr>
+              <a:t>SQuaRE</a:t>
+            </a:r>
+            <a:r>
+              <a:rPr lang="de-DE" sz="2800" dirty="0">
+                <a:solidFill>
+                  <a:schemeClr val="tx1"/>
+                </a:solidFill>
+              </a:rPr>
+              <a:t>)</a:t>
+            </a:r>
+          </a:p>
+          <a:p>
+            <a:pPr>
+              <a:buFont typeface="Wingdings" panose="05000000000000000000" pitchFamily="2" charset="2"/>
+              <a:buChar char="v"/>
+            </a:pPr>
+            <a:r>
+              <a:rPr lang="en-US" sz="2800" dirty="0">
+                <a:solidFill>
+                  <a:schemeClr val="tx1"/>
+                </a:solidFill>
+              </a:rPr>
+              <a:t>Systems and software Quality Requirements and Evaluation</a:t>
+            </a:r>
+          </a:p>
+        </p:txBody>
+      </p:sp>
+      <p:sp>
+        <p:nvSpPr>
+          <p:cNvPr id="5" name="Foliennummernplatzhalter 4">
+            <a:extLst>
+              <a:ext uri="{FF2B5EF4-FFF2-40B4-BE49-F238E27FC236}">
+                <a16:creationId xmlns:a16="http://schemas.microsoft.com/office/drawing/2014/main" id="{4DE8214D-1DB2-4D79-B436-DB5A16F8A910}"/>
+              </a:ext>
+            </a:extLst>
+          </p:cNvPr>
+          <p:cNvSpPr>
+            <a:spLocks noGrp="1"/>
+          </p:cNvSpPr>
+          <p:nvPr>
+            <p:ph type="sldNum" sz="quarter" idx="12"/>
+          </p:nvPr>
+        </p:nvSpPr>
+        <p:spPr/>
+        <p:txBody>
+          <a:bodyPr/>
+          <a:lstStyle/>
+          <a:p>
+            <a:fld id="{5C4AFE82-D2AF-4BDB-96A8-AD00DBF8219E}" type="slidenum">
+              <a:rPr lang="de-DE" smtClean="0">
+                <a:solidFill>
+                  <a:schemeClr val="tx1"/>
+                </a:solidFill>
+              </a:rPr>
+              <a:t>5</a:t>
+            </a:fld>
+            <a:endParaRPr lang="de-DE" dirty="0">
+              <a:solidFill>
+                <a:schemeClr val="tx1"/>
+              </a:solidFill>
+            </a:endParaRPr>
+          </a:p>
+        </p:txBody>
+      </p:sp>
+    </p:spTree>
+    <p:extLst>
+      <p:ext uri="{BB962C8B-B14F-4D97-AF65-F5344CB8AC3E}">
+        <p14:creationId xmlns:p14="http://schemas.microsoft.com/office/powerpoint/2010/main" val="368044130"/>
+      </p:ext>
+    </p:extLst>
+  </p:cSld>
+  <p:clrMapOvr>
+    <a:masterClrMapping/>
+  </p:clrMapOvr>
+</p:sld>
+</file>
+
+<file path=ppt/slides/slide6.xml><?xml version="1.0" encoding="utf-8"?>
+<p:sld xmlns:a="http://schemas.openxmlformats.org/drawingml/2006/main" xmlns:r="http://schemas.openxmlformats.org/officeDocument/2006/relationships" xmlns:p="http://schemas.openxmlformats.org/presentationml/2006/main">
+  <p:cSld>
+    <p:spTree>
+      <p:nvGrpSpPr>
+        <p:cNvPr id="1" name=""/>
+        <p:cNvGrpSpPr/>
+        <p:nvPr/>
+      </p:nvGrpSpPr>
+      <p:grpSpPr>
+        <a:xfrm>
+          <a:off x="0" y="0"/>
+          <a:ext cx="0" cy="0"/>
+          <a:chOff x="0" y="0"/>
+          <a:chExt cx="0" cy="0"/>
+        </a:xfrm>
+      </p:grpSpPr>
+      <p:sp useBgFill="1">
+        <p:nvSpPr>
+          <p:cNvPr id="8" name="Rectangle 7">
+            <a:extLst>
+              <a:ext uri="{FF2B5EF4-FFF2-40B4-BE49-F238E27FC236}">
+                <a16:creationId xmlns:a16="http://schemas.microsoft.com/office/drawing/2014/main" id="{CADF2543-1B6F-4FBC-A7AF-53A0430E05AB}"/>
+              </a:ext>
+              <a:ext uri="{C183D7F6-B498-43B3-948B-1728B52AA6E4}">
+                <adec:decorative xmlns:adec="http://schemas.microsoft.com/office/drawing/2017/decorative" val="1"/>
+              </a:ext>
+            </a:extLst>
+          </p:cNvPr>
+          <p:cNvSpPr>
+            <a:spLocks noGrp="1" noRot="1" noChangeAspect="1" noMove="1" noResize="1" noEditPoints="1" noAdjustHandles="1" noChangeArrowheads="1" noChangeShapeType="1" noTextEdit="1"/>
+          </p:cNvSpPr>
+          <p:nvPr>
+            <p:extLst>
+              <p:ext uri="{386F3935-93C4-4BCD-93E2-E3B085C9AB24}">
+                <p16:designElem xmlns:p16="http://schemas.microsoft.com/office/powerpoint/2015/main" val="1"/>
+              </p:ext>
+            </p:extLst>
+          </p:nvPr>
+        </p:nvSpPr>
+        <p:spPr>
+          <a:xfrm>
+            <a:off x="0" y="0"/>
+            <a:ext cx="12192000" cy="6858000"/>
+          </a:xfrm>
+          <a:prstGeom prst="rect">
+            <a:avLst/>
+          </a:prstGeom>
+          <a:ln>
+            <a:noFill/>
+          </a:ln>
+        </p:spPr>
+        <p:style>
+          <a:lnRef idx="2">
+            <a:schemeClr val="accent1">
+              <a:shade val="50000"/>
+            </a:schemeClr>
+          </a:lnRef>
+          <a:fillRef idx="1">
+            <a:schemeClr val="accent1"/>
+          </a:fillRef>
+          <a:effectRef idx="0">
+            <a:schemeClr val="accent1"/>
+          </a:effectRef>
+          <a:fontRef idx="minor">
+            <a:schemeClr val="lt1"/>
+          </a:fontRef>
+        </p:style>
+        <p:txBody>
+          <a:bodyPr rtlCol="0" anchor="ctr"/>
+          <a:lstStyle/>
+          <a:p>
+            <a:pPr algn="ctr"/>
+            <a:endParaRPr lang="en-US"/>
+          </a:p>
+        </p:txBody>
+      </p:sp>
+      <p:sp>
+        <p:nvSpPr>
+          <p:cNvPr id="2" name="Titel 1">
+            <a:extLst>
+              <a:ext uri="{FF2B5EF4-FFF2-40B4-BE49-F238E27FC236}">
+                <a16:creationId xmlns:a16="http://schemas.microsoft.com/office/drawing/2014/main" id="{6330688F-EEAD-4DD0-94C7-BE719016C864}"/>
+              </a:ext>
+            </a:extLst>
+          </p:cNvPr>
+          <p:cNvSpPr>
+            <a:spLocks noGrp="1"/>
+          </p:cNvSpPr>
+          <p:nvPr>
+            <p:ph type="title"/>
+          </p:nvPr>
+        </p:nvSpPr>
+        <p:spPr>
+          <a:xfrm>
+            <a:off x="684212" y="485244"/>
+            <a:ext cx="8534400" cy="1507067"/>
+          </a:xfrm>
+        </p:spPr>
+        <p:txBody>
+          <a:bodyPr>
+            <a:normAutofit/>
+          </a:bodyPr>
+          <a:lstStyle/>
+          <a:p>
+            <a:r>
+              <a:rPr lang="de-DE" dirty="0"/>
+              <a:t>Evaluationsvorgehen</a:t>
+            </a:r>
+          </a:p>
+        </p:txBody>
+      </p:sp>
+      <p:grpSp>
+        <p:nvGrpSpPr>
+          <p:cNvPr id="10" name="Group 9">
+            <a:extLst>
+              <a:ext uri="{FF2B5EF4-FFF2-40B4-BE49-F238E27FC236}">
+                <a16:creationId xmlns:a16="http://schemas.microsoft.com/office/drawing/2014/main" id="{A80A6E81-6B71-43DF-877B-E964A9A4CB68}"/>
+              </a:ext>
+              <a:ext uri="{C183D7F6-B498-43B3-948B-1728B52AA6E4}">
+                <adec:decorative xmlns:adec="http://schemas.microsoft.com/office/drawing/2017/decorative" val="1"/>
+              </a:ext>
+            </a:extLst>
+          </p:cNvPr>
+          <p:cNvGrpSpPr>
+            <a:grpSpLocks noGrp="1" noUngrp="1" noRot="1" noChangeAspect="1" noMove="1" noResize="1"/>
+          </p:cNvGrpSpPr>
+          <p:nvPr>
+            <p:extLst>
+              <p:ext uri="{386F3935-93C4-4BCD-93E2-E3B085C9AB24}">
+                <p16:designElem xmlns:p16="http://schemas.microsoft.com/office/powerpoint/2015/main" val="1"/>
+              </p:ext>
+            </p:extLst>
+          </p:nvPr>
+        </p:nvGrpSpPr>
+        <p:grpSpPr>
+          <a:xfrm>
+            <a:off x="9206969" y="2963333"/>
+            <a:ext cx="2981858" cy="3208867"/>
+            <a:chOff x="9206969" y="2963333"/>
+            <a:chExt cx="2981858" cy="3208867"/>
+          </a:xfrm>
+        </p:grpSpPr>
+        <p:cxnSp>
+          <p:nvCxnSpPr>
+            <p:cNvPr id="11" name="Straight Connector 10">
+              <a:extLst>
+                <a:ext uri="{FF2B5EF4-FFF2-40B4-BE49-F238E27FC236}">
+                  <a16:creationId xmlns:a16="http://schemas.microsoft.com/office/drawing/2014/main" id="{4E35C3AD-357F-4004-A3F3-2D4EAF34A63D}"/>
+                </a:ext>
+                <a:ext uri="{C183D7F6-B498-43B3-948B-1728B52AA6E4}">
+                  <adec:decorative xmlns:adec="http://schemas.microsoft.com/office/drawing/2017/decorative" val="1"/>
+                </a:ext>
+              </a:extLst>
+            </p:cNvPr>
+            <p:cNvCxnSpPr/>
+            <p:nvPr>
+              <p:extLst>
+                <p:ext uri="{386F3935-93C4-4BCD-93E2-E3B085C9AB24}">
+                  <p16:designElem xmlns:p16="http://schemas.microsoft.com/office/powerpoint/2015/main" val="1"/>
+                </p:ext>
+              </p:extLst>
+            </p:nvPr>
+          </p:nvCxnSpPr>
+          <p:spPr>
+            <a:xfrm flipH="1">
+              <a:off x="11276012" y="2963333"/>
+              <a:ext cx="912814" cy="912812"/>
+            </a:xfrm>
+            <a:prstGeom prst="line">
+              <a:avLst/>
+            </a:prstGeom>
+            <a:ln w="9525">
+              <a:solidFill>
+                <a:schemeClr val="tx2">
+                  <a:lumMod val="75000"/>
+                  <a:alpha val="80000"/>
+                </a:schemeClr>
+              </a:solidFill>
+            </a:ln>
+          </p:spPr>
+          <p:style>
+            <a:lnRef idx="2">
+              <a:schemeClr val="accent1"/>
+            </a:lnRef>
+            <a:fillRef idx="0">
+              <a:schemeClr val="accent1"/>
+            </a:fillRef>
+            <a:effectRef idx="1">
+              <a:schemeClr val="accent1"/>
+            </a:effectRef>
+            <a:fontRef idx="minor">
+              <a:schemeClr val="tx1"/>
+            </a:fontRef>
+          </p:style>
+        </p:cxnSp>
+        <p:cxnSp>
+          <p:nvCxnSpPr>
+            <p:cNvPr id="12" name="Straight Connector 11">
+              <a:extLst>
+                <a:ext uri="{FF2B5EF4-FFF2-40B4-BE49-F238E27FC236}">
+                  <a16:creationId xmlns:a16="http://schemas.microsoft.com/office/drawing/2014/main" id="{337B6032-0A70-4F26-A9A3-B4D60DF11818}"/>
+                </a:ext>
+                <a:ext uri="{C183D7F6-B498-43B3-948B-1728B52AA6E4}">
+                  <adec:decorative xmlns:adec="http://schemas.microsoft.com/office/drawing/2017/decorative" val="1"/>
+                </a:ext>
+              </a:extLst>
+            </p:cNvPr>
+            <p:cNvCxnSpPr/>
+            <p:nvPr>
+              <p:extLst>
+                <p:ext uri="{386F3935-93C4-4BCD-93E2-E3B085C9AB24}">
+                  <p16:designElem xmlns:p16="http://schemas.microsoft.com/office/powerpoint/2015/main" val="1"/>
+                </p:ext>
+              </p:extLst>
+            </p:nvPr>
+          </p:nvCxnSpPr>
+          <p:spPr>
+            <a:xfrm flipH="1">
+              <a:off x="9206969" y="3190344"/>
+              <a:ext cx="2981857" cy="2981856"/>
+            </a:xfrm>
+            <a:prstGeom prst="line">
+              <a:avLst/>
+            </a:prstGeom>
+            <a:ln w="9525">
+              <a:solidFill>
+                <a:schemeClr val="tx2">
+                  <a:lumMod val="75000"/>
+                  <a:alpha val="80000"/>
+                </a:schemeClr>
+              </a:solidFill>
+            </a:ln>
+          </p:spPr>
+          <p:style>
+            <a:lnRef idx="2">
+              <a:schemeClr val="accent1"/>
+            </a:lnRef>
+            <a:fillRef idx="0">
+              <a:schemeClr val="accent1"/>
+            </a:fillRef>
+            <a:effectRef idx="1">
+              <a:schemeClr val="accent1"/>
+            </a:effectRef>
+            <a:fontRef idx="minor">
+              <a:schemeClr val="tx1"/>
+            </a:fontRef>
+          </p:style>
+        </p:cxnSp>
+        <p:cxnSp>
+          <p:nvCxnSpPr>
+            <p:cNvPr id="13" name="Straight Connector 12">
+              <a:extLst>
+                <a:ext uri="{FF2B5EF4-FFF2-40B4-BE49-F238E27FC236}">
+                  <a16:creationId xmlns:a16="http://schemas.microsoft.com/office/drawing/2014/main" id="{DE192CE3-3DD1-448F-93BE-42983DA0D5A9}"/>
+                </a:ext>
+                <a:ext uri="{C183D7F6-B498-43B3-948B-1728B52AA6E4}">
+                  <adec:decorative xmlns:adec="http://schemas.microsoft.com/office/drawing/2017/decorative" val="1"/>
+                </a:ext>
+              </a:extLst>
+            </p:cNvPr>
+            <p:cNvCxnSpPr/>
+            <p:nvPr>
+              <p:extLst>
+                <p:ext uri="{386F3935-93C4-4BCD-93E2-E3B085C9AB24}">
+                  <p16:designElem xmlns:p16="http://schemas.microsoft.com/office/powerpoint/2015/main" val="1"/>
+                </p:ext>
+              </p:extLst>
+            </p:nvPr>
+          </p:nvCxnSpPr>
+          <p:spPr>
+            <a:xfrm flipH="1">
+              <a:off x="10292292" y="3285067"/>
+              <a:ext cx="1896534" cy="1896533"/>
+            </a:xfrm>
+            <a:prstGeom prst="line">
+              <a:avLst/>
+            </a:prstGeom>
+            <a:ln w="9525">
+              <a:solidFill>
+                <a:schemeClr val="tx2">
+                  <a:lumMod val="75000"/>
+                  <a:alpha val="80000"/>
+                </a:schemeClr>
+              </a:solidFill>
+            </a:ln>
+          </p:spPr>
+          <p:style>
+            <a:lnRef idx="2">
+              <a:schemeClr val="accent1"/>
+            </a:lnRef>
+            <a:fillRef idx="0">
+              <a:schemeClr val="accent1"/>
+            </a:fillRef>
+            <a:effectRef idx="1">
+              <a:schemeClr val="accent1"/>
+            </a:effectRef>
+            <a:fontRef idx="minor">
+              <a:schemeClr val="tx1"/>
+            </a:fontRef>
+          </p:style>
+        </p:cxnSp>
+        <p:cxnSp>
+          <p:nvCxnSpPr>
+            <p:cNvPr id="14" name="Straight Connector 13">
+              <a:extLst>
+                <a:ext uri="{FF2B5EF4-FFF2-40B4-BE49-F238E27FC236}">
+                  <a16:creationId xmlns:a16="http://schemas.microsoft.com/office/drawing/2014/main" id="{E6D3DA09-5C72-4562-BEDE-1937DF87E81D}"/>
+                </a:ext>
+                <a:ext uri="{C183D7F6-B498-43B3-948B-1728B52AA6E4}">
+                  <adec:decorative xmlns:adec="http://schemas.microsoft.com/office/drawing/2017/decorative" val="1"/>
+                </a:ext>
+              </a:extLst>
+            </p:cNvPr>
+            <p:cNvCxnSpPr/>
+            <p:nvPr>
+              <p:extLst>
+                <p:ext uri="{386F3935-93C4-4BCD-93E2-E3B085C9AB24}">
+                  <p16:designElem xmlns:p16="http://schemas.microsoft.com/office/powerpoint/2015/main" val="1"/>
+                </p:ext>
+              </p:extLst>
+            </p:nvPr>
+          </p:nvCxnSpPr>
+          <p:spPr>
+            <a:xfrm flipH="1">
+              <a:off x="10443103" y="3131080"/>
+              <a:ext cx="1745722" cy="1745720"/>
+            </a:xfrm>
+            <a:prstGeom prst="line">
+              <a:avLst/>
+            </a:prstGeom>
+            <a:ln w="28575">
+              <a:solidFill>
+                <a:schemeClr val="tx2">
+                  <a:lumMod val="75000"/>
+                  <a:alpha val="80000"/>
+                </a:schemeClr>
+              </a:solidFill>
+            </a:ln>
+          </p:spPr>
+          <p:style>
+            <a:lnRef idx="2">
+              <a:schemeClr val="accent1"/>
+            </a:lnRef>
+            <a:fillRef idx="0">
+              <a:schemeClr val="accent1"/>
+            </a:fillRef>
+            <a:effectRef idx="1">
+              <a:schemeClr val="accent1"/>
+            </a:effectRef>
+            <a:fontRef idx="minor">
+              <a:schemeClr val="tx1"/>
+            </a:fontRef>
+          </p:style>
+        </p:cxnSp>
+        <p:cxnSp>
+          <p:nvCxnSpPr>
+            <p:cNvPr id="15" name="Straight Connector 14">
+              <a:extLst>
+                <a:ext uri="{FF2B5EF4-FFF2-40B4-BE49-F238E27FC236}">
+                  <a16:creationId xmlns:a16="http://schemas.microsoft.com/office/drawing/2014/main" id="{D6ACA7CA-2A20-49D7-9053-E076463D79A3}"/>
+                </a:ext>
+                <a:ext uri="{C183D7F6-B498-43B3-948B-1728B52AA6E4}">
+                  <adec:decorative xmlns:adec="http://schemas.microsoft.com/office/drawing/2017/decorative" val="1"/>
+                </a:ext>
+              </a:extLst>
+            </p:cNvPr>
+            <p:cNvCxnSpPr/>
+            <p:nvPr>
+              <p:extLst>
+                <p:ext uri="{386F3935-93C4-4BCD-93E2-E3B085C9AB24}">
+                  <p16:designElem xmlns:p16="http://schemas.microsoft.com/office/powerpoint/2015/main" val="1"/>
+                </p:ext>
+              </p:extLst>
+            </p:nvPr>
+          </p:nvCxnSpPr>
+          <p:spPr>
+            <a:xfrm flipH="1">
+              <a:off x="10918826" y="3683001"/>
+              <a:ext cx="1270001" cy="1269999"/>
+            </a:xfrm>
+            <a:prstGeom prst="line">
+              <a:avLst/>
+            </a:prstGeom>
+            <a:ln w="28575">
+              <a:solidFill>
+                <a:schemeClr val="tx2">
+                  <a:lumMod val="75000"/>
+                  <a:alpha val="80000"/>
+                </a:schemeClr>
+              </a:solidFill>
+            </a:ln>
+          </p:spPr>
+          <p:style>
+            <a:lnRef idx="2">
+              <a:schemeClr val="accent1"/>
+            </a:lnRef>
+            <a:fillRef idx="0">
+              <a:schemeClr val="accent1"/>
+            </a:fillRef>
+            <a:effectRef idx="1">
+              <a:schemeClr val="accent1"/>
+            </a:effectRef>
+            <a:fontRef idx="minor">
+              <a:schemeClr val="tx1"/>
+            </a:fontRef>
+          </p:style>
+        </p:cxnSp>
+      </p:grpSp>
+      <p:sp>
+        <p:nvSpPr>
+          <p:cNvPr id="3" name="Inhaltsplatzhalter 2">
+            <a:extLst>
+              <a:ext uri="{FF2B5EF4-FFF2-40B4-BE49-F238E27FC236}">
+                <a16:creationId xmlns:a16="http://schemas.microsoft.com/office/drawing/2014/main" id="{27E6EE71-C1BA-4DA4-A68D-D6DAF4CC9C25}"/>
+              </a:ext>
+            </a:extLst>
+          </p:cNvPr>
+          <p:cNvSpPr>
+            <a:spLocks noGrp="1"/>
+          </p:cNvSpPr>
+          <p:nvPr>
+            <p:ph idx="1"/>
+          </p:nvPr>
+        </p:nvSpPr>
+        <p:spPr>
+          <a:xfrm>
+            <a:off x="684212" y="2068511"/>
+            <a:ext cx="8534400" cy="3615267"/>
+          </a:xfrm>
+        </p:spPr>
+        <p:txBody>
+          <a:bodyPr>
+            <a:normAutofit lnSpcReduction="10000"/>
+          </a:bodyPr>
+          <a:lstStyle/>
+          <a:p>
+            <a:pPr>
+              <a:buFont typeface="Wingdings" panose="05000000000000000000" pitchFamily="2" charset="2"/>
+              <a:buChar char="v"/>
+            </a:pPr>
+            <a:r>
+              <a:rPr lang="en-US" sz="2800" dirty="0" err="1">
+                <a:solidFill>
+                  <a:schemeClr val="tx1"/>
+                </a:solidFill>
+              </a:rPr>
+              <a:t>Ermittlung</a:t>
+            </a:r>
+            <a:r>
+              <a:rPr lang="en-US" sz="2800" dirty="0">
+                <a:solidFill>
+                  <a:schemeClr val="tx1"/>
+                </a:solidFill>
+              </a:rPr>
+              <a:t> des </a:t>
+            </a:r>
+            <a:r>
+              <a:rPr lang="en-US" sz="2800" dirty="0" err="1">
+                <a:solidFill>
+                  <a:schemeClr val="tx1"/>
+                </a:solidFill>
+              </a:rPr>
+              <a:t>Nutzungskontext</a:t>
+            </a:r>
+            <a:endParaRPr lang="en-US" sz="2800" dirty="0">
+              <a:solidFill>
+                <a:schemeClr val="tx1"/>
+              </a:solidFill>
+            </a:endParaRPr>
+          </a:p>
+          <a:p>
+            <a:pPr lvl="1">
+              <a:buFont typeface="Wingdings" panose="05000000000000000000" pitchFamily="2" charset="2"/>
+              <a:buChar char="v"/>
+            </a:pPr>
+            <a:r>
+              <a:rPr lang="en-US" sz="2400" dirty="0" err="1">
+                <a:solidFill>
+                  <a:schemeClr val="tx1"/>
+                </a:solidFill>
+              </a:rPr>
+              <a:t>Wer</a:t>
+            </a:r>
+            <a:r>
+              <a:rPr lang="en-US" sz="2400" dirty="0">
+                <a:solidFill>
+                  <a:schemeClr val="tx1"/>
+                </a:solidFill>
+              </a:rPr>
+              <a:t> </a:t>
+            </a:r>
+            <a:r>
+              <a:rPr lang="en-US" sz="2400" dirty="0" err="1">
+                <a:solidFill>
+                  <a:schemeClr val="tx1"/>
+                </a:solidFill>
+              </a:rPr>
+              <a:t>verwendet</a:t>
+            </a:r>
+            <a:r>
+              <a:rPr lang="en-US" sz="2400" dirty="0">
+                <a:solidFill>
+                  <a:schemeClr val="tx1"/>
+                </a:solidFill>
+              </a:rPr>
+              <a:t> das Tool?</a:t>
+            </a:r>
+          </a:p>
+          <a:p>
+            <a:pPr lvl="1">
+              <a:buFont typeface="Wingdings" panose="05000000000000000000" pitchFamily="2" charset="2"/>
+              <a:buChar char="v"/>
+            </a:pPr>
+            <a:r>
+              <a:rPr lang="en-US" sz="2400" dirty="0">
+                <a:solidFill>
+                  <a:schemeClr val="tx1"/>
+                </a:solidFill>
+              </a:rPr>
+              <a:t>In </a:t>
+            </a:r>
+            <a:r>
+              <a:rPr lang="en-US" sz="2400" dirty="0" err="1">
+                <a:solidFill>
+                  <a:schemeClr val="tx1"/>
+                </a:solidFill>
+              </a:rPr>
+              <a:t>welchem</a:t>
+            </a:r>
+            <a:r>
+              <a:rPr lang="en-US" sz="2400" dirty="0">
+                <a:solidFill>
+                  <a:schemeClr val="tx1"/>
+                </a:solidFill>
+              </a:rPr>
+              <a:t> </a:t>
+            </a:r>
+            <a:r>
+              <a:rPr lang="en-US" sz="2400" dirty="0" err="1">
+                <a:solidFill>
+                  <a:schemeClr val="tx1"/>
+                </a:solidFill>
+              </a:rPr>
+              <a:t>Umfeld</a:t>
+            </a:r>
+            <a:r>
+              <a:rPr lang="en-US" sz="2400" dirty="0">
+                <a:solidFill>
+                  <a:schemeClr val="tx1"/>
+                </a:solidFill>
+              </a:rPr>
+              <a:t>?</a:t>
+            </a:r>
+          </a:p>
+          <a:p>
+            <a:pPr lvl="1">
+              <a:buFont typeface="Wingdings" panose="05000000000000000000" pitchFamily="2" charset="2"/>
+              <a:buChar char="v"/>
+            </a:pPr>
+            <a:r>
+              <a:rPr lang="en-US" sz="2400" dirty="0" err="1">
+                <a:solidFill>
+                  <a:schemeClr val="tx1"/>
+                </a:solidFill>
+              </a:rPr>
+              <a:t>Mit</a:t>
+            </a:r>
+            <a:r>
+              <a:rPr lang="en-US" sz="2400" dirty="0">
+                <a:solidFill>
+                  <a:schemeClr val="tx1"/>
+                </a:solidFill>
+              </a:rPr>
+              <a:t> </a:t>
+            </a:r>
+            <a:r>
+              <a:rPr lang="en-US" sz="2400" dirty="0" err="1">
+                <a:solidFill>
+                  <a:schemeClr val="tx1"/>
+                </a:solidFill>
+              </a:rPr>
+              <a:t>welchen</a:t>
+            </a:r>
+            <a:r>
+              <a:rPr lang="en-US" sz="2400" dirty="0">
+                <a:solidFill>
+                  <a:schemeClr val="tx1"/>
+                </a:solidFill>
+              </a:rPr>
+              <a:t> </a:t>
+            </a:r>
+            <a:r>
+              <a:rPr lang="en-US" sz="2400" dirty="0" err="1">
+                <a:solidFill>
+                  <a:schemeClr val="tx1"/>
+                </a:solidFill>
+              </a:rPr>
+              <a:t>Mitteln</a:t>
+            </a:r>
+            <a:r>
+              <a:rPr lang="en-US" sz="2400" dirty="0">
+                <a:solidFill>
+                  <a:schemeClr val="tx1"/>
+                </a:solidFill>
+              </a:rPr>
+              <a:t>?</a:t>
+            </a:r>
+          </a:p>
+          <a:p>
+            <a:pPr>
+              <a:buFont typeface="Wingdings" panose="05000000000000000000" pitchFamily="2" charset="2"/>
+              <a:buChar char="v"/>
+            </a:pPr>
+            <a:r>
+              <a:rPr lang="en-US" sz="2800" dirty="0" err="1">
+                <a:solidFill>
+                  <a:schemeClr val="tx1"/>
+                </a:solidFill>
+              </a:rPr>
+              <a:t>Aufteilung</a:t>
+            </a:r>
+            <a:r>
+              <a:rPr lang="en-US" sz="2800" dirty="0">
+                <a:solidFill>
+                  <a:schemeClr val="tx1"/>
+                </a:solidFill>
+              </a:rPr>
+              <a:t> der </a:t>
+            </a:r>
+            <a:r>
+              <a:rPr lang="en-US" sz="2800" dirty="0" err="1">
+                <a:solidFill>
+                  <a:schemeClr val="tx1"/>
+                </a:solidFill>
+              </a:rPr>
+              <a:t>Anforderungen</a:t>
+            </a:r>
+            <a:r>
+              <a:rPr lang="en-US" sz="2800" dirty="0">
+                <a:solidFill>
+                  <a:schemeClr val="tx1"/>
+                </a:solidFill>
+              </a:rPr>
+              <a:t> in</a:t>
+            </a:r>
+          </a:p>
+          <a:p>
+            <a:pPr lvl="1">
+              <a:buFont typeface="Wingdings" panose="05000000000000000000" pitchFamily="2" charset="2"/>
+              <a:buChar char="v"/>
+            </a:pPr>
+            <a:r>
+              <a:rPr lang="en-US" sz="2400" dirty="0" err="1">
+                <a:solidFill>
+                  <a:schemeClr val="tx1"/>
+                </a:solidFill>
+              </a:rPr>
+              <a:t>Funktional</a:t>
+            </a:r>
+            <a:r>
+              <a:rPr lang="en-US" sz="2400" dirty="0">
+                <a:solidFill>
+                  <a:schemeClr val="tx1"/>
+                </a:solidFill>
+              </a:rPr>
+              <a:t>: Was </a:t>
+            </a:r>
+            <a:r>
+              <a:rPr lang="en-US" sz="2400" dirty="0" err="1">
+                <a:solidFill>
+                  <a:schemeClr val="tx1"/>
+                </a:solidFill>
+              </a:rPr>
+              <a:t>soll</a:t>
+            </a:r>
+            <a:r>
+              <a:rPr lang="en-US" sz="2400" dirty="0">
+                <a:solidFill>
+                  <a:schemeClr val="tx1"/>
+                </a:solidFill>
+              </a:rPr>
+              <a:t> das Tool </a:t>
+            </a:r>
+            <a:r>
+              <a:rPr lang="en-US" sz="2400" dirty="0" err="1">
+                <a:solidFill>
+                  <a:schemeClr val="tx1"/>
+                </a:solidFill>
+              </a:rPr>
+              <a:t>leisten</a:t>
+            </a:r>
+            <a:r>
+              <a:rPr lang="en-US" sz="2400" dirty="0">
+                <a:solidFill>
+                  <a:schemeClr val="tx1"/>
+                </a:solidFill>
+              </a:rPr>
+              <a:t>?</a:t>
+            </a:r>
+          </a:p>
+          <a:p>
+            <a:pPr lvl="1">
+              <a:buFont typeface="Wingdings" panose="05000000000000000000" pitchFamily="2" charset="2"/>
+              <a:buChar char="v"/>
+            </a:pPr>
+            <a:r>
+              <a:rPr lang="en-US" sz="2400" dirty="0" err="1">
+                <a:solidFill>
+                  <a:schemeClr val="tx1"/>
+                </a:solidFill>
+              </a:rPr>
+              <a:t>Nicht-funktional</a:t>
+            </a:r>
+            <a:r>
+              <a:rPr lang="en-US" sz="2400" dirty="0">
+                <a:solidFill>
+                  <a:schemeClr val="tx1"/>
+                </a:solidFill>
+              </a:rPr>
+              <a:t>: </a:t>
+            </a:r>
+            <a:r>
+              <a:rPr lang="en-US" sz="2400" dirty="0" err="1">
+                <a:solidFill>
+                  <a:schemeClr val="tx1"/>
+                </a:solidFill>
+              </a:rPr>
+              <a:t>Qualität</a:t>
+            </a:r>
+            <a:r>
+              <a:rPr lang="en-US" sz="2400" dirty="0">
+                <a:solidFill>
+                  <a:schemeClr val="tx1"/>
+                </a:solidFill>
+              </a:rPr>
+              <a:t> der Software</a:t>
+            </a:r>
+            <a:endParaRPr lang="en-US" sz="2800" dirty="0">
+              <a:solidFill>
+                <a:schemeClr val="tx1"/>
+              </a:solidFill>
+            </a:endParaRPr>
+          </a:p>
+        </p:txBody>
+      </p:sp>
+      <p:sp>
+        <p:nvSpPr>
+          <p:cNvPr id="5" name="Foliennummernplatzhalter 4">
+            <a:extLst>
+              <a:ext uri="{FF2B5EF4-FFF2-40B4-BE49-F238E27FC236}">
+                <a16:creationId xmlns:a16="http://schemas.microsoft.com/office/drawing/2014/main" id="{4DE8214D-1DB2-4D79-B436-DB5A16F8A910}"/>
+              </a:ext>
+            </a:extLst>
+          </p:cNvPr>
+          <p:cNvSpPr>
+            <a:spLocks noGrp="1"/>
+          </p:cNvSpPr>
+          <p:nvPr>
+            <p:ph type="sldNum" sz="quarter" idx="12"/>
+          </p:nvPr>
+        </p:nvSpPr>
+        <p:spPr/>
+        <p:txBody>
+          <a:bodyPr/>
+          <a:lstStyle/>
+          <a:p>
+            <a:fld id="{5C4AFE82-D2AF-4BDB-96A8-AD00DBF8219E}" type="slidenum">
+              <a:rPr lang="de-DE" smtClean="0">
+                <a:solidFill>
+                  <a:schemeClr val="tx1"/>
+                </a:solidFill>
+              </a:rPr>
+              <a:t>6</a:t>
+            </a:fld>
+            <a:endParaRPr lang="de-DE" dirty="0">
+              <a:solidFill>
+                <a:schemeClr val="tx1"/>
+              </a:solidFill>
+            </a:endParaRPr>
+          </a:p>
+        </p:txBody>
+      </p:sp>
+    </p:spTree>
+    <p:extLst>
+      <p:ext uri="{BB962C8B-B14F-4D97-AF65-F5344CB8AC3E}">
+        <p14:creationId xmlns:p14="http://schemas.microsoft.com/office/powerpoint/2010/main" val="1419237669"/>
+      </p:ext>
+    </p:extLst>
+  </p:cSld>
+  <p:clrMapOvr>
+    <a:masterClrMapping/>
+  </p:clrMapOvr>
+</p:sld>
+</file>
+
+<file path=ppt/slides/slide7.xml><?xml version="1.0" encoding="utf-8"?>
+<p:sld xmlns:a="http://schemas.openxmlformats.org/drawingml/2006/main" xmlns:r="http://schemas.openxmlformats.org/officeDocument/2006/relationships" xmlns:p="http://schemas.openxmlformats.org/presentationml/2006/main">
+  <p:cSld>
+    <p:spTree>
+      <p:nvGrpSpPr>
+        <p:cNvPr id="1" name=""/>
+        <p:cNvGrpSpPr/>
+        <p:nvPr/>
+      </p:nvGrpSpPr>
+      <p:grpSpPr>
+        <a:xfrm>
+          <a:off x="0" y="0"/>
+          <a:ext cx="0" cy="0"/>
+          <a:chOff x="0" y="0"/>
+          <a:chExt cx="0" cy="0"/>
+        </a:xfrm>
+      </p:grpSpPr>
+      <p:sp useBgFill="1">
+        <p:nvSpPr>
+          <p:cNvPr id="8" name="Rectangle 7">
+            <a:extLst>
+              <a:ext uri="{FF2B5EF4-FFF2-40B4-BE49-F238E27FC236}">
+                <a16:creationId xmlns:a16="http://schemas.microsoft.com/office/drawing/2014/main" id="{CADF2543-1B6F-4FBC-A7AF-53A0430E05AB}"/>
+              </a:ext>
+              <a:ext uri="{C183D7F6-B498-43B3-948B-1728B52AA6E4}">
+                <adec:decorative xmlns:adec="http://schemas.microsoft.com/office/drawing/2017/decorative" val="1"/>
+              </a:ext>
+            </a:extLst>
+          </p:cNvPr>
+          <p:cNvSpPr>
+            <a:spLocks noGrp="1" noRot="1" noChangeAspect="1" noMove="1" noResize="1" noEditPoints="1" noAdjustHandles="1" noChangeArrowheads="1" noChangeShapeType="1" noTextEdit="1"/>
+          </p:cNvSpPr>
+          <p:nvPr>
+            <p:extLst>
+              <p:ext uri="{386F3935-93C4-4BCD-93E2-E3B085C9AB24}">
+                <p16:designElem xmlns:p16="http://schemas.microsoft.com/office/powerpoint/2015/main" val="1"/>
+              </p:ext>
+            </p:extLst>
+          </p:nvPr>
+        </p:nvSpPr>
+        <p:spPr>
+          <a:xfrm>
+            <a:off x="0" y="0"/>
+            <a:ext cx="12192000" cy="6858000"/>
+          </a:xfrm>
+          <a:prstGeom prst="rect">
+            <a:avLst/>
+          </a:prstGeom>
+          <a:ln>
+            <a:noFill/>
+          </a:ln>
+        </p:spPr>
+        <p:style>
+          <a:lnRef idx="2">
+            <a:schemeClr val="accent1">
+              <a:shade val="50000"/>
+            </a:schemeClr>
+          </a:lnRef>
+          <a:fillRef idx="1">
+            <a:schemeClr val="accent1"/>
+          </a:fillRef>
+          <a:effectRef idx="0">
+            <a:schemeClr val="accent1"/>
+          </a:effectRef>
+          <a:fontRef idx="minor">
+            <a:schemeClr val="lt1"/>
+          </a:fontRef>
+        </p:style>
+        <p:txBody>
+          <a:bodyPr rtlCol="0" anchor="ctr"/>
+          <a:lstStyle/>
+          <a:p>
+            <a:pPr algn="ctr"/>
+            <a:endParaRPr lang="en-US"/>
+          </a:p>
+        </p:txBody>
+      </p:sp>
+      <p:sp>
+        <p:nvSpPr>
+          <p:cNvPr id="2" name="Titel 1">
+            <a:extLst>
+              <a:ext uri="{FF2B5EF4-FFF2-40B4-BE49-F238E27FC236}">
+                <a16:creationId xmlns:a16="http://schemas.microsoft.com/office/drawing/2014/main" id="{6330688F-EEAD-4DD0-94C7-BE719016C864}"/>
+              </a:ext>
+            </a:extLst>
+          </p:cNvPr>
+          <p:cNvSpPr>
+            <a:spLocks noGrp="1"/>
+          </p:cNvSpPr>
+          <p:nvPr>
+            <p:ph type="title"/>
+          </p:nvPr>
+        </p:nvSpPr>
+        <p:spPr>
+          <a:xfrm>
+            <a:off x="684212" y="485244"/>
+            <a:ext cx="8534400" cy="1507067"/>
+          </a:xfrm>
+        </p:spPr>
+        <p:txBody>
+          <a:bodyPr>
+            <a:normAutofit/>
+          </a:bodyPr>
+          <a:lstStyle/>
+          <a:p>
+            <a:r>
+              <a:rPr lang="de-DE" dirty="0"/>
+              <a:t>Nutzungskontext</a:t>
+            </a:r>
+          </a:p>
+        </p:txBody>
+      </p:sp>
+      <p:grpSp>
+        <p:nvGrpSpPr>
+          <p:cNvPr id="10" name="Group 9">
+            <a:extLst>
+              <a:ext uri="{FF2B5EF4-FFF2-40B4-BE49-F238E27FC236}">
+                <a16:creationId xmlns:a16="http://schemas.microsoft.com/office/drawing/2014/main" id="{A80A6E81-6B71-43DF-877B-E964A9A4CB68}"/>
+              </a:ext>
+              <a:ext uri="{C183D7F6-B498-43B3-948B-1728B52AA6E4}">
+                <adec:decorative xmlns:adec="http://schemas.microsoft.com/office/drawing/2017/decorative" val="1"/>
+              </a:ext>
+            </a:extLst>
+          </p:cNvPr>
+          <p:cNvGrpSpPr>
+            <a:grpSpLocks noGrp="1" noUngrp="1" noRot="1" noChangeAspect="1" noMove="1" noResize="1"/>
+          </p:cNvGrpSpPr>
+          <p:nvPr>
+            <p:extLst>
+              <p:ext uri="{386F3935-93C4-4BCD-93E2-E3B085C9AB24}">
+                <p16:designElem xmlns:p16="http://schemas.microsoft.com/office/powerpoint/2015/main" val="1"/>
+              </p:ext>
+            </p:extLst>
+          </p:nvPr>
+        </p:nvGrpSpPr>
+        <p:grpSpPr>
+          <a:xfrm>
+            <a:off x="9206969" y="2963333"/>
+            <a:ext cx="2981858" cy="3208867"/>
+            <a:chOff x="9206969" y="2963333"/>
+            <a:chExt cx="2981858" cy="3208867"/>
+          </a:xfrm>
+        </p:grpSpPr>
+        <p:cxnSp>
+          <p:nvCxnSpPr>
+            <p:cNvPr id="11" name="Straight Connector 10">
+              <a:extLst>
+                <a:ext uri="{FF2B5EF4-FFF2-40B4-BE49-F238E27FC236}">
+                  <a16:creationId xmlns:a16="http://schemas.microsoft.com/office/drawing/2014/main" id="{4E35C3AD-357F-4004-A3F3-2D4EAF34A63D}"/>
+                </a:ext>
+                <a:ext uri="{C183D7F6-B498-43B3-948B-1728B52AA6E4}">
+                  <adec:decorative xmlns:adec="http://schemas.microsoft.com/office/drawing/2017/decorative" val="1"/>
+                </a:ext>
+              </a:extLst>
+            </p:cNvPr>
+            <p:cNvCxnSpPr/>
+            <p:nvPr>
+              <p:extLst>
+                <p:ext uri="{386F3935-93C4-4BCD-93E2-E3B085C9AB24}">
+                  <p16:designElem xmlns:p16="http://schemas.microsoft.com/office/powerpoint/2015/main" val="1"/>
+                </p:ext>
+              </p:extLst>
+            </p:nvPr>
+          </p:nvCxnSpPr>
+          <p:spPr>
+            <a:xfrm flipH="1">
+              <a:off x="11276012" y="2963333"/>
+              <a:ext cx="912814" cy="912812"/>
+            </a:xfrm>
+            <a:prstGeom prst="line">
+              <a:avLst/>
+            </a:prstGeom>
+            <a:ln w="9525">
+              <a:solidFill>
+                <a:schemeClr val="tx2">
+                  <a:lumMod val="75000"/>
+                  <a:alpha val="80000"/>
+                </a:schemeClr>
+              </a:solidFill>
+            </a:ln>
+          </p:spPr>
+          <p:style>
+            <a:lnRef idx="2">
+              <a:schemeClr val="accent1"/>
+            </a:lnRef>
+            <a:fillRef idx="0">
+              <a:schemeClr val="accent1"/>
+            </a:fillRef>
+            <a:effectRef idx="1">
+              <a:schemeClr val="accent1"/>
+            </a:effectRef>
+            <a:fontRef idx="minor">
+              <a:schemeClr val="tx1"/>
+            </a:fontRef>
+          </p:style>
+        </p:cxnSp>
+        <p:cxnSp>
+          <p:nvCxnSpPr>
+            <p:cNvPr id="12" name="Straight Connector 11">
+              <a:extLst>
+                <a:ext uri="{FF2B5EF4-FFF2-40B4-BE49-F238E27FC236}">
+                  <a16:creationId xmlns:a16="http://schemas.microsoft.com/office/drawing/2014/main" id="{337B6032-0A70-4F26-A9A3-B4D60DF11818}"/>
+                </a:ext>
+                <a:ext uri="{C183D7F6-B498-43B3-948B-1728B52AA6E4}">
+                  <adec:decorative xmlns:adec="http://schemas.microsoft.com/office/drawing/2017/decorative" val="1"/>
+                </a:ext>
+              </a:extLst>
+            </p:cNvPr>
+            <p:cNvCxnSpPr/>
+            <p:nvPr>
+              <p:extLst>
+                <p:ext uri="{386F3935-93C4-4BCD-93E2-E3B085C9AB24}">
+                  <p16:designElem xmlns:p16="http://schemas.microsoft.com/office/powerpoint/2015/main" val="1"/>
+                </p:ext>
+              </p:extLst>
+            </p:nvPr>
+          </p:nvCxnSpPr>
+          <p:spPr>
+            <a:xfrm flipH="1">
+              <a:off x="9206969" y="3190344"/>
+              <a:ext cx="2981857" cy="2981856"/>
+            </a:xfrm>
+            <a:prstGeom prst="line">
+              <a:avLst/>
+            </a:prstGeom>
+            <a:ln w="9525">
+              <a:solidFill>
+                <a:schemeClr val="tx2">
+                  <a:lumMod val="75000"/>
+                  <a:alpha val="80000"/>
+                </a:schemeClr>
+              </a:solidFill>
+            </a:ln>
+          </p:spPr>
+          <p:style>
+            <a:lnRef idx="2">
+              <a:schemeClr val="accent1"/>
+            </a:lnRef>
+            <a:fillRef idx="0">
+              <a:schemeClr val="accent1"/>
+            </a:fillRef>
+            <a:effectRef idx="1">
+              <a:schemeClr val="accent1"/>
+            </a:effectRef>
+            <a:fontRef idx="minor">
+              <a:schemeClr val="tx1"/>
+            </a:fontRef>
+          </p:style>
+        </p:cxnSp>
+        <p:cxnSp>
+          <p:nvCxnSpPr>
+            <p:cNvPr id="13" name="Straight Connector 12">
+              <a:extLst>
+                <a:ext uri="{FF2B5EF4-FFF2-40B4-BE49-F238E27FC236}">
+                  <a16:creationId xmlns:a16="http://schemas.microsoft.com/office/drawing/2014/main" id="{DE192CE3-3DD1-448F-93BE-42983DA0D5A9}"/>
+                </a:ext>
+                <a:ext uri="{C183D7F6-B498-43B3-948B-1728B52AA6E4}">
+                  <adec:decorative xmlns:adec="http://schemas.microsoft.com/office/drawing/2017/decorative" val="1"/>
+                </a:ext>
+              </a:extLst>
+            </p:cNvPr>
+            <p:cNvCxnSpPr/>
+            <p:nvPr>
+              <p:extLst>
+                <p:ext uri="{386F3935-93C4-4BCD-93E2-E3B085C9AB24}">
+                  <p16:designElem xmlns:p16="http://schemas.microsoft.com/office/powerpoint/2015/main" val="1"/>
+                </p:ext>
+              </p:extLst>
+            </p:nvPr>
+          </p:nvCxnSpPr>
+          <p:spPr>
+            <a:xfrm flipH="1">
+              <a:off x="10292292" y="3285067"/>
+              <a:ext cx="1896534" cy="1896533"/>
+            </a:xfrm>
+            <a:prstGeom prst="line">
+              <a:avLst/>
+            </a:prstGeom>
+            <a:ln w="9525">
+              <a:solidFill>
+                <a:schemeClr val="tx2">
+                  <a:lumMod val="75000"/>
+                  <a:alpha val="80000"/>
+                </a:schemeClr>
+              </a:solidFill>
+            </a:ln>
+          </p:spPr>
+          <p:style>
+            <a:lnRef idx="2">
+              <a:schemeClr val="accent1"/>
+            </a:lnRef>
+            <a:fillRef idx="0">
+              <a:schemeClr val="accent1"/>
+            </a:fillRef>
+            <a:effectRef idx="1">
+              <a:schemeClr val="accent1"/>
+            </a:effectRef>
+            <a:fontRef idx="minor">
+              <a:schemeClr val="tx1"/>
+            </a:fontRef>
+          </p:style>
+        </p:cxnSp>
+        <p:cxnSp>
+          <p:nvCxnSpPr>
+            <p:cNvPr id="14" name="Straight Connector 13">
+              <a:extLst>
+                <a:ext uri="{FF2B5EF4-FFF2-40B4-BE49-F238E27FC236}">
+                  <a16:creationId xmlns:a16="http://schemas.microsoft.com/office/drawing/2014/main" id="{E6D3DA09-5C72-4562-BEDE-1937DF87E81D}"/>
+                </a:ext>
+                <a:ext uri="{C183D7F6-B498-43B3-948B-1728B52AA6E4}">
+                  <adec:decorative xmlns:adec="http://schemas.microsoft.com/office/drawing/2017/decorative" val="1"/>
+                </a:ext>
+              </a:extLst>
+            </p:cNvPr>
+            <p:cNvCxnSpPr/>
+            <p:nvPr>
+              <p:extLst>
+                <p:ext uri="{386F3935-93C4-4BCD-93E2-E3B085C9AB24}">
+                  <p16:designElem xmlns:p16="http://schemas.microsoft.com/office/powerpoint/2015/main" val="1"/>
+                </p:ext>
+              </p:extLst>
+            </p:nvPr>
+          </p:nvCxnSpPr>
+          <p:spPr>
+            <a:xfrm flipH="1">
+              <a:off x="10443103" y="3131080"/>
+              <a:ext cx="1745722" cy="1745720"/>
+            </a:xfrm>
+            <a:prstGeom prst="line">
+              <a:avLst/>
+            </a:prstGeom>
+            <a:ln w="28575">
+              <a:solidFill>
+                <a:schemeClr val="tx2">
+                  <a:lumMod val="75000"/>
+                  <a:alpha val="80000"/>
+                </a:schemeClr>
+              </a:solidFill>
+            </a:ln>
+          </p:spPr>
+          <p:style>
+            <a:lnRef idx="2">
+              <a:schemeClr val="accent1"/>
+            </a:lnRef>
+            <a:fillRef idx="0">
+              <a:schemeClr val="accent1"/>
+            </a:fillRef>
+            <a:effectRef idx="1">
+              <a:schemeClr val="accent1"/>
+            </a:effectRef>
+            <a:fontRef idx="minor">
+              <a:schemeClr val="tx1"/>
+            </a:fontRef>
+          </p:style>
+        </p:cxnSp>
+        <p:cxnSp>
+          <p:nvCxnSpPr>
+            <p:cNvPr id="15" name="Straight Connector 14">
+              <a:extLst>
+                <a:ext uri="{FF2B5EF4-FFF2-40B4-BE49-F238E27FC236}">
+                  <a16:creationId xmlns:a16="http://schemas.microsoft.com/office/drawing/2014/main" id="{D6ACA7CA-2A20-49D7-9053-E076463D79A3}"/>
+                </a:ext>
+                <a:ext uri="{C183D7F6-B498-43B3-948B-1728B52AA6E4}">
+                  <adec:decorative xmlns:adec="http://schemas.microsoft.com/office/drawing/2017/decorative" val="1"/>
+                </a:ext>
+              </a:extLst>
+            </p:cNvPr>
+            <p:cNvCxnSpPr/>
+            <p:nvPr>
+              <p:extLst>
+                <p:ext uri="{386F3935-93C4-4BCD-93E2-E3B085C9AB24}">
+                  <p16:designElem xmlns:p16="http://schemas.microsoft.com/office/powerpoint/2015/main" val="1"/>
+                </p:ext>
+              </p:extLst>
+            </p:nvPr>
+          </p:nvCxnSpPr>
+          <p:spPr>
+            <a:xfrm flipH="1">
+              <a:off x="10918826" y="3683001"/>
+              <a:ext cx="1270001" cy="1269999"/>
+            </a:xfrm>
+            <a:prstGeom prst="line">
+              <a:avLst/>
+            </a:prstGeom>
+            <a:ln w="28575">
+              <a:solidFill>
+                <a:schemeClr val="tx2">
+                  <a:lumMod val="75000"/>
+                  <a:alpha val="80000"/>
+                </a:schemeClr>
+              </a:solidFill>
+            </a:ln>
+          </p:spPr>
+          <p:style>
+            <a:lnRef idx="2">
+              <a:schemeClr val="accent1"/>
+            </a:lnRef>
+            <a:fillRef idx="0">
+              <a:schemeClr val="accent1"/>
+            </a:fillRef>
+            <a:effectRef idx="1">
+              <a:schemeClr val="accent1"/>
+            </a:effectRef>
+            <a:fontRef idx="minor">
+              <a:schemeClr val="tx1"/>
+            </a:fontRef>
+          </p:style>
+        </p:cxnSp>
+      </p:grpSp>
+      <p:sp>
+        <p:nvSpPr>
+          <p:cNvPr id="3" name="Inhaltsplatzhalter 2">
+            <a:extLst>
+              <a:ext uri="{FF2B5EF4-FFF2-40B4-BE49-F238E27FC236}">
+                <a16:creationId xmlns:a16="http://schemas.microsoft.com/office/drawing/2014/main" id="{27E6EE71-C1BA-4DA4-A68D-D6DAF4CC9C25}"/>
+              </a:ext>
+            </a:extLst>
+          </p:cNvPr>
+          <p:cNvSpPr>
+            <a:spLocks noGrp="1"/>
+          </p:cNvSpPr>
+          <p:nvPr>
+            <p:ph idx="1"/>
+          </p:nvPr>
+        </p:nvSpPr>
+        <p:spPr>
+          <a:xfrm>
+            <a:off x="684212" y="2068511"/>
+            <a:ext cx="8534400" cy="3615267"/>
+          </a:xfrm>
+        </p:spPr>
+        <p:txBody>
+          <a:bodyPr>
+            <a:normAutofit/>
+          </a:bodyPr>
+          <a:lstStyle/>
+          <a:p>
+            <a:pPr>
+              <a:buFont typeface="Wingdings" panose="05000000000000000000" pitchFamily="2" charset="2"/>
+              <a:buChar char="v"/>
+            </a:pPr>
+            <a:r>
+              <a:rPr lang="de-DE" sz="2800" dirty="0">
+                <a:solidFill>
+                  <a:schemeClr val="tx1"/>
+                </a:solidFill>
+              </a:rPr>
+              <a:t>Die Benutzergruppe, sind Entwickler der Visus Health IT GmbH.</a:t>
+            </a:r>
+          </a:p>
+          <a:p>
+            <a:pPr>
+              <a:buFont typeface="Wingdings" panose="05000000000000000000" pitchFamily="2" charset="2"/>
+              <a:buChar char="v"/>
+            </a:pPr>
+            <a:r>
+              <a:rPr lang="de-DE" sz="2800" dirty="0">
+                <a:solidFill>
+                  <a:schemeClr val="tx1"/>
+                </a:solidFill>
+              </a:rPr>
+              <a:t>Die Entwickler sollen die Tuschi mit ihrem Arbeitsrechner bedienen können.</a:t>
+            </a:r>
+          </a:p>
+          <a:p>
+            <a:pPr>
+              <a:buFont typeface="Wingdings" panose="05000000000000000000" pitchFamily="2" charset="2"/>
+              <a:buChar char="v"/>
+            </a:pPr>
+            <a:r>
+              <a:rPr lang="de-DE" sz="2800" dirty="0">
+                <a:solidFill>
+                  <a:schemeClr val="tx1"/>
+                </a:solidFill>
+              </a:rPr>
+              <a:t>Der Standort des Arbeitsrechners ist variabel. Es ist ein Internetzugang vorhanden.</a:t>
+            </a:r>
+            <a:endParaRPr lang="en-US" sz="2800" dirty="0">
+              <a:solidFill>
+                <a:schemeClr val="tx1"/>
+              </a:solidFill>
+            </a:endParaRPr>
+          </a:p>
+        </p:txBody>
+      </p:sp>
+      <p:sp>
+        <p:nvSpPr>
+          <p:cNvPr id="5" name="Foliennummernplatzhalter 4">
+            <a:extLst>
+              <a:ext uri="{FF2B5EF4-FFF2-40B4-BE49-F238E27FC236}">
+                <a16:creationId xmlns:a16="http://schemas.microsoft.com/office/drawing/2014/main" id="{4DE8214D-1DB2-4D79-B436-DB5A16F8A910}"/>
+              </a:ext>
+            </a:extLst>
+          </p:cNvPr>
+          <p:cNvSpPr>
+            <a:spLocks noGrp="1"/>
+          </p:cNvSpPr>
+          <p:nvPr>
+            <p:ph type="sldNum" sz="quarter" idx="12"/>
+          </p:nvPr>
+        </p:nvSpPr>
+        <p:spPr/>
+        <p:txBody>
+          <a:bodyPr/>
+          <a:lstStyle/>
+          <a:p>
+            <a:fld id="{5C4AFE82-D2AF-4BDB-96A8-AD00DBF8219E}" type="slidenum">
+              <a:rPr lang="de-DE" smtClean="0">
+                <a:solidFill>
+                  <a:schemeClr val="tx1"/>
+                </a:solidFill>
+              </a:rPr>
+              <a:t>7</a:t>
+            </a:fld>
+            <a:endParaRPr lang="de-DE" dirty="0">
+              <a:solidFill>
+                <a:schemeClr val="tx1"/>
+              </a:solidFill>
+            </a:endParaRPr>
+          </a:p>
+        </p:txBody>
+      </p:sp>
+    </p:spTree>
+    <p:extLst>
+      <p:ext uri="{BB962C8B-B14F-4D97-AF65-F5344CB8AC3E}">
+        <p14:creationId xmlns:p14="http://schemas.microsoft.com/office/powerpoint/2010/main" val="3741174942"/>
+      </p:ext>
+    </p:extLst>
+  </p:cSld>
+  <p:clrMapOvr>
+    <a:masterClrMapping/>
+  </p:clrMapOvr>
+</p:sld>
+</file>
+
+<file path=ppt/slides/slide8.xml><?xml version="1.0" encoding="utf-8"?>
+<p:sld xmlns:a="http://schemas.openxmlformats.org/drawingml/2006/main" xmlns:r="http://schemas.openxmlformats.org/officeDocument/2006/relationships" xmlns:p="http://schemas.openxmlformats.org/presentationml/2006/main">
+  <p:cSld>
+    <p:spTree>
+      <p:nvGrpSpPr>
+        <p:cNvPr id="1" name=""/>
+        <p:cNvGrpSpPr/>
+        <p:nvPr/>
+      </p:nvGrpSpPr>
+      <p:grpSpPr>
+        <a:xfrm>
+          <a:off x="0" y="0"/>
+          <a:ext cx="0" cy="0"/>
+          <a:chOff x="0" y="0"/>
+          <a:chExt cx="0" cy="0"/>
+        </a:xfrm>
+      </p:grpSpPr>
+      <p:sp useBgFill="1">
+        <p:nvSpPr>
+          <p:cNvPr id="8" name="Rectangle 7">
+            <a:extLst>
+              <a:ext uri="{FF2B5EF4-FFF2-40B4-BE49-F238E27FC236}">
+                <a16:creationId xmlns:a16="http://schemas.microsoft.com/office/drawing/2014/main" id="{CADF2543-1B6F-4FBC-A7AF-53A0430E05AB}"/>
+              </a:ext>
+              <a:ext uri="{C183D7F6-B498-43B3-948B-1728B52AA6E4}">
+                <adec:decorative xmlns:adec="http://schemas.microsoft.com/office/drawing/2017/decorative" val="1"/>
+              </a:ext>
+            </a:extLst>
+          </p:cNvPr>
+          <p:cNvSpPr>
+            <a:spLocks noGrp="1" noRot="1" noChangeAspect="1" noMove="1" noResize="1" noEditPoints="1" noAdjustHandles="1" noChangeArrowheads="1" noChangeShapeType="1" noTextEdit="1"/>
+          </p:cNvSpPr>
+          <p:nvPr>
+            <p:extLst>
+              <p:ext uri="{386F3935-93C4-4BCD-93E2-E3B085C9AB24}">
+                <p16:designElem xmlns:p16="http://schemas.microsoft.com/office/powerpoint/2015/main" val="1"/>
+              </p:ext>
+            </p:extLst>
+          </p:nvPr>
+        </p:nvSpPr>
+        <p:spPr>
+          <a:xfrm>
+            <a:off x="0" y="0"/>
+            <a:ext cx="12192000" cy="6858000"/>
+          </a:xfrm>
+          <a:prstGeom prst="rect">
+            <a:avLst/>
+          </a:prstGeom>
+          <a:ln>
+            <a:noFill/>
+          </a:ln>
+        </p:spPr>
+        <p:style>
+          <a:lnRef idx="2">
+            <a:schemeClr val="accent1">
+              <a:shade val="50000"/>
+            </a:schemeClr>
+          </a:lnRef>
+          <a:fillRef idx="1">
+            <a:schemeClr val="accent1"/>
+          </a:fillRef>
+          <a:effectRef idx="0">
+            <a:schemeClr val="accent1"/>
+          </a:effectRef>
+          <a:fontRef idx="minor">
+            <a:schemeClr val="lt1"/>
+          </a:fontRef>
+        </p:style>
+        <p:txBody>
+          <a:bodyPr rtlCol="0" anchor="ctr"/>
+          <a:lstStyle/>
+          <a:p>
+            <a:pPr algn="ctr"/>
+            <a:endParaRPr lang="en-US"/>
+          </a:p>
+        </p:txBody>
+      </p:sp>
+      <p:sp>
+        <p:nvSpPr>
+          <p:cNvPr id="2" name="Titel 1">
+            <a:extLst>
+              <a:ext uri="{FF2B5EF4-FFF2-40B4-BE49-F238E27FC236}">
+                <a16:creationId xmlns:a16="http://schemas.microsoft.com/office/drawing/2014/main" id="{6330688F-EEAD-4DD0-94C7-BE719016C864}"/>
+              </a:ext>
+            </a:extLst>
+          </p:cNvPr>
+          <p:cNvSpPr>
+            <a:spLocks noGrp="1"/>
+          </p:cNvSpPr>
+          <p:nvPr>
+            <p:ph type="title"/>
+          </p:nvPr>
+        </p:nvSpPr>
+        <p:spPr>
+          <a:xfrm>
+            <a:off x="684212" y="485244"/>
+            <a:ext cx="8534400" cy="1507067"/>
+          </a:xfrm>
+        </p:spPr>
+        <p:txBody>
+          <a:bodyPr>
+            <a:normAutofit/>
+          </a:bodyPr>
+          <a:lstStyle/>
+          <a:p>
+            <a:r>
+              <a:rPr lang="de-DE" dirty="0"/>
+              <a:t>Funktionale Anforderungen</a:t>
+            </a:r>
+          </a:p>
+        </p:txBody>
+      </p:sp>
+      <p:grpSp>
+        <p:nvGrpSpPr>
+          <p:cNvPr id="10" name="Group 9">
+            <a:extLst>
+              <a:ext uri="{FF2B5EF4-FFF2-40B4-BE49-F238E27FC236}">
+                <a16:creationId xmlns:a16="http://schemas.microsoft.com/office/drawing/2014/main" id="{A80A6E81-6B71-43DF-877B-E964A9A4CB68}"/>
+              </a:ext>
+              <a:ext uri="{C183D7F6-B498-43B3-948B-1728B52AA6E4}">
+                <adec:decorative xmlns:adec="http://schemas.microsoft.com/office/drawing/2017/decorative" val="1"/>
+              </a:ext>
+            </a:extLst>
+          </p:cNvPr>
+          <p:cNvGrpSpPr>
+            <a:grpSpLocks noGrp="1" noUngrp="1" noRot="1" noChangeAspect="1" noMove="1" noResize="1"/>
+          </p:cNvGrpSpPr>
+          <p:nvPr>
+            <p:extLst>
+              <p:ext uri="{386F3935-93C4-4BCD-93E2-E3B085C9AB24}">
+                <p16:designElem xmlns:p16="http://schemas.microsoft.com/office/powerpoint/2015/main" val="1"/>
+              </p:ext>
+            </p:extLst>
+          </p:nvPr>
+        </p:nvGrpSpPr>
+        <p:grpSpPr>
+          <a:xfrm>
+            <a:off x="9206969" y="2963333"/>
+            <a:ext cx="2981858" cy="3208867"/>
+            <a:chOff x="9206969" y="2963333"/>
+            <a:chExt cx="2981858" cy="3208867"/>
+          </a:xfrm>
+        </p:grpSpPr>
+        <p:cxnSp>
+          <p:nvCxnSpPr>
+            <p:cNvPr id="11" name="Straight Connector 10">
+              <a:extLst>
+                <a:ext uri="{FF2B5EF4-FFF2-40B4-BE49-F238E27FC236}">
+                  <a16:creationId xmlns:a16="http://schemas.microsoft.com/office/drawing/2014/main" id="{4E35C3AD-357F-4004-A3F3-2D4EAF34A63D}"/>
+                </a:ext>
+                <a:ext uri="{C183D7F6-B498-43B3-948B-1728B52AA6E4}">
+                  <adec:decorative xmlns:adec="http://schemas.microsoft.com/office/drawing/2017/decorative" val="1"/>
+                </a:ext>
+              </a:extLst>
+            </p:cNvPr>
+            <p:cNvCxnSpPr/>
+            <p:nvPr>
+              <p:extLst>
+                <p:ext uri="{386F3935-93C4-4BCD-93E2-E3B085C9AB24}">
+                  <p16:designElem xmlns:p16="http://schemas.microsoft.com/office/powerpoint/2015/main" val="1"/>
+                </p:ext>
+              </p:extLst>
+            </p:nvPr>
+          </p:nvCxnSpPr>
+          <p:spPr>
+            <a:xfrm flipH="1">
+              <a:off x="11276012" y="2963333"/>
+              <a:ext cx="912814" cy="912812"/>
+            </a:xfrm>
+            <a:prstGeom prst="line">
+              <a:avLst/>
+            </a:prstGeom>
+            <a:ln w="9525">
+              <a:solidFill>
+                <a:schemeClr val="tx2">
+                  <a:lumMod val="75000"/>
+                  <a:alpha val="80000"/>
+                </a:schemeClr>
+              </a:solidFill>
+            </a:ln>
+          </p:spPr>
+          <p:style>
+            <a:lnRef idx="2">
+              <a:schemeClr val="accent1"/>
+            </a:lnRef>
+            <a:fillRef idx="0">
+              <a:schemeClr val="accent1"/>
+            </a:fillRef>
+            <a:effectRef idx="1">
+              <a:schemeClr val="accent1"/>
+            </a:effectRef>
+            <a:fontRef idx="minor">
+              <a:schemeClr val="tx1"/>
+            </a:fontRef>
+          </p:style>
+        </p:cxnSp>
+        <p:cxnSp>
+          <p:nvCxnSpPr>
+            <p:cNvPr id="12" name="Straight Connector 11">
+              <a:extLst>
+                <a:ext uri="{FF2B5EF4-FFF2-40B4-BE49-F238E27FC236}">
+                  <a16:creationId xmlns:a16="http://schemas.microsoft.com/office/drawing/2014/main" id="{337B6032-0A70-4F26-A9A3-B4D60DF11818}"/>
+                </a:ext>
+                <a:ext uri="{C183D7F6-B498-43B3-948B-1728B52AA6E4}">
+                  <adec:decorative xmlns:adec="http://schemas.microsoft.com/office/drawing/2017/decorative" val="1"/>
+                </a:ext>
+              </a:extLst>
+            </p:cNvPr>
+            <p:cNvCxnSpPr/>
+            <p:nvPr>
+              <p:extLst>
+                <p:ext uri="{386F3935-93C4-4BCD-93E2-E3B085C9AB24}">
+                  <p16:designElem xmlns:p16="http://schemas.microsoft.com/office/powerpoint/2015/main" val="1"/>
+                </p:ext>
+              </p:extLst>
+            </p:nvPr>
+          </p:nvCxnSpPr>
+          <p:spPr>
+            <a:xfrm flipH="1">
+              <a:off x="9206969" y="3190344"/>
+              <a:ext cx="2981857" cy="2981856"/>
+            </a:xfrm>
+            <a:prstGeom prst="line">
+              <a:avLst/>
+            </a:prstGeom>
+            <a:ln w="9525">
+              <a:solidFill>
+                <a:schemeClr val="tx2">
+                  <a:lumMod val="75000"/>
+                  <a:alpha val="80000"/>
+                </a:schemeClr>
+              </a:solidFill>
+            </a:ln>
+          </p:spPr>
+          <p:style>
+            <a:lnRef idx="2">
+              <a:schemeClr val="accent1"/>
+            </a:lnRef>
+            <a:fillRef idx="0">
+              <a:schemeClr val="accent1"/>
+            </a:fillRef>
+            <a:effectRef idx="1">
+              <a:schemeClr val="accent1"/>
+            </a:effectRef>
+            <a:fontRef idx="minor">
+              <a:schemeClr val="tx1"/>
+            </a:fontRef>
+          </p:style>
+        </p:cxnSp>
+        <p:cxnSp>
+          <p:nvCxnSpPr>
+            <p:cNvPr id="13" name="Straight Connector 12">
+              <a:extLst>
+                <a:ext uri="{FF2B5EF4-FFF2-40B4-BE49-F238E27FC236}">
+                  <a16:creationId xmlns:a16="http://schemas.microsoft.com/office/drawing/2014/main" id="{DE192CE3-3DD1-448F-93BE-42983DA0D5A9}"/>
+                </a:ext>
+                <a:ext uri="{C183D7F6-B498-43B3-948B-1728B52AA6E4}">
+                  <adec:decorative xmlns:adec="http://schemas.microsoft.com/office/drawing/2017/decorative" val="1"/>
+                </a:ext>
+              </a:extLst>
+            </p:cNvPr>
+            <p:cNvCxnSpPr/>
+            <p:nvPr>
+              <p:extLst>
+                <p:ext uri="{386F3935-93C4-4BCD-93E2-E3B085C9AB24}">
+                  <p16:designElem xmlns:p16="http://schemas.microsoft.com/office/powerpoint/2015/main" val="1"/>
+                </p:ext>
+              </p:extLst>
+            </p:nvPr>
+          </p:nvCxnSpPr>
+          <p:spPr>
+            <a:xfrm flipH="1">
+              <a:off x="10292292" y="3285067"/>
+              <a:ext cx="1896534" cy="1896533"/>
+            </a:xfrm>
+            <a:prstGeom prst="line">
+              <a:avLst/>
+            </a:prstGeom>
+            <a:ln w="9525">
+              <a:solidFill>
+                <a:schemeClr val="tx2">
+                  <a:lumMod val="75000"/>
+                  <a:alpha val="80000"/>
+                </a:schemeClr>
+              </a:solidFill>
+            </a:ln>
+          </p:spPr>
+          <p:style>
+            <a:lnRef idx="2">
+              <a:schemeClr val="accent1"/>
+            </a:lnRef>
+            <a:fillRef idx="0">
+              <a:schemeClr val="accent1"/>
+            </a:fillRef>
+            <a:effectRef idx="1">
+              <a:schemeClr val="accent1"/>
+            </a:effectRef>
+            <a:fontRef idx="minor">
+              <a:schemeClr val="tx1"/>
+            </a:fontRef>
+          </p:style>
+        </p:cxnSp>
+        <p:cxnSp>
+          <p:nvCxnSpPr>
+            <p:cNvPr id="14" name="Straight Connector 13">
+              <a:extLst>
+                <a:ext uri="{FF2B5EF4-FFF2-40B4-BE49-F238E27FC236}">
+                  <a16:creationId xmlns:a16="http://schemas.microsoft.com/office/drawing/2014/main" id="{E6D3DA09-5C72-4562-BEDE-1937DF87E81D}"/>
+                </a:ext>
+                <a:ext uri="{C183D7F6-B498-43B3-948B-1728B52AA6E4}">
+                  <adec:decorative xmlns:adec="http://schemas.microsoft.com/office/drawing/2017/decorative" val="1"/>
+                </a:ext>
+              </a:extLst>
+            </p:cNvPr>
+            <p:cNvCxnSpPr/>
+            <p:nvPr>
+              <p:extLst>
+                <p:ext uri="{386F3935-93C4-4BCD-93E2-E3B085C9AB24}">
+                  <p16:designElem xmlns:p16="http://schemas.microsoft.com/office/powerpoint/2015/main" val="1"/>
+                </p:ext>
+              </p:extLst>
+            </p:nvPr>
+          </p:nvCxnSpPr>
+          <p:spPr>
+            <a:xfrm flipH="1">
+              <a:off x="10443103" y="3131080"/>
+              <a:ext cx="1745722" cy="1745720"/>
+            </a:xfrm>
+            <a:prstGeom prst="line">
+              <a:avLst/>
+            </a:prstGeom>
+            <a:ln w="28575">
+              <a:solidFill>
+                <a:schemeClr val="tx2">
+                  <a:lumMod val="75000"/>
+                  <a:alpha val="80000"/>
+                </a:schemeClr>
+              </a:solidFill>
+            </a:ln>
+          </p:spPr>
+          <p:style>
+            <a:lnRef idx="2">
+              <a:schemeClr val="accent1"/>
+            </a:lnRef>
+            <a:fillRef idx="0">
+              <a:schemeClr val="accent1"/>
+            </a:fillRef>
+            <a:effectRef idx="1">
+              <a:schemeClr val="accent1"/>
+            </a:effectRef>
+            <a:fontRef idx="minor">
+              <a:schemeClr val="tx1"/>
+            </a:fontRef>
+          </p:style>
+        </p:cxnSp>
+        <p:cxnSp>
+          <p:nvCxnSpPr>
+            <p:cNvPr id="15" name="Straight Connector 14">
+              <a:extLst>
+                <a:ext uri="{FF2B5EF4-FFF2-40B4-BE49-F238E27FC236}">
+                  <a16:creationId xmlns:a16="http://schemas.microsoft.com/office/drawing/2014/main" id="{D6ACA7CA-2A20-49D7-9053-E076463D79A3}"/>
+                </a:ext>
+                <a:ext uri="{C183D7F6-B498-43B3-948B-1728B52AA6E4}">
+                  <adec:decorative xmlns:adec="http://schemas.microsoft.com/office/drawing/2017/decorative" val="1"/>
+                </a:ext>
+              </a:extLst>
+            </p:cNvPr>
+            <p:cNvCxnSpPr/>
+            <p:nvPr>
+              <p:extLst>
+                <p:ext uri="{386F3935-93C4-4BCD-93E2-E3B085C9AB24}">
+                  <p16:designElem xmlns:p16="http://schemas.microsoft.com/office/powerpoint/2015/main" val="1"/>
+                </p:ext>
+              </p:extLst>
+            </p:nvPr>
+          </p:nvCxnSpPr>
+          <p:spPr>
+            <a:xfrm flipH="1">
+              <a:off x="10918826" y="3683001"/>
+              <a:ext cx="1270001" cy="1269999"/>
+            </a:xfrm>
+            <a:prstGeom prst="line">
+              <a:avLst/>
+            </a:prstGeom>
+            <a:ln w="28575">
+              <a:solidFill>
+                <a:schemeClr val="tx2">
+                  <a:lumMod val="75000"/>
+                  <a:alpha val="80000"/>
+                </a:schemeClr>
+              </a:solidFill>
+            </a:ln>
+          </p:spPr>
+          <p:style>
+            <a:lnRef idx="2">
+              <a:schemeClr val="accent1"/>
+            </a:lnRef>
+            <a:fillRef idx="0">
+              <a:schemeClr val="accent1"/>
+            </a:fillRef>
+            <a:effectRef idx="1">
+              <a:schemeClr val="accent1"/>
+            </a:effectRef>
+            <a:fontRef idx="minor">
+              <a:schemeClr val="tx1"/>
+            </a:fontRef>
+          </p:style>
+        </p:cxnSp>
+      </p:grpSp>
+      <p:sp>
+        <p:nvSpPr>
+          <p:cNvPr id="3" name="Inhaltsplatzhalter 2">
+            <a:extLst>
+              <a:ext uri="{FF2B5EF4-FFF2-40B4-BE49-F238E27FC236}">
+                <a16:creationId xmlns:a16="http://schemas.microsoft.com/office/drawing/2014/main" id="{27E6EE71-C1BA-4DA4-A68D-D6DAF4CC9C25}"/>
+              </a:ext>
+            </a:extLst>
+          </p:cNvPr>
+          <p:cNvSpPr>
+            <a:spLocks noGrp="1"/>
+          </p:cNvSpPr>
+          <p:nvPr>
+            <p:ph idx="1"/>
+          </p:nvPr>
+        </p:nvSpPr>
+        <p:spPr>
+          <a:xfrm>
+            <a:off x="684212" y="2068511"/>
+            <a:ext cx="8534400" cy="3615267"/>
+          </a:xfrm>
+        </p:spPr>
+        <p:txBody>
+          <a:bodyPr>
+            <a:normAutofit/>
+          </a:bodyPr>
+          <a:lstStyle/>
+          <a:p>
+            <a:pPr marL="514350" indent="-514350">
+              <a:buFont typeface="+mj-lt"/>
+              <a:buAutoNum type="arabicPeriod"/>
+            </a:pPr>
+            <a:r>
+              <a:rPr lang="de-DE" sz="2800" dirty="0">
+                <a:solidFill>
+                  <a:schemeClr val="tx1"/>
+                </a:solidFill>
+              </a:rPr>
+              <a:t>Die Tuschi soll Dateien an die connect-bridge senden können.</a:t>
+            </a:r>
+          </a:p>
+          <a:p>
+            <a:pPr marL="514350" indent="-514350">
+              <a:buFont typeface="+mj-lt"/>
+              <a:buAutoNum type="arabicPeriod"/>
+            </a:pPr>
+            <a:r>
+              <a:rPr lang="de-DE" sz="2800" dirty="0">
+                <a:solidFill>
+                  <a:schemeClr val="tx1"/>
+                </a:solidFill>
+              </a:rPr>
+              <a:t>Die Tuschi soll die Rückmeldung über den Verlauf der Übertragung dem Benutzer anzeigen.</a:t>
+            </a:r>
+            <a:endParaRPr lang="en-US" sz="2800" dirty="0">
+              <a:solidFill>
+                <a:schemeClr val="tx1"/>
+              </a:solidFill>
+            </a:endParaRPr>
+          </a:p>
+        </p:txBody>
+      </p:sp>
+      <p:sp>
+        <p:nvSpPr>
+          <p:cNvPr id="5" name="Foliennummernplatzhalter 4">
+            <a:extLst>
+              <a:ext uri="{FF2B5EF4-FFF2-40B4-BE49-F238E27FC236}">
+                <a16:creationId xmlns:a16="http://schemas.microsoft.com/office/drawing/2014/main" id="{4DE8214D-1DB2-4D79-B436-DB5A16F8A910}"/>
+              </a:ext>
+            </a:extLst>
+          </p:cNvPr>
+          <p:cNvSpPr>
+            <a:spLocks noGrp="1"/>
+          </p:cNvSpPr>
+          <p:nvPr>
+            <p:ph type="sldNum" sz="quarter" idx="12"/>
+          </p:nvPr>
+        </p:nvSpPr>
+        <p:spPr/>
+        <p:txBody>
+          <a:bodyPr/>
+          <a:lstStyle/>
+          <a:p>
+            <a:fld id="{5C4AFE82-D2AF-4BDB-96A8-AD00DBF8219E}" type="slidenum">
+              <a:rPr lang="de-DE" smtClean="0">
+                <a:solidFill>
+                  <a:schemeClr val="tx1"/>
+                </a:solidFill>
+              </a:rPr>
+              <a:t>8</a:t>
+            </a:fld>
+            <a:endParaRPr lang="de-DE" dirty="0">
+              <a:solidFill>
+                <a:schemeClr val="tx1"/>
+              </a:solidFill>
+            </a:endParaRPr>
+          </a:p>
+        </p:txBody>
+      </p:sp>
+    </p:spTree>
+    <p:extLst>
+      <p:ext uri="{BB962C8B-B14F-4D97-AF65-F5344CB8AC3E}">
+        <p14:creationId xmlns:p14="http://schemas.microsoft.com/office/powerpoint/2010/main" val="2536013006"/>
+      </p:ext>
+    </p:extLst>
+  </p:cSld>
+  <p:clrMapOvr>
+    <a:masterClrMapping/>
+  </p:clrMapOvr>
+</p:sld>
+</file>
+
+<file path=ppt/slides/slide9.xml><?xml version="1.0" encoding="utf-8"?>
+<p:sld xmlns:a="http://schemas.openxmlformats.org/drawingml/2006/main" xmlns:r="http://schemas.openxmlformats.org/officeDocument/2006/relationships" xmlns:p="http://schemas.openxmlformats.org/presentationml/2006/main">
+  <p:cSld>
+    <p:spTree>
+      <p:nvGrpSpPr>
+        <p:cNvPr id="1" name=""/>
+        <p:cNvGrpSpPr/>
+        <p:nvPr/>
+      </p:nvGrpSpPr>
+      <p:grpSpPr>
+        <a:xfrm>
+          <a:off x="0" y="0"/>
+          <a:ext cx="0" cy="0"/>
+          <a:chOff x="0" y="0"/>
+          <a:chExt cx="0" cy="0"/>
+        </a:xfrm>
+      </p:grpSpPr>
+      <p:sp useBgFill="1">
+        <p:nvSpPr>
+          <p:cNvPr id="8" name="Rectangle 7">
+            <a:extLst>
+              <a:ext uri="{FF2B5EF4-FFF2-40B4-BE49-F238E27FC236}">
+                <a16:creationId xmlns:a16="http://schemas.microsoft.com/office/drawing/2014/main" id="{CADF2543-1B6F-4FBC-A7AF-53A0430E05AB}"/>
+              </a:ext>
+              <a:ext uri="{C183D7F6-B498-43B3-948B-1728B52AA6E4}">
+                <adec:decorative xmlns:adec="http://schemas.microsoft.com/office/drawing/2017/decorative" val="1"/>
+              </a:ext>
+            </a:extLst>
+          </p:cNvPr>
+          <p:cNvSpPr>
+            <a:spLocks noGrp="1" noRot="1" noChangeAspect="1" noMove="1" noResize="1" noEditPoints="1" noAdjustHandles="1" noChangeArrowheads="1" noChangeShapeType="1" noTextEdit="1"/>
+          </p:cNvSpPr>
+          <p:nvPr>
+            <p:extLst>
+              <p:ext uri="{386F3935-93C4-4BCD-93E2-E3B085C9AB24}">
+                <p16:designElem xmlns:p16="http://schemas.microsoft.com/office/powerpoint/2015/main" val="1"/>
+              </p:ext>
+            </p:extLst>
+          </p:nvPr>
+        </p:nvSpPr>
+        <p:spPr>
+          <a:xfrm>
+            <a:off x="0" y="0"/>
+            <a:ext cx="12192000" cy="6858000"/>
+          </a:xfrm>
+          <a:prstGeom prst="rect">
+            <a:avLst/>
+          </a:prstGeom>
+          <a:ln>
+            <a:noFill/>
+          </a:ln>
+        </p:spPr>
+        <p:style>
+          <a:lnRef idx="2">
+            <a:schemeClr val="accent1">
+              <a:shade val="50000"/>
+            </a:schemeClr>
+          </a:lnRef>
+          <a:fillRef idx="1">
+            <a:schemeClr val="accent1"/>
+          </a:fillRef>
+          <a:effectRef idx="0">
+            <a:schemeClr val="accent1"/>
+          </a:effectRef>
+          <a:fontRef idx="minor">
+            <a:schemeClr val="lt1"/>
+          </a:fontRef>
+        </p:style>
+        <p:txBody>
+          <a:bodyPr rtlCol="0" anchor="ctr"/>
+          <a:lstStyle/>
+          <a:p>
+            <a:pPr algn="ctr"/>
+            <a:endParaRPr lang="en-US"/>
+          </a:p>
+        </p:txBody>
+      </p:sp>
+      <p:sp>
+        <p:nvSpPr>
+          <p:cNvPr id="2" name="Titel 1">
+            <a:extLst>
+              <a:ext uri="{FF2B5EF4-FFF2-40B4-BE49-F238E27FC236}">
+                <a16:creationId xmlns:a16="http://schemas.microsoft.com/office/drawing/2014/main" id="{6330688F-EEAD-4DD0-94C7-BE719016C864}"/>
+              </a:ext>
+            </a:extLst>
+          </p:cNvPr>
+          <p:cNvSpPr>
+            <a:spLocks noGrp="1"/>
+          </p:cNvSpPr>
+          <p:nvPr>
+            <p:ph type="title"/>
+          </p:nvPr>
+        </p:nvSpPr>
+        <p:spPr>
+          <a:xfrm>
+            <a:off x="684211" y="485244"/>
+            <a:ext cx="8908521" cy="1507067"/>
+          </a:xfrm>
+        </p:spPr>
+        <p:txBody>
+          <a:bodyPr>
+            <a:normAutofit/>
+          </a:bodyPr>
+          <a:lstStyle/>
+          <a:p>
+            <a:r>
+              <a:rPr lang="de-DE" dirty="0"/>
+              <a:t>Nicht-Funktionale Anforderungen</a:t>
+            </a:r>
+          </a:p>
+        </p:txBody>
+      </p:sp>
+      <p:grpSp>
+        <p:nvGrpSpPr>
+          <p:cNvPr id="10" name="Group 9">
+            <a:extLst>
+              <a:ext uri="{FF2B5EF4-FFF2-40B4-BE49-F238E27FC236}">
+                <a16:creationId xmlns:a16="http://schemas.microsoft.com/office/drawing/2014/main" id="{A80A6E81-6B71-43DF-877B-E964A9A4CB68}"/>
+              </a:ext>
+              <a:ext uri="{C183D7F6-B498-43B3-948B-1728B52AA6E4}">
+                <adec:decorative xmlns:adec="http://schemas.microsoft.com/office/drawing/2017/decorative" val="1"/>
+              </a:ext>
+            </a:extLst>
+          </p:cNvPr>
+          <p:cNvGrpSpPr>
+            <a:grpSpLocks noGrp="1" noUngrp="1" noRot="1" noChangeAspect="1" noMove="1" noResize="1"/>
+          </p:cNvGrpSpPr>
+          <p:nvPr>
+            <p:extLst>
+              <p:ext uri="{386F3935-93C4-4BCD-93E2-E3B085C9AB24}">
+                <p16:designElem xmlns:p16="http://schemas.microsoft.com/office/powerpoint/2015/main" val="1"/>
+              </p:ext>
+            </p:extLst>
+          </p:nvPr>
+        </p:nvGrpSpPr>
+        <p:grpSpPr>
+          <a:xfrm>
+            <a:off x="9206969" y="2963333"/>
+            <a:ext cx="2981858" cy="3208867"/>
+            <a:chOff x="9206969" y="2963333"/>
+            <a:chExt cx="2981858" cy="3208867"/>
+          </a:xfrm>
+        </p:grpSpPr>
+        <p:cxnSp>
+          <p:nvCxnSpPr>
+            <p:cNvPr id="11" name="Straight Connector 10">
+              <a:extLst>
+                <a:ext uri="{FF2B5EF4-FFF2-40B4-BE49-F238E27FC236}">
+                  <a16:creationId xmlns:a16="http://schemas.microsoft.com/office/drawing/2014/main" id="{4E35C3AD-357F-4004-A3F3-2D4EAF34A63D}"/>
+                </a:ext>
+                <a:ext uri="{C183D7F6-B498-43B3-948B-1728B52AA6E4}">
+                  <adec:decorative xmlns:adec="http://schemas.microsoft.com/office/drawing/2017/decorative" val="1"/>
+                </a:ext>
+              </a:extLst>
+            </p:cNvPr>
+            <p:cNvCxnSpPr/>
+            <p:nvPr>
+              <p:extLst>
+                <p:ext uri="{386F3935-93C4-4BCD-93E2-E3B085C9AB24}">
+                  <p16:designElem xmlns:p16="http://schemas.microsoft.com/office/powerpoint/2015/main" val="1"/>
+                </p:ext>
+              </p:extLst>
+            </p:nvPr>
+          </p:nvCxnSpPr>
+          <p:spPr>
+            <a:xfrm flipH="1">
+              <a:off x="11276012" y="2963333"/>
+              <a:ext cx="912814" cy="912812"/>
+            </a:xfrm>
+            <a:prstGeom prst="line">
+              <a:avLst/>
+            </a:prstGeom>
+            <a:ln w="9525">
+              <a:solidFill>
+                <a:schemeClr val="tx2">
+                  <a:lumMod val="75000"/>
+                  <a:alpha val="80000"/>
+                </a:schemeClr>
+              </a:solidFill>
+            </a:ln>
+          </p:spPr>
+          <p:style>
+            <a:lnRef idx="2">
+              <a:schemeClr val="accent1"/>
+            </a:lnRef>
+            <a:fillRef idx="0">
+              <a:schemeClr val="accent1"/>
+            </a:fillRef>
+            <a:effectRef idx="1">
+              <a:schemeClr val="accent1"/>
+            </a:effectRef>
+            <a:fontRef idx="minor">
+              <a:schemeClr val="tx1"/>
+            </a:fontRef>
+          </p:style>
+        </p:cxnSp>
+        <p:cxnSp>
+          <p:nvCxnSpPr>
+            <p:cNvPr id="12" name="Straight Connector 11">
+              <a:extLst>
+                <a:ext uri="{FF2B5EF4-FFF2-40B4-BE49-F238E27FC236}">
+                  <a16:creationId xmlns:a16="http://schemas.microsoft.com/office/drawing/2014/main" id="{337B6032-0A70-4F26-A9A3-B4D60DF11818}"/>
+                </a:ext>
+                <a:ext uri="{C183D7F6-B498-43B3-948B-1728B52AA6E4}">
+                  <adec:decorative xmlns:adec="http://schemas.microsoft.com/office/drawing/2017/decorative" val="1"/>
+                </a:ext>
+              </a:extLst>
+            </p:cNvPr>
+            <p:cNvCxnSpPr/>
+            <p:nvPr>
+              <p:extLst>
+                <p:ext uri="{386F3935-93C4-4BCD-93E2-E3B085C9AB24}">
+                  <p16:designElem xmlns:p16="http://schemas.microsoft.com/office/powerpoint/2015/main" val="1"/>
+                </p:ext>
+              </p:extLst>
+            </p:nvPr>
+          </p:nvCxnSpPr>
+          <p:spPr>
+            <a:xfrm flipH="1">
+              <a:off x="9206969" y="3190344"/>
+              <a:ext cx="2981857" cy="2981856"/>
+            </a:xfrm>
+            <a:prstGeom prst="line">
+              <a:avLst/>
+            </a:prstGeom>
+            <a:ln w="9525">
+              <a:solidFill>
+                <a:schemeClr val="tx2">
+                  <a:lumMod val="75000"/>
+                  <a:alpha val="80000"/>
+                </a:schemeClr>
+              </a:solidFill>
+            </a:ln>
+          </p:spPr>
+          <p:style>
+            <a:lnRef idx="2">
+              <a:schemeClr val="accent1"/>
+            </a:lnRef>
+            <a:fillRef idx="0">
+              <a:schemeClr val="accent1"/>
+            </a:fillRef>
+            <a:effectRef idx="1">
+              <a:schemeClr val="accent1"/>
+            </a:effectRef>
+            <a:fontRef idx="minor">
+              <a:schemeClr val="tx1"/>
+            </a:fontRef>
+          </p:style>
+        </p:cxnSp>
+        <p:cxnSp>
+          <p:nvCxnSpPr>
+            <p:cNvPr id="13" name="Straight Connector 12">
+              <a:extLst>
+                <a:ext uri="{FF2B5EF4-FFF2-40B4-BE49-F238E27FC236}">
+                  <a16:creationId xmlns:a16="http://schemas.microsoft.com/office/drawing/2014/main" id="{DE192CE3-3DD1-448F-93BE-42983DA0D5A9}"/>
+                </a:ext>
+                <a:ext uri="{C183D7F6-B498-43B3-948B-1728B52AA6E4}">
+                  <adec:decorative xmlns:adec="http://schemas.microsoft.com/office/drawing/2017/decorative" val="1"/>
+                </a:ext>
+              </a:extLst>
+            </p:cNvPr>
+            <p:cNvCxnSpPr/>
+            <p:nvPr>
+              <p:extLst>
+                <p:ext uri="{386F3935-93C4-4BCD-93E2-E3B085C9AB24}">
+                  <p16:designElem xmlns:p16="http://schemas.microsoft.com/office/powerpoint/2015/main" val="1"/>
+                </p:ext>
+              </p:extLst>
+            </p:nvPr>
+          </p:nvCxnSpPr>
+          <p:spPr>
+            <a:xfrm flipH="1">
+              <a:off x="10292292" y="3285067"/>
+              <a:ext cx="1896534" cy="1896533"/>
+            </a:xfrm>
+            <a:prstGeom prst="line">
+              <a:avLst/>
+            </a:prstGeom>
+            <a:ln w="9525">
+              <a:solidFill>
+                <a:schemeClr val="tx2">
+                  <a:lumMod val="75000"/>
+                  <a:alpha val="80000"/>
+                </a:schemeClr>
+              </a:solidFill>
+            </a:ln>
+          </p:spPr>
+          <p:style>
+            <a:lnRef idx="2">
+              <a:schemeClr val="accent1"/>
+            </a:lnRef>
+            <a:fillRef idx="0">
+              <a:schemeClr val="accent1"/>
+            </a:fillRef>
+            <a:effectRef idx="1">
+              <a:schemeClr val="accent1"/>
+            </a:effectRef>
+            <a:fontRef idx="minor">
+              <a:schemeClr val="tx1"/>
+            </a:fontRef>
+          </p:style>
+        </p:cxnSp>
+        <p:cxnSp>
+          <p:nvCxnSpPr>
+            <p:cNvPr id="14" name="Straight Connector 13">
+              <a:extLst>
+                <a:ext uri="{FF2B5EF4-FFF2-40B4-BE49-F238E27FC236}">
+                  <a16:creationId xmlns:a16="http://schemas.microsoft.com/office/drawing/2014/main" id="{E6D3DA09-5C72-4562-BEDE-1937DF87E81D}"/>
+                </a:ext>
+                <a:ext uri="{C183D7F6-B498-43B3-948B-1728B52AA6E4}">
+                  <adec:decorative xmlns:adec="http://schemas.microsoft.com/office/drawing/2017/decorative" val="1"/>
+                </a:ext>
+              </a:extLst>
+            </p:cNvPr>
+            <p:cNvCxnSpPr/>
+            <p:nvPr>
+              <p:extLst>
+                <p:ext uri="{386F3935-93C4-4BCD-93E2-E3B085C9AB24}">
+                  <p16:designElem xmlns:p16="http://schemas.microsoft.com/office/powerpoint/2015/main" val="1"/>
+                </p:ext>
+              </p:extLst>
+            </p:nvPr>
+          </p:nvCxnSpPr>
+          <p:spPr>
+            <a:xfrm flipH="1">
+              <a:off x="10443103" y="3131080"/>
+              <a:ext cx="1745722" cy="1745720"/>
+            </a:xfrm>
+            <a:prstGeom prst="line">
+              <a:avLst/>
+            </a:prstGeom>
+            <a:ln w="28575">
+              <a:solidFill>
+                <a:schemeClr val="tx2">
+                  <a:lumMod val="75000"/>
+                  <a:alpha val="80000"/>
+                </a:schemeClr>
+              </a:solidFill>
+            </a:ln>
+          </p:spPr>
+          <p:style>
+            <a:lnRef idx="2">
+              <a:schemeClr val="accent1"/>
+            </a:lnRef>
+            <a:fillRef idx="0">
+              <a:schemeClr val="accent1"/>
+            </a:fillRef>
+            <a:effectRef idx="1">
+              <a:schemeClr val="accent1"/>
+            </a:effectRef>
+            <a:fontRef idx="minor">
+              <a:schemeClr val="tx1"/>
+            </a:fontRef>
+          </p:style>
+        </p:cxnSp>
+        <p:cxnSp>
+          <p:nvCxnSpPr>
+            <p:cNvPr id="15" name="Straight Connector 14">
+              <a:extLst>
+                <a:ext uri="{FF2B5EF4-FFF2-40B4-BE49-F238E27FC236}">
+                  <a16:creationId xmlns:a16="http://schemas.microsoft.com/office/drawing/2014/main" id="{D6ACA7CA-2A20-49D7-9053-E076463D79A3}"/>
+                </a:ext>
+                <a:ext uri="{C183D7F6-B498-43B3-948B-1728B52AA6E4}">
+                  <adec:decorative xmlns:adec="http://schemas.microsoft.com/office/drawing/2017/decorative" val="1"/>
+                </a:ext>
+              </a:extLst>
+            </p:cNvPr>
+            <p:cNvCxnSpPr/>
+            <p:nvPr>
+              <p:extLst>
+                <p:ext uri="{386F3935-93C4-4BCD-93E2-E3B085C9AB24}">
+                  <p16:designElem xmlns:p16="http://schemas.microsoft.com/office/powerpoint/2015/main" val="1"/>
+                </p:ext>
+              </p:extLst>
+            </p:nvPr>
+          </p:nvCxnSpPr>
+          <p:spPr>
+            <a:xfrm flipH="1">
+              <a:off x="10918826" y="3683001"/>
+              <a:ext cx="1270001" cy="1269999"/>
+            </a:xfrm>
+            <a:prstGeom prst="line">
+              <a:avLst/>
+            </a:prstGeom>
+            <a:ln w="28575">
+              <a:solidFill>
+                <a:schemeClr val="tx2">
+                  <a:lumMod val="75000"/>
+                  <a:alpha val="80000"/>
+                </a:schemeClr>
+              </a:solidFill>
+            </a:ln>
+          </p:spPr>
+          <p:style>
+            <a:lnRef idx="2">
+              <a:schemeClr val="accent1"/>
+            </a:lnRef>
+            <a:fillRef idx="0">
+              <a:schemeClr val="accent1"/>
+            </a:fillRef>
+            <a:effectRef idx="1">
+              <a:schemeClr val="accent1"/>
+            </a:effectRef>
+            <a:fontRef idx="minor">
+              <a:schemeClr val="tx1"/>
+            </a:fontRef>
+          </p:style>
+        </p:cxnSp>
+      </p:grpSp>
+      <p:sp>
+        <p:nvSpPr>
+          <p:cNvPr id="3" name="Inhaltsplatzhalter 2">
+            <a:extLst>
+              <a:ext uri="{FF2B5EF4-FFF2-40B4-BE49-F238E27FC236}">
+                <a16:creationId xmlns:a16="http://schemas.microsoft.com/office/drawing/2014/main" id="{27E6EE71-C1BA-4DA4-A68D-D6DAF4CC9C25}"/>
+              </a:ext>
+            </a:extLst>
+          </p:cNvPr>
+          <p:cNvSpPr>
+            <a:spLocks noGrp="1"/>
+          </p:cNvSpPr>
+          <p:nvPr>
+            <p:ph idx="1"/>
+          </p:nvPr>
+        </p:nvSpPr>
+        <p:spPr>
+          <a:xfrm>
+            <a:off x="684212" y="2068511"/>
+            <a:ext cx="8534400" cy="3615267"/>
+          </a:xfrm>
+        </p:spPr>
+        <p:txBody>
+          <a:bodyPr>
+            <a:normAutofit/>
+          </a:bodyPr>
+          <a:lstStyle/>
+          <a:p>
+            <a:pPr>
+              <a:buFont typeface="Wingdings" panose="05000000000000000000" pitchFamily="2" charset="2"/>
+              <a:buChar char="v"/>
+            </a:pPr>
+            <a:r>
+              <a:rPr lang="en-US" sz="2800" dirty="0" err="1">
+                <a:solidFill>
+                  <a:schemeClr val="tx1"/>
+                </a:solidFill>
+              </a:rPr>
+              <a:t>Anforderungen</a:t>
+            </a:r>
+            <a:r>
+              <a:rPr lang="en-US" sz="2800" dirty="0">
+                <a:solidFill>
+                  <a:schemeClr val="tx1"/>
+                </a:solidFill>
+              </a:rPr>
+              <a:t> an die </a:t>
+            </a:r>
+            <a:r>
+              <a:rPr lang="en-US" sz="2800" dirty="0" err="1">
+                <a:solidFill>
+                  <a:schemeClr val="tx1"/>
+                </a:solidFill>
+              </a:rPr>
+              <a:t>Qualität</a:t>
+            </a:r>
+            <a:endParaRPr lang="en-US" sz="2800" dirty="0">
+              <a:solidFill>
+                <a:schemeClr val="tx1"/>
+              </a:solidFill>
+            </a:endParaRPr>
+          </a:p>
+          <a:p>
+            <a:pPr>
+              <a:buFont typeface="Wingdings" panose="05000000000000000000" pitchFamily="2" charset="2"/>
+              <a:buChar char="v"/>
+            </a:pPr>
+            <a:endParaRPr lang="en-US" sz="2800" dirty="0">
+              <a:solidFill>
+                <a:schemeClr val="tx1"/>
+              </a:solidFill>
+            </a:endParaRPr>
+          </a:p>
+        </p:txBody>
+      </p:sp>
+      <p:sp>
+        <p:nvSpPr>
+          <p:cNvPr id="5" name="Foliennummernplatzhalter 4">
+            <a:extLst>
+              <a:ext uri="{FF2B5EF4-FFF2-40B4-BE49-F238E27FC236}">
+                <a16:creationId xmlns:a16="http://schemas.microsoft.com/office/drawing/2014/main" id="{4DE8214D-1DB2-4D79-B436-DB5A16F8A910}"/>
+              </a:ext>
+            </a:extLst>
+          </p:cNvPr>
+          <p:cNvSpPr>
+            <a:spLocks noGrp="1"/>
+          </p:cNvSpPr>
+          <p:nvPr>
+            <p:ph type="sldNum" sz="quarter" idx="12"/>
+          </p:nvPr>
+        </p:nvSpPr>
+        <p:spPr/>
+        <p:txBody>
+          <a:bodyPr/>
+          <a:lstStyle/>
+          <a:p>
+            <a:fld id="{5C4AFE82-D2AF-4BDB-96A8-AD00DBF8219E}" type="slidenum">
+              <a:rPr lang="de-DE" smtClean="0">
+                <a:solidFill>
+                  <a:schemeClr val="tx1"/>
+                </a:solidFill>
+              </a:rPr>
+              <a:t>9</a:t>
+            </a:fld>
+            <a:endParaRPr lang="de-DE" dirty="0">
+              <a:solidFill>
+                <a:schemeClr val="tx1"/>
+              </a:solidFill>
+            </a:endParaRPr>
+          </a:p>
+        </p:txBody>
+      </p:sp>
+    </p:spTree>
+    <p:extLst>
+      <p:ext uri="{BB962C8B-B14F-4D97-AF65-F5344CB8AC3E}">
+        <p14:creationId xmlns:p14="http://schemas.microsoft.com/office/powerpoint/2010/main" val="2487851877"/>
       </p:ext>
     </p:extLst>
   </p:cSld>
